--- a/doc/design/luabot design.pptx
+++ b/doc/design/luabot design.pptx
@@ -2,16 +2,21 @@
 <file path=ppt/presentation.xml><?xml version="1.0" encoding="utf-8"?>
 <p:presentation xmlns:a="http://schemas.openxmlformats.org/drawingml/2006/main" xmlns:r="http://schemas.openxmlformats.org/officeDocument/2006/relationships" xmlns:p="http://schemas.openxmlformats.org/presentationml/2006/main" saveSubsetFonts="1">
   <p:sldMasterIdLst>
-    <p:sldMasterId id="2147483708" r:id="rId1"/>
+    <p:sldMasterId id="2147483720" r:id="rId1"/>
   </p:sldMasterIdLst>
+  <p:notesMasterIdLst>
+    <p:notesMasterId r:id="rId11"/>
+  </p:notesMasterIdLst>
   <p:sldIdLst>
     <p:sldId id="256" r:id="rId2"/>
-    <p:sldId id="257" r:id="rId3"/>
-    <p:sldId id="260" r:id="rId4"/>
-    <p:sldId id="261" r:id="rId5"/>
-    <p:sldId id="262" r:id="rId6"/>
-    <p:sldId id="258" r:id="rId7"/>
-    <p:sldId id="259" r:id="rId8"/>
+    <p:sldId id="264" r:id="rId3"/>
+    <p:sldId id="257" r:id="rId4"/>
+    <p:sldId id="263" r:id="rId5"/>
+    <p:sldId id="260" r:id="rId6"/>
+    <p:sldId id="261" r:id="rId7"/>
+    <p:sldId id="262" r:id="rId8"/>
+    <p:sldId id="258" r:id="rId9"/>
+    <p:sldId id="259" r:id="rId10"/>
   </p:sldIdLst>
   <p:sldSz cx="9144000" cy="6858000" type="screen4x3"/>
   <p:notesSz cx="6858000" cy="9144000"/>
@@ -113,12 +118,12 @@
 </p:presentation>
 </file>
 
-<file path=ppt/slideLayouts/slideLayout1.xml><?xml version="1.0" encoding="utf-8"?>
-<p:sldLayout xmlns:a="http://schemas.openxmlformats.org/drawingml/2006/main" xmlns:r="http://schemas.openxmlformats.org/officeDocument/2006/relationships" xmlns:p="http://schemas.openxmlformats.org/presentationml/2006/main" showMasterSp="0" type="title" preserve="1">
-  <p:cSld name="标题幻灯片">
+<file path=ppt/notesMasters/notesMaster1.xml><?xml version="1.0" encoding="utf-8"?>
+<p:notesMaster xmlns:a="http://schemas.openxmlformats.org/drawingml/2006/main" xmlns:r="http://schemas.openxmlformats.org/officeDocument/2006/relationships" xmlns:p="http://schemas.openxmlformats.org/presentationml/2006/main">
+  <p:cSld>
     <p:bg>
-      <p:bgRef idx="1002">
-        <a:schemeClr val="bg2"/>
+      <p:bgRef idx="1001">
+        <a:schemeClr val="bg1"/>
       </p:bgRef>
     </p:bg>
     <p:spTree>
@@ -137,288 +142,458 @@
       </p:grpSpPr>
       <p:sp>
         <p:nvSpPr>
-          <p:cNvPr id="7" name="任意多边形 6"/>
-          <p:cNvSpPr>
-            <a:spLocks/>
-          </p:cNvSpPr>
-          <p:nvPr/>
-        </p:nvSpPr>
-        <p:spPr bwMode="auto">
-          <a:xfrm>
-            <a:off x="0" y="4752126"/>
-            <a:ext cx="9144000" cy="2112962"/>
-          </a:xfrm>
-          <a:custGeom>
-            <a:avLst>
-              <a:gd name="A1" fmla="val 0"/>
-              <a:gd name="A2" fmla="val 0"/>
-              <a:gd name="A3" fmla="val 0"/>
-              <a:gd name="A4" fmla="val 0"/>
-              <a:gd name="A5" fmla="val 0"/>
-              <a:gd name="A6" fmla="val 0"/>
-              <a:gd name="A7" fmla="val 0"/>
-              <a:gd name="A8" fmla="val 0"/>
-            </a:avLst>
-            <a:gdLst/>
-            <a:ahLst/>
-            <a:cxnLst>
-              <a:cxn ang="0">
-                <a:pos x="0" y="1066"/>
-              </a:cxn>
-              <a:cxn ang="0">
-                <a:pos x="0" y="1331"/>
-              </a:cxn>
-              <a:cxn ang="0">
-                <a:pos x="5760" y="1331"/>
-              </a:cxn>
-              <a:cxn ang="0">
-                <a:pos x="5760" y="0"/>
-              </a:cxn>
-              <a:cxn ang="0">
-                <a:pos x="0" y="1066"/>
-              </a:cxn>
-            </a:cxnLst>
-            <a:rect l="0" t="0" r="0" b="0"/>
-            <a:pathLst>
-              <a:path w="5760" h="1331">
-                <a:moveTo>
-                  <a:pt x="0" y="1066"/>
-                </a:moveTo>
-                <a:lnTo>
-                  <a:pt x="0" y="1331"/>
-                </a:lnTo>
-                <a:lnTo>
-                  <a:pt x="5760" y="1331"/>
-                </a:lnTo>
-                <a:lnTo>
-                  <a:pt x="5760" y="0"/>
-                </a:lnTo>
-                <a:cubicBezTo>
-                  <a:pt x="3220" y="1206"/>
-                  <a:pt x="2250" y="1146"/>
-                  <a:pt x="0" y="1066"/>
-                </a:cubicBezTo>
-                <a:close/>
-              </a:path>
-            </a:pathLst>
-          </a:custGeom>
-          <a:solidFill>
-            <a:schemeClr val="bg1">
-              <a:tint val="80000"/>
-              <a:satMod val="200000"/>
-              <a:alpha val="45000"/>
-            </a:schemeClr>
-          </a:solidFill>
-          <a:ln w="9525" cap="flat" cmpd="sng" algn="ctr">
-            <a:noFill/>
-            <a:prstDash val="solid"/>
-            <a:round/>
-            <a:headEnd type="none" w="med" len="med"/>
-            <a:tailEnd type="none" w="med" len="med"/>
-          </a:ln>
-          <a:effectLst>
-            <a:outerShdw blurRad="50800" dist="44450" dir="16200000" algn="ctr" rotWithShape="0">
-              <a:prstClr val="black">
-                <a:alpha val="35000"/>
-              </a:prstClr>
-            </a:outerShdw>
-          </a:effectLst>
-        </p:spPr>
-        <p:txBody>
-          <a:bodyPr vert="horz" wrap="square" lIns="91440" tIns="45720" rIns="91440" bIns="45720" anchor="t" compatLnSpc="1"/>
-          <a:lstStyle/>
-          <a:p>
-            <a:endParaRPr kumimoji="0" lang="en-US"/>
-          </a:p>
-        </p:txBody>
-      </p:sp>
-      <p:sp>
-        <p:nvSpPr>
-          <p:cNvPr id="8" name="任意多边形 7"/>
-          <p:cNvSpPr>
-            <a:spLocks/>
-          </p:cNvSpPr>
-          <p:nvPr/>
-        </p:nvSpPr>
-        <p:spPr bwMode="auto">
-          <a:xfrm>
-            <a:off x="6105525" y="0"/>
-            <a:ext cx="3038475" cy="6858000"/>
-          </a:xfrm>
-          <a:custGeom>
-            <a:avLst/>
-            <a:gdLst>
-              <a:gd name="connsiteX0" fmla="*/ 1914 w 1914"/>
-              <a:gd name="connsiteY0" fmla="*/ 9 h 4329"/>
-              <a:gd name="connsiteX1" fmla="*/ 1914 w 1914"/>
-              <a:gd name="connsiteY1" fmla="*/ 4329 h 4329"/>
-              <a:gd name="connsiteX2" fmla="*/ 204 w 1914"/>
-              <a:gd name="connsiteY2" fmla="*/ 4327 h 4329"/>
-              <a:gd name="connsiteX3" fmla="*/ 0 w 1914"/>
-              <a:gd name="connsiteY3" fmla="*/ 0 h 4329"/>
-              <a:gd name="connsiteX4" fmla="*/ 1914 w 1914"/>
-              <a:gd name="connsiteY4" fmla="*/ 9 h 4329"/>
-            </a:gdLst>
-            <a:ahLst/>
-            <a:cxnLst>
-              <a:cxn ang="0">
-                <a:pos x="connsiteX0" y="connsiteY0"/>
-              </a:cxn>
-              <a:cxn ang="0">
-                <a:pos x="connsiteX1" y="connsiteY1"/>
-              </a:cxn>
-              <a:cxn ang="0">
-                <a:pos x="connsiteX2" y="connsiteY2"/>
-              </a:cxn>
-              <a:cxn ang="0">
-                <a:pos x="connsiteX3" y="connsiteY3"/>
-              </a:cxn>
-              <a:cxn ang="0">
-                <a:pos x="connsiteX4" y="connsiteY4"/>
-              </a:cxn>
-            </a:cxnLst>
-            <a:rect l="l" t="t" r="r" b="b"/>
-            <a:pathLst>
-              <a:path w="1914" h="4329">
-                <a:moveTo>
-                  <a:pt x="1914" y="9"/>
-                </a:moveTo>
-                <a:lnTo>
-                  <a:pt x="1914" y="4329"/>
-                </a:lnTo>
-                <a:lnTo>
-                  <a:pt x="204" y="4327"/>
-                </a:lnTo>
-                <a:cubicBezTo>
-                  <a:pt x="1288" y="3574"/>
-                  <a:pt x="1608" y="1590"/>
-                  <a:pt x="0" y="0"/>
-                </a:cubicBezTo>
-                <a:lnTo>
-                  <a:pt x="1914" y="9"/>
-                </a:lnTo>
-                <a:close/>
-              </a:path>
-            </a:pathLst>
-          </a:custGeom>
-          <a:solidFill>
-            <a:schemeClr val="bg1">
-              <a:tint val="90000"/>
-              <a:satMod val="350000"/>
-              <a:alpha val="40000"/>
-            </a:schemeClr>
-          </a:solidFill>
-          <a:ln w="9525" cap="flat" cmpd="sng" algn="ctr">
-            <a:noFill/>
-            <a:prstDash val="solid"/>
-            <a:round/>
-            <a:headEnd type="none" w="med" len="med"/>
-            <a:tailEnd type="none" w="med" len="med"/>
-          </a:ln>
-          <a:effectLst>
-            <a:outerShdw blurRad="50800" dist="50800" dir="10800000" algn="ctr" rotWithShape="0">
-              <a:prstClr val="black">
-                <a:alpha val="45000"/>
-              </a:prstClr>
-            </a:outerShdw>
-          </a:effectLst>
-        </p:spPr>
-        <p:txBody>
-          <a:bodyPr vert="horz" wrap="square" lIns="91440" tIns="45720" rIns="91440" bIns="45720" anchor="t" compatLnSpc="1"/>
-          <a:lstStyle/>
-          <a:p>
-            <a:endParaRPr kumimoji="0" lang="en-US"/>
-          </a:p>
-        </p:txBody>
-      </p:sp>
-      <p:sp>
-        <p:nvSpPr>
-          <p:cNvPr id="9" name="标题 8"/>
-          <p:cNvSpPr>
-            <a:spLocks noGrp="1"/>
-          </p:cNvSpPr>
-          <p:nvPr>
-            <p:ph type="ctrTitle"/>
+          <p:cNvPr id="2" name="页眉占位符 1"/>
+          <p:cNvSpPr>
+            <a:spLocks noGrp="1"/>
+          </p:cNvSpPr>
+          <p:nvPr>
+            <p:ph type="hdr" sz="quarter"/>
           </p:nvPr>
         </p:nvSpPr>
         <p:spPr>
           <a:xfrm>
-            <a:off x="429064" y="3337560"/>
-            <a:ext cx="6480048" cy="2301240"/>
+            <a:off x="0" y="0"/>
+            <a:ext cx="2971800" cy="457200"/>
+          </a:xfrm>
+          <a:prstGeom prst="rect">
+            <a:avLst/>
+          </a:prstGeom>
+        </p:spPr>
+        <p:txBody>
+          <a:bodyPr vert="horz" lIns="91440" tIns="45720" rIns="91440" bIns="45720" rtlCol="0"/>
+          <a:lstStyle>
+            <a:lvl1pPr algn="l">
+              <a:defRPr sz="1200"/>
+            </a:lvl1pPr>
+          </a:lstStyle>
+          <a:p>
+            <a:endParaRPr lang="zh-CN" altLang="en-US"/>
+          </a:p>
+        </p:txBody>
+      </p:sp>
+      <p:sp>
+        <p:nvSpPr>
+          <p:cNvPr id="3" name="日期占位符 2"/>
+          <p:cNvSpPr>
+            <a:spLocks noGrp="1"/>
+          </p:cNvSpPr>
+          <p:nvPr>
+            <p:ph type="dt" idx="1"/>
+          </p:nvPr>
+        </p:nvSpPr>
+        <p:spPr>
+          <a:xfrm>
+            <a:off x="3884613" y="0"/>
+            <a:ext cx="2971800" cy="457200"/>
+          </a:xfrm>
+          <a:prstGeom prst="rect">
+            <a:avLst/>
+          </a:prstGeom>
+        </p:spPr>
+        <p:txBody>
+          <a:bodyPr vert="horz" lIns="91440" tIns="45720" rIns="91440" bIns="45720" rtlCol="0"/>
+          <a:lstStyle>
+            <a:lvl1pPr algn="r">
+              <a:defRPr sz="1200"/>
+            </a:lvl1pPr>
+          </a:lstStyle>
+          <a:p>
+            <a:fld id="{DC8C5B6F-57B6-446A-9B0B-6B6BE44C5D92}" type="datetimeFigureOut">
+              <a:rPr lang="zh-CN" altLang="en-US" smtClean="0"/>
+              <a:t>2012/2/29</a:t>
+            </a:fld>
+            <a:endParaRPr lang="zh-CN" altLang="en-US"/>
+          </a:p>
+        </p:txBody>
+      </p:sp>
+      <p:sp>
+        <p:nvSpPr>
+          <p:cNvPr id="4" name="幻灯片图像占位符 3"/>
+          <p:cNvSpPr>
+            <a:spLocks noGrp="1" noRot="1" noChangeAspect="1"/>
+          </p:cNvSpPr>
+          <p:nvPr>
+            <p:ph type="sldImg" idx="2"/>
+          </p:nvPr>
+        </p:nvSpPr>
+        <p:spPr>
+          <a:xfrm>
+            <a:off x="1143000" y="685800"/>
+            <a:ext cx="4572000" cy="3429000"/>
+          </a:xfrm>
+          <a:prstGeom prst="rect">
+            <a:avLst/>
+          </a:prstGeom>
+          <a:noFill/>
+          <a:ln w="12700">
+            <a:solidFill>
+              <a:prstClr val="black"/>
+            </a:solidFill>
+          </a:ln>
+        </p:spPr>
+        <p:txBody>
+          <a:bodyPr vert="horz" lIns="91440" tIns="45720" rIns="91440" bIns="45720" rtlCol="0" anchor="ctr"/>
+          <a:lstStyle/>
+          <a:p>
+            <a:endParaRPr lang="zh-CN" altLang="en-US"/>
+          </a:p>
+        </p:txBody>
+      </p:sp>
+      <p:sp>
+        <p:nvSpPr>
+          <p:cNvPr id="5" name="备注占位符 4"/>
+          <p:cNvSpPr>
+            <a:spLocks noGrp="1"/>
+          </p:cNvSpPr>
+          <p:nvPr>
+            <p:ph type="body" sz="quarter" idx="3"/>
+          </p:nvPr>
+        </p:nvSpPr>
+        <p:spPr>
+          <a:xfrm>
+            <a:off x="685800" y="4343400"/>
+            <a:ext cx="5486400" cy="4114800"/>
+          </a:xfrm>
+          <a:prstGeom prst="rect">
+            <a:avLst/>
+          </a:prstGeom>
+        </p:spPr>
+        <p:txBody>
+          <a:bodyPr vert="horz" lIns="91440" tIns="45720" rIns="91440" bIns="45720" rtlCol="0">
+            <a:normAutofit/>
+          </a:bodyPr>
+          <a:lstStyle/>
+          <a:p>
+            <a:pPr lvl="0"/>
+            <a:r>
+              <a:rPr lang="zh-CN" altLang="en-US" smtClean="0"/>
+              <a:t>单击此处编辑母版文本样式</a:t>
+            </a:r>
+          </a:p>
+          <a:p>
+            <a:pPr lvl="1"/>
+            <a:r>
+              <a:rPr lang="zh-CN" altLang="en-US" smtClean="0"/>
+              <a:t>第二级</a:t>
+            </a:r>
+          </a:p>
+          <a:p>
+            <a:pPr lvl="2"/>
+            <a:r>
+              <a:rPr lang="zh-CN" altLang="en-US" smtClean="0"/>
+              <a:t>第三级</a:t>
+            </a:r>
+          </a:p>
+          <a:p>
+            <a:pPr lvl="3"/>
+            <a:r>
+              <a:rPr lang="zh-CN" altLang="en-US" smtClean="0"/>
+              <a:t>第四级</a:t>
+            </a:r>
+          </a:p>
+          <a:p>
+            <a:pPr lvl="4"/>
+            <a:r>
+              <a:rPr lang="zh-CN" altLang="en-US" smtClean="0"/>
+              <a:t>第五级</a:t>
+            </a:r>
+            <a:endParaRPr lang="zh-CN" altLang="en-US"/>
+          </a:p>
+        </p:txBody>
+      </p:sp>
+      <p:sp>
+        <p:nvSpPr>
+          <p:cNvPr id="6" name="页脚占位符 5"/>
+          <p:cNvSpPr>
+            <a:spLocks noGrp="1"/>
+          </p:cNvSpPr>
+          <p:nvPr>
+            <p:ph type="ftr" sz="quarter" idx="4"/>
+          </p:nvPr>
+        </p:nvSpPr>
+        <p:spPr>
+          <a:xfrm>
+            <a:off x="0" y="8685213"/>
+            <a:ext cx="2971800" cy="457200"/>
+          </a:xfrm>
+          <a:prstGeom prst="rect">
+            <a:avLst/>
+          </a:prstGeom>
+        </p:spPr>
+        <p:txBody>
+          <a:bodyPr vert="horz" lIns="91440" tIns="45720" rIns="91440" bIns="45720" rtlCol="0" anchor="b"/>
+          <a:lstStyle>
+            <a:lvl1pPr algn="l">
+              <a:defRPr sz="1200"/>
+            </a:lvl1pPr>
+          </a:lstStyle>
+          <a:p>
+            <a:endParaRPr lang="zh-CN" altLang="en-US"/>
+          </a:p>
+        </p:txBody>
+      </p:sp>
+      <p:sp>
+        <p:nvSpPr>
+          <p:cNvPr id="7" name="灯片编号占位符 6"/>
+          <p:cNvSpPr>
+            <a:spLocks noGrp="1"/>
+          </p:cNvSpPr>
+          <p:nvPr>
+            <p:ph type="sldNum" sz="quarter" idx="5"/>
+          </p:nvPr>
+        </p:nvSpPr>
+        <p:spPr>
+          <a:xfrm>
+            <a:off x="3884613" y="8685213"/>
+            <a:ext cx="2971800" cy="457200"/>
+          </a:xfrm>
+          <a:prstGeom prst="rect">
+            <a:avLst/>
+          </a:prstGeom>
+        </p:spPr>
+        <p:txBody>
+          <a:bodyPr vert="horz" lIns="91440" tIns="45720" rIns="91440" bIns="45720" rtlCol="0" anchor="b"/>
+          <a:lstStyle>
+            <a:lvl1pPr algn="r">
+              <a:defRPr sz="1200"/>
+            </a:lvl1pPr>
+          </a:lstStyle>
+          <a:p>
+            <a:fld id="{FCBEFE0E-4358-4FCB-AE35-80FBFDD145D5}" type="slidenum">
+              <a:rPr lang="zh-CN" altLang="en-US" smtClean="0"/>
+              <a:t>‹#›</a:t>
+            </a:fld>
+            <a:endParaRPr lang="zh-CN" altLang="en-US"/>
+          </a:p>
+        </p:txBody>
+      </p:sp>
+    </p:spTree>
+  </p:cSld>
+  <p:clrMap bg1="lt1" tx1="dk1" bg2="lt2" tx2="dk2" accent1="accent1" accent2="accent2" accent3="accent3" accent4="accent4" accent5="accent5" accent6="accent6" hlink="hlink" folHlink="folHlink"/>
+  <p:notesStyle>
+    <a:lvl1pPr marL="0" algn="l" defTabSz="914400" rtl="0" eaLnBrk="1" latinLnBrk="0" hangingPunct="1">
+      <a:defRPr sz="1200" kern="1200">
+        <a:solidFill>
+          <a:schemeClr val="tx1"/>
+        </a:solidFill>
+        <a:latin typeface="+mn-lt"/>
+        <a:ea typeface="+mn-ea"/>
+        <a:cs typeface="+mn-cs"/>
+      </a:defRPr>
+    </a:lvl1pPr>
+    <a:lvl2pPr marL="457200" algn="l" defTabSz="914400" rtl="0" eaLnBrk="1" latinLnBrk="0" hangingPunct="1">
+      <a:defRPr sz="1200" kern="1200">
+        <a:solidFill>
+          <a:schemeClr val="tx1"/>
+        </a:solidFill>
+        <a:latin typeface="+mn-lt"/>
+        <a:ea typeface="+mn-ea"/>
+        <a:cs typeface="+mn-cs"/>
+      </a:defRPr>
+    </a:lvl2pPr>
+    <a:lvl3pPr marL="914400" algn="l" defTabSz="914400" rtl="0" eaLnBrk="1" latinLnBrk="0" hangingPunct="1">
+      <a:defRPr sz="1200" kern="1200">
+        <a:solidFill>
+          <a:schemeClr val="tx1"/>
+        </a:solidFill>
+        <a:latin typeface="+mn-lt"/>
+        <a:ea typeface="+mn-ea"/>
+        <a:cs typeface="+mn-cs"/>
+      </a:defRPr>
+    </a:lvl3pPr>
+    <a:lvl4pPr marL="1371600" algn="l" defTabSz="914400" rtl="0" eaLnBrk="1" latinLnBrk="0" hangingPunct="1">
+      <a:defRPr sz="1200" kern="1200">
+        <a:solidFill>
+          <a:schemeClr val="tx1"/>
+        </a:solidFill>
+        <a:latin typeface="+mn-lt"/>
+        <a:ea typeface="+mn-ea"/>
+        <a:cs typeface="+mn-cs"/>
+      </a:defRPr>
+    </a:lvl4pPr>
+    <a:lvl5pPr marL="1828800" algn="l" defTabSz="914400" rtl="0" eaLnBrk="1" latinLnBrk="0" hangingPunct="1">
+      <a:defRPr sz="1200" kern="1200">
+        <a:solidFill>
+          <a:schemeClr val="tx1"/>
+        </a:solidFill>
+        <a:latin typeface="+mn-lt"/>
+        <a:ea typeface="+mn-ea"/>
+        <a:cs typeface="+mn-cs"/>
+      </a:defRPr>
+    </a:lvl5pPr>
+    <a:lvl6pPr marL="2286000" algn="l" defTabSz="914400" rtl="0" eaLnBrk="1" latinLnBrk="0" hangingPunct="1">
+      <a:defRPr sz="1200" kern="1200">
+        <a:solidFill>
+          <a:schemeClr val="tx1"/>
+        </a:solidFill>
+        <a:latin typeface="+mn-lt"/>
+        <a:ea typeface="+mn-ea"/>
+        <a:cs typeface="+mn-cs"/>
+      </a:defRPr>
+    </a:lvl6pPr>
+    <a:lvl7pPr marL="2743200" algn="l" defTabSz="914400" rtl="0" eaLnBrk="1" latinLnBrk="0" hangingPunct="1">
+      <a:defRPr sz="1200" kern="1200">
+        <a:solidFill>
+          <a:schemeClr val="tx1"/>
+        </a:solidFill>
+        <a:latin typeface="+mn-lt"/>
+        <a:ea typeface="+mn-ea"/>
+        <a:cs typeface="+mn-cs"/>
+      </a:defRPr>
+    </a:lvl7pPr>
+    <a:lvl8pPr marL="3200400" algn="l" defTabSz="914400" rtl="0" eaLnBrk="1" latinLnBrk="0" hangingPunct="1">
+      <a:defRPr sz="1200" kern="1200">
+        <a:solidFill>
+          <a:schemeClr val="tx1"/>
+        </a:solidFill>
+        <a:latin typeface="+mn-lt"/>
+        <a:ea typeface="+mn-ea"/>
+        <a:cs typeface="+mn-cs"/>
+      </a:defRPr>
+    </a:lvl8pPr>
+    <a:lvl9pPr marL="3657600" algn="l" defTabSz="914400" rtl="0" eaLnBrk="1" latinLnBrk="0" hangingPunct="1">
+      <a:defRPr sz="1200" kern="1200">
+        <a:solidFill>
+          <a:schemeClr val="tx1"/>
+        </a:solidFill>
+        <a:latin typeface="+mn-lt"/>
+        <a:ea typeface="+mn-ea"/>
+        <a:cs typeface="+mn-cs"/>
+      </a:defRPr>
+    </a:lvl9pPr>
+  </p:notesStyle>
+</p:notesMaster>
+</file>
+
+<file path=ppt/notesSlides/notesSlide1.xml><?xml version="1.0" encoding="utf-8"?>
+<p:notes xmlns:a="http://schemas.openxmlformats.org/drawingml/2006/main" xmlns:r="http://schemas.openxmlformats.org/officeDocument/2006/relationships" xmlns:p="http://schemas.openxmlformats.org/presentationml/2006/main">
+  <p:cSld>
+    <p:spTree>
+      <p:nvGrpSpPr>
+        <p:cNvPr id="1" name=""/>
+        <p:cNvGrpSpPr/>
+        <p:nvPr/>
+      </p:nvGrpSpPr>
+      <p:grpSpPr>
+        <a:xfrm>
+          <a:off x="0" y="0"/>
+          <a:ext cx="0" cy="0"/>
+          <a:chOff x="0" y="0"/>
+          <a:chExt cx="0" cy="0"/>
+        </a:xfrm>
+      </p:grpSpPr>
+      <p:sp>
+        <p:nvSpPr>
+          <p:cNvPr id="2" name="幻灯片图像占位符 1"/>
+          <p:cNvSpPr>
+            <a:spLocks noGrp="1" noRot="1" noChangeAspect="1"/>
+          </p:cNvSpPr>
+          <p:nvPr>
+            <p:ph type="sldImg"/>
+          </p:nvPr>
+        </p:nvSpPr>
+        <p:spPr/>
+      </p:sp>
+      <p:sp>
+        <p:nvSpPr>
+          <p:cNvPr id="3" name="备注占位符 2"/>
+          <p:cNvSpPr>
+            <a:spLocks noGrp="1"/>
+          </p:cNvSpPr>
+          <p:nvPr>
+            <p:ph type="body" idx="1"/>
+          </p:nvPr>
+        </p:nvSpPr>
+        <p:spPr/>
+        <p:txBody>
+          <a:bodyPr>
+            <a:normAutofit/>
+          </a:bodyPr>
+          <a:lstStyle/>
+          <a:p>
+            <a:endParaRPr lang="zh-CN" altLang="en-US" dirty="0"/>
+          </a:p>
+        </p:txBody>
+      </p:sp>
+      <p:sp>
+        <p:nvSpPr>
+          <p:cNvPr id="4" name="灯片编号占位符 3"/>
+          <p:cNvSpPr>
+            <a:spLocks noGrp="1"/>
+          </p:cNvSpPr>
+          <p:nvPr>
+            <p:ph type="sldNum" sz="quarter" idx="10"/>
+          </p:nvPr>
+        </p:nvSpPr>
+        <p:spPr/>
+        <p:txBody>
+          <a:bodyPr/>
+          <a:lstStyle/>
+          <a:p>
+            <a:fld id="{FCBEFE0E-4358-4FCB-AE35-80FBFDD145D5}" type="slidenum">
+              <a:rPr lang="zh-CN" altLang="en-US" smtClean="0"/>
+              <a:t>3</a:t>
+            </a:fld>
+            <a:endParaRPr lang="zh-CN" altLang="en-US"/>
+          </a:p>
+        </p:txBody>
+      </p:sp>
+    </p:spTree>
+  </p:cSld>
+  <p:clrMapOvr>
+    <a:masterClrMapping/>
+  </p:clrMapOvr>
+</p:notes>
+</file>
+
+<file path=ppt/slideLayouts/slideLayout1.xml><?xml version="1.0" encoding="utf-8"?>
+<p:sldLayout xmlns:a="http://schemas.openxmlformats.org/drawingml/2006/main" xmlns:r="http://schemas.openxmlformats.org/officeDocument/2006/relationships" xmlns:p="http://schemas.openxmlformats.org/presentationml/2006/main" type="title" preserve="1">
+  <p:cSld name="标题幻灯片">
+    <p:spTree>
+      <p:nvGrpSpPr>
+        <p:cNvPr id="1" name=""/>
+        <p:cNvGrpSpPr/>
+        <p:nvPr/>
+      </p:nvGrpSpPr>
+      <p:grpSpPr>
+        <a:xfrm>
+          <a:off x="0" y="0"/>
+          <a:ext cx="0" cy="0"/>
+          <a:chOff x="0" y="0"/>
+          <a:chExt cx="0" cy="0"/>
+        </a:xfrm>
+      </p:grpSpPr>
+      <p:sp>
+        <p:nvSpPr>
+          <p:cNvPr id="2" name="标题 1"/>
+          <p:cNvSpPr>
+            <a:spLocks noGrp="1"/>
+          </p:cNvSpPr>
+          <p:nvPr>
+            <p:ph type="ctrTitle"/>
+          </p:nvPr>
+        </p:nvSpPr>
+        <p:spPr>
+          <a:xfrm>
+            <a:off x="685800" y="2130425"/>
+            <a:ext cx="7772400" cy="1470025"/>
           </a:xfrm>
         </p:spPr>
         <p:txBody>
-          <a:bodyPr rIns="45720" anchor="t"/>
-          <a:lstStyle>
-            <a:lvl1pPr algn="r">
-              <a:defRPr lang="en-US" b="1" cap="all" baseline="0" dirty="0">
-                <a:ln w="5000" cmpd="sng">
-                  <a:solidFill>
-                    <a:schemeClr val="accent1">
-                      <a:tint val="80000"/>
-                      <a:shade val="99000"/>
-                      <a:satMod val="500000"/>
-                    </a:schemeClr>
-                  </a:solidFill>
-                  <a:prstDash val="solid"/>
-                </a:ln>
-                <a:gradFill>
-                  <a:gsLst>
-                    <a:gs pos="0">
-                      <a:schemeClr val="accent1">
-                        <a:tint val="63000"/>
-                        <a:satMod val="255000"/>
-                      </a:schemeClr>
-                    </a:gs>
-                    <a:gs pos="9000">
-                      <a:schemeClr val="accent1">
-                        <a:tint val="63000"/>
-                        <a:satMod val="255000"/>
-                      </a:schemeClr>
-                    </a:gs>
-                    <a:gs pos="53000">
-                      <a:schemeClr val="accent1">
-                        <a:shade val="60000"/>
-                        <a:satMod val="100000"/>
-                      </a:schemeClr>
-                    </a:gs>
-                    <a:gs pos="90000">
-                      <a:schemeClr val="accent1">
-                        <a:tint val="63000"/>
-                        <a:satMod val="255000"/>
-                      </a:schemeClr>
-                    </a:gs>
-                    <a:gs pos="100000">
-                      <a:schemeClr val="accent1">
-                        <a:tint val="63000"/>
-                        <a:satMod val="255000"/>
-                      </a:schemeClr>
-                    </a:gs>
-                  </a:gsLst>
-                  <a:lin ang="5400000"/>
-                </a:gradFill>
-                <a:effectLst>
-                  <a:outerShdw blurRad="50800" dist="38100" dir="5400000" algn="t" rotWithShape="0">
-                    <a:prstClr val="black">
-                      <a:alpha val="50000"/>
-                    </a:prstClr>
-                  </a:outerShdw>
-                </a:effectLst>
-              </a:defRPr>
-            </a:lvl1pPr>
-          </a:lstStyle>
-          <a:p>
-            <a:r>
-              <a:rPr kumimoji="0" lang="zh-CN" altLang="en-US" smtClean="0"/>
+          <a:bodyPr/>
+          <a:lstStyle/>
+          <a:p>
+            <a:r>
+              <a:rPr lang="zh-CN" altLang="en-US" smtClean="0"/>
               <a:t>单击此处编辑母版标题样式</a:t>
             </a:r>
-            <a:endParaRPr kumimoji="0" lang="en-US"/>
-          </a:p>
-        </p:txBody>
-      </p:sp>
-      <p:sp>
-        <p:nvSpPr>
-          <p:cNvPr id="17" name="副标题 16"/>
+            <a:endParaRPr lang="zh-CN" altLang="en-US"/>
+          </a:p>
+        </p:txBody>
+      </p:sp>
+      <p:sp>
+        <p:nvSpPr>
+          <p:cNvPr id="3" name="副标题 2"/>
           <p:cNvSpPr>
             <a:spLocks noGrp="1"/>
           </p:cNvSpPr>
@@ -428,61 +603,116 @@
         </p:nvSpPr>
         <p:spPr>
           <a:xfrm>
-            <a:off x="433050" y="1544812"/>
-            <a:ext cx="6480048" cy="1752600"/>
+            <a:off x="1371600" y="3886200"/>
+            <a:ext cx="6400800" cy="1752600"/>
           </a:xfrm>
         </p:spPr>
         <p:txBody>
-          <a:bodyPr tIns="0" rIns="45720" bIns="0" anchor="b">
-            <a:normAutofit/>
-          </a:bodyPr>
+          <a:bodyPr/>
           <a:lstStyle>
-            <a:lvl1pPr marL="0" indent="0" algn="r">
-              <a:buNone/>
-              <a:defRPr sz="2000">
+            <a:lvl1pPr marL="0" indent="0" algn="ctr">
+              <a:buNone/>
+              <a:defRPr>
                 <a:solidFill>
-                  <a:schemeClr val="tx1"/>
+                  <a:schemeClr val="tx1">
+                    <a:tint val="75000"/>
+                  </a:schemeClr>
                 </a:solidFill>
-                <a:effectLst/>
               </a:defRPr>
             </a:lvl1pPr>
             <a:lvl2pPr marL="457200" indent="0" algn="ctr">
               <a:buNone/>
+              <a:defRPr>
+                <a:solidFill>
+                  <a:schemeClr val="tx1">
+                    <a:tint val="75000"/>
+                  </a:schemeClr>
+                </a:solidFill>
+              </a:defRPr>
             </a:lvl2pPr>
             <a:lvl3pPr marL="914400" indent="0" algn="ctr">
               <a:buNone/>
+              <a:defRPr>
+                <a:solidFill>
+                  <a:schemeClr val="tx1">
+                    <a:tint val="75000"/>
+                  </a:schemeClr>
+                </a:solidFill>
+              </a:defRPr>
             </a:lvl3pPr>
             <a:lvl4pPr marL="1371600" indent="0" algn="ctr">
               <a:buNone/>
+              <a:defRPr>
+                <a:solidFill>
+                  <a:schemeClr val="tx1">
+                    <a:tint val="75000"/>
+                  </a:schemeClr>
+                </a:solidFill>
+              </a:defRPr>
             </a:lvl4pPr>
             <a:lvl5pPr marL="1828800" indent="0" algn="ctr">
               <a:buNone/>
+              <a:defRPr>
+                <a:solidFill>
+                  <a:schemeClr val="tx1">
+                    <a:tint val="75000"/>
+                  </a:schemeClr>
+                </a:solidFill>
+              </a:defRPr>
             </a:lvl5pPr>
             <a:lvl6pPr marL="2286000" indent="0" algn="ctr">
               <a:buNone/>
+              <a:defRPr>
+                <a:solidFill>
+                  <a:schemeClr val="tx1">
+                    <a:tint val="75000"/>
+                  </a:schemeClr>
+                </a:solidFill>
+              </a:defRPr>
             </a:lvl6pPr>
             <a:lvl7pPr marL="2743200" indent="0" algn="ctr">
               <a:buNone/>
+              <a:defRPr>
+                <a:solidFill>
+                  <a:schemeClr val="tx1">
+                    <a:tint val="75000"/>
+                  </a:schemeClr>
+                </a:solidFill>
+              </a:defRPr>
             </a:lvl7pPr>
             <a:lvl8pPr marL="3200400" indent="0" algn="ctr">
               <a:buNone/>
+              <a:defRPr>
+                <a:solidFill>
+                  <a:schemeClr val="tx1">
+                    <a:tint val="75000"/>
+                  </a:schemeClr>
+                </a:solidFill>
+              </a:defRPr>
             </a:lvl8pPr>
             <a:lvl9pPr marL="3657600" indent="0" algn="ctr">
               <a:buNone/>
+              <a:defRPr>
+                <a:solidFill>
+                  <a:schemeClr val="tx1">
+                    <a:tint val="75000"/>
+                  </a:schemeClr>
+                </a:solidFill>
+              </a:defRPr>
             </a:lvl9pPr>
           </a:lstStyle>
           <a:p>
             <a:r>
-              <a:rPr kumimoji="0" lang="zh-CN" altLang="en-US" smtClean="0"/>
+              <a:rPr lang="zh-CN" altLang="en-US" smtClean="0"/>
               <a:t>单击此处编辑母版副标题样式</a:t>
             </a:r>
-            <a:endParaRPr kumimoji="0" lang="en-US"/>
-          </a:p>
-        </p:txBody>
-      </p:sp>
-      <p:sp>
-        <p:nvSpPr>
-          <p:cNvPr id="30" name="日期占位符 29"/>
+            <a:endParaRPr lang="zh-CN" altLang="en-US"/>
+          </a:p>
+        </p:txBody>
+      </p:sp>
+      <p:sp>
+        <p:nvSpPr>
+          <p:cNvPr id="4" name="日期占位符 3"/>
           <p:cNvSpPr>
             <a:spLocks noGrp="1"/>
           </p:cNvSpPr>
@@ -498,7 +728,7 @@
             <a:fld id="{530820CF-B880-4189-942D-D702A7CBA730}" type="datetimeFigureOut">
               <a:rPr lang="zh-CN" altLang="en-US" smtClean="0"/>
               <a:pPr/>
-              <a:t>2012/1/13</a:t>
+              <a:t>2012/2/29</a:t>
             </a:fld>
             <a:endParaRPr lang="zh-CN" altLang="en-US"/>
           </a:p>
@@ -506,7 +736,7 @@
       </p:sp>
       <p:sp>
         <p:nvSpPr>
-          <p:cNvPr id="19" name="页脚占位符 18"/>
+          <p:cNvPr id="5" name="页脚占位符 4"/>
           <p:cNvSpPr>
             <a:spLocks noGrp="1"/>
           </p:cNvSpPr>
@@ -525,7 +755,7 @@
       </p:sp>
       <p:sp>
         <p:nvSpPr>
-          <p:cNvPr id="27" name="灯片编号占位符 26"/>
+          <p:cNvPr id="6" name="灯片编号占位符 5"/>
           <p:cNvSpPr>
             <a:spLocks noGrp="1"/>
           </p:cNvSpPr>
@@ -550,7 +780,7 @@
     </p:spTree>
   </p:cSld>
   <p:clrMapOvr>
-    <a:overrideClrMapping bg1="dk1" tx1="lt1" bg2="dk2" tx2="lt2" accent1="accent1" accent2="accent2" accent3="accent3" accent4="accent4" accent5="accent5" accent6="accent6" hlink="hlink" folHlink="folHlink"/>
+    <a:masterClrMapping/>
   </p:clrMapOvr>
 </p:sldLayout>
 </file>
@@ -588,10 +818,10 @@
           <a:lstStyle/>
           <a:p>
             <a:r>
-              <a:rPr kumimoji="0" lang="zh-CN" altLang="en-US" smtClean="0"/>
+              <a:rPr lang="zh-CN" altLang="en-US" smtClean="0"/>
               <a:t>单击此处编辑母版标题样式</a:t>
             </a:r>
-            <a:endParaRPr kumimoji="0" lang="en-US"/>
+            <a:endParaRPr lang="zh-CN" altLang="en-US"/>
           </a:p>
         </p:txBody>
       </p:sp>
@@ -610,40 +840,40 @@
           <a:bodyPr vert="eaVert"/>
           <a:lstStyle/>
           <a:p>
-            <a:pPr lvl="0" eaLnBrk="1" latinLnBrk="0" hangingPunct="1"/>
+            <a:pPr lvl="0"/>
             <a:r>
               <a:rPr lang="zh-CN" altLang="en-US" smtClean="0"/>
               <a:t>单击此处编辑母版文本样式</a:t>
             </a:r>
           </a:p>
           <a:p>
-            <a:pPr lvl="1" eaLnBrk="1" latinLnBrk="0" hangingPunct="1"/>
+            <a:pPr lvl="1"/>
             <a:r>
               <a:rPr lang="zh-CN" altLang="en-US" smtClean="0"/>
               <a:t>第二级</a:t>
             </a:r>
           </a:p>
           <a:p>
-            <a:pPr lvl="2" eaLnBrk="1" latinLnBrk="0" hangingPunct="1"/>
+            <a:pPr lvl="2"/>
             <a:r>
               <a:rPr lang="zh-CN" altLang="en-US" smtClean="0"/>
               <a:t>第三级</a:t>
             </a:r>
           </a:p>
           <a:p>
-            <a:pPr lvl="3" eaLnBrk="1" latinLnBrk="0" hangingPunct="1"/>
+            <a:pPr lvl="3"/>
             <a:r>
               <a:rPr lang="zh-CN" altLang="en-US" smtClean="0"/>
               <a:t>第四级</a:t>
             </a:r>
           </a:p>
           <a:p>
-            <a:pPr lvl="4" eaLnBrk="1" latinLnBrk="0" hangingPunct="1"/>
+            <a:pPr lvl="4"/>
             <a:r>
               <a:rPr lang="zh-CN" altLang="en-US" smtClean="0"/>
               <a:t>第五级</a:t>
             </a:r>
-            <a:endParaRPr kumimoji="0" lang="en-US"/>
+            <a:endParaRPr lang="zh-CN" altLang="en-US"/>
           </a:p>
         </p:txBody>
       </p:sp>
@@ -665,7 +895,7 @@
             <a:fld id="{530820CF-B880-4189-942D-D702A7CBA730}" type="datetimeFigureOut">
               <a:rPr lang="zh-CN" altLang="en-US" smtClean="0"/>
               <a:pPr/>
-              <a:t>2012/1/13</a:t>
+              <a:t>2012/2/29</a:t>
             </a:fld>
             <a:endParaRPr lang="zh-CN" altLang="en-US"/>
           </a:p>
@@ -760,10 +990,10 @@
           <a:lstStyle/>
           <a:p>
             <a:r>
-              <a:rPr kumimoji="0" lang="zh-CN" altLang="en-US" smtClean="0"/>
+              <a:rPr lang="zh-CN" altLang="en-US" smtClean="0"/>
               <a:t>单击此处编辑母版标题样式</a:t>
             </a:r>
-            <a:endParaRPr kumimoji="0" lang="en-US"/>
+            <a:endParaRPr lang="zh-CN" altLang="en-US"/>
           </a:p>
         </p:txBody>
       </p:sp>
@@ -787,40 +1017,40 @@
           <a:bodyPr vert="eaVert"/>
           <a:lstStyle/>
           <a:p>
-            <a:pPr lvl="0" eaLnBrk="1" latinLnBrk="0" hangingPunct="1"/>
+            <a:pPr lvl="0"/>
             <a:r>
               <a:rPr lang="zh-CN" altLang="en-US" smtClean="0"/>
               <a:t>单击此处编辑母版文本样式</a:t>
             </a:r>
           </a:p>
           <a:p>
-            <a:pPr lvl="1" eaLnBrk="1" latinLnBrk="0" hangingPunct="1"/>
+            <a:pPr lvl="1"/>
             <a:r>
               <a:rPr lang="zh-CN" altLang="en-US" smtClean="0"/>
               <a:t>第二级</a:t>
             </a:r>
           </a:p>
           <a:p>
-            <a:pPr lvl="2" eaLnBrk="1" latinLnBrk="0" hangingPunct="1"/>
+            <a:pPr lvl="2"/>
             <a:r>
               <a:rPr lang="zh-CN" altLang="en-US" smtClean="0"/>
               <a:t>第三级</a:t>
             </a:r>
           </a:p>
           <a:p>
-            <a:pPr lvl="3" eaLnBrk="1" latinLnBrk="0" hangingPunct="1"/>
+            <a:pPr lvl="3"/>
             <a:r>
               <a:rPr lang="zh-CN" altLang="en-US" smtClean="0"/>
               <a:t>第四级</a:t>
             </a:r>
           </a:p>
           <a:p>
-            <a:pPr lvl="4" eaLnBrk="1" latinLnBrk="0" hangingPunct="1"/>
+            <a:pPr lvl="4"/>
             <a:r>
               <a:rPr lang="zh-CN" altLang="en-US" smtClean="0"/>
               <a:t>第五级</a:t>
             </a:r>
-            <a:endParaRPr kumimoji="0" lang="en-US"/>
+            <a:endParaRPr lang="zh-CN" altLang="en-US"/>
           </a:p>
         </p:txBody>
       </p:sp>
@@ -842,7 +1072,7 @@
             <a:fld id="{530820CF-B880-4189-942D-D702A7CBA730}" type="datetimeFigureOut">
               <a:rPr lang="zh-CN" altLang="en-US" smtClean="0"/>
               <a:pPr/>
-              <a:t>2012/1/13</a:t>
+              <a:t>2012/2/29</a:t>
             </a:fld>
             <a:endParaRPr lang="zh-CN" altLang="en-US"/>
           </a:p>
@@ -929,17 +1159,13 @@
         <p:spPr/>
         <p:txBody>
           <a:bodyPr/>
-          <a:lstStyle>
-            <a:lvl1pPr algn="l">
-              <a:defRPr/>
-            </a:lvl1pPr>
-          </a:lstStyle>
-          <a:p>
-            <a:r>
-              <a:rPr kumimoji="0" lang="zh-CN" altLang="en-US" smtClean="0"/>
+          <a:lstStyle/>
+          <a:p>
+            <a:r>
+              <a:rPr lang="zh-CN" altLang="en-US" smtClean="0"/>
               <a:t>单击此处编辑母版标题样式</a:t>
             </a:r>
-            <a:endParaRPr kumimoji="0" lang="en-US"/>
+            <a:endParaRPr lang="zh-CN" altLang="en-US"/>
           </a:p>
         </p:txBody>
       </p:sp>
@@ -958,40 +1184,40 @@
           <a:bodyPr/>
           <a:lstStyle/>
           <a:p>
-            <a:pPr lvl="0" eaLnBrk="1" latinLnBrk="0" hangingPunct="1"/>
+            <a:pPr lvl="0"/>
             <a:r>
               <a:rPr lang="zh-CN" altLang="en-US" smtClean="0"/>
               <a:t>单击此处编辑母版文本样式</a:t>
             </a:r>
           </a:p>
           <a:p>
-            <a:pPr lvl="1" eaLnBrk="1" latinLnBrk="0" hangingPunct="1"/>
+            <a:pPr lvl="1"/>
             <a:r>
               <a:rPr lang="zh-CN" altLang="en-US" smtClean="0"/>
               <a:t>第二级</a:t>
             </a:r>
           </a:p>
           <a:p>
-            <a:pPr lvl="2" eaLnBrk="1" latinLnBrk="0" hangingPunct="1"/>
+            <a:pPr lvl="2"/>
             <a:r>
               <a:rPr lang="zh-CN" altLang="en-US" smtClean="0"/>
               <a:t>第三级</a:t>
             </a:r>
           </a:p>
           <a:p>
-            <a:pPr lvl="3" eaLnBrk="1" latinLnBrk="0" hangingPunct="1"/>
+            <a:pPr lvl="3"/>
             <a:r>
               <a:rPr lang="zh-CN" altLang="en-US" smtClean="0"/>
               <a:t>第四级</a:t>
             </a:r>
           </a:p>
           <a:p>
-            <a:pPr lvl="4" eaLnBrk="1" latinLnBrk="0" hangingPunct="1"/>
+            <a:pPr lvl="4"/>
             <a:r>
               <a:rPr lang="zh-CN" altLang="en-US" smtClean="0"/>
               <a:t>第五级</a:t>
             </a:r>
-            <a:endParaRPr kumimoji="0" lang="en-US"/>
+            <a:endParaRPr lang="zh-CN" altLang="en-US"/>
           </a:p>
         </p:txBody>
       </p:sp>
@@ -1013,7 +1239,7 @@
             <a:fld id="{530820CF-B880-4189-942D-D702A7CBA730}" type="datetimeFigureOut">
               <a:rPr lang="zh-CN" altLang="en-US" smtClean="0"/>
               <a:pPr/>
-              <a:t>2012/1/13</a:t>
+              <a:t>2012/2/29</a:t>
             </a:fld>
             <a:endParaRPr lang="zh-CN" altLang="en-US"/>
           </a:p>
@@ -1071,13 +1297,8 @@
 </file>
 
 <file path=ppt/slideLayouts/slideLayout3.xml><?xml version="1.0" encoding="utf-8"?>
-<p:sldLayout xmlns:a="http://schemas.openxmlformats.org/drawingml/2006/main" xmlns:r="http://schemas.openxmlformats.org/officeDocument/2006/relationships" xmlns:p="http://schemas.openxmlformats.org/presentationml/2006/main" showMasterSp="0" type="secHead" preserve="1">
+<p:sldLayout xmlns:a="http://schemas.openxmlformats.org/drawingml/2006/main" xmlns:r="http://schemas.openxmlformats.org/officeDocument/2006/relationships" xmlns:p="http://schemas.openxmlformats.org/presentationml/2006/main" type="secHead" preserve="1">
   <p:cSld name="节标题">
-    <p:bg>
-      <p:bgRef idx="1002">
-        <a:schemeClr val="bg2"/>
-      </p:bgRef>
-    </p:bg>
     <p:spTree>
       <p:nvGrpSpPr>
         <p:cNvPr id="1" name=""/>
@@ -1094,202 +1315,6 @@
       </p:grpSpPr>
       <p:sp>
         <p:nvSpPr>
-          <p:cNvPr id="7" name="任意多边形 6"/>
-          <p:cNvSpPr>
-            <a:spLocks/>
-          </p:cNvSpPr>
-          <p:nvPr/>
-        </p:nvSpPr>
-        <p:spPr bwMode="auto">
-          <a:xfrm>
-            <a:off x="0" y="4752126"/>
-            <a:ext cx="9144000" cy="2112962"/>
-          </a:xfrm>
-          <a:custGeom>
-            <a:avLst>
-              <a:gd name="A1" fmla="val 0"/>
-              <a:gd name="A2" fmla="val 0"/>
-              <a:gd name="A3" fmla="val 0"/>
-              <a:gd name="A4" fmla="val 0"/>
-              <a:gd name="A5" fmla="val 0"/>
-              <a:gd name="A6" fmla="val 0"/>
-              <a:gd name="A7" fmla="val 0"/>
-              <a:gd name="A8" fmla="val 0"/>
-            </a:avLst>
-            <a:gdLst/>
-            <a:ahLst/>
-            <a:cxnLst>
-              <a:cxn ang="0">
-                <a:pos x="0" y="1066"/>
-              </a:cxn>
-              <a:cxn ang="0">
-                <a:pos x="0" y="1331"/>
-              </a:cxn>
-              <a:cxn ang="0">
-                <a:pos x="5760" y="1331"/>
-              </a:cxn>
-              <a:cxn ang="0">
-                <a:pos x="5760" y="0"/>
-              </a:cxn>
-              <a:cxn ang="0">
-                <a:pos x="0" y="1066"/>
-              </a:cxn>
-            </a:cxnLst>
-            <a:rect l="0" t="0" r="0" b="0"/>
-            <a:pathLst>
-              <a:path w="5760" h="1331">
-                <a:moveTo>
-                  <a:pt x="0" y="1066"/>
-                </a:moveTo>
-                <a:lnTo>
-                  <a:pt x="0" y="1331"/>
-                </a:lnTo>
-                <a:lnTo>
-                  <a:pt x="5760" y="1331"/>
-                </a:lnTo>
-                <a:lnTo>
-                  <a:pt x="5760" y="0"/>
-                </a:lnTo>
-                <a:cubicBezTo>
-                  <a:pt x="3220" y="1206"/>
-                  <a:pt x="2250" y="1146"/>
-                  <a:pt x="0" y="1066"/>
-                </a:cubicBezTo>
-                <a:close/>
-              </a:path>
-            </a:pathLst>
-          </a:custGeom>
-          <a:solidFill>
-            <a:schemeClr val="bg1">
-              <a:tint val="80000"/>
-              <a:satMod val="200000"/>
-              <a:alpha val="45000"/>
-            </a:schemeClr>
-          </a:solidFill>
-          <a:ln w="9525" cap="flat" cmpd="sng" algn="ctr">
-            <a:noFill/>
-            <a:prstDash val="solid"/>
-            <a:round/>
-            <a:headEnd type="none" w="med" len="med"/>
-            <a:tailEnd type="none" w="med" len="med"/>
-          </a:ln>
-          <a:effectLst>
-            <a:outerShdw blurRad="50800" dist="44450" dir="16200000" algn="ctr" rotWithShape="0">
-              <a:prstClr val="black">
-                <a:alpha val="35000"/>
-              </a:prstClr>
-            </a:outerShdw>
-          </a:effectLst>
-        </p:spPr>
-        <p:txBody>
-          <a:bodyPr vert="horz" wrap="square" lIns="91440" tIns="45720" rIns="91440" bIns="45720" anchor="t" compatLnSpc="1"/>
-          <a:lstStyle/>
-          <a:p>
-            <a:endParaRPr kumimoji="0" lang="en-US"/>
-          </a:p>
-        </p:txBody>
-      </p:sp>
-      <p:sp>
-        <p:nvSpPr>
-          <p:cNvPr id="9" name="任意多边形 8"/>
-          <p:cNvSpPr>
-            <a:spLocks/>
-          </p:cNvSpPr>
-          <p:nvPr/>
-        </p:nvSpPr>
-        <p:spPr bwMode="auto">
-          <a:xfrm>
-            <a:off x="6105525" y="0"/>
-            <a:ext cx="3038475" cy="6858000"/>
-          </a:xfrm>
-          <a:custGeom>
-            <a:avLst/>
-            <a:gdLst>
-              <a:gd name="connsiteX0" fmla="*/ 1914 w 1914"/>
-              <a:gd name="connsiteY0" fmla="*/ 9 h 4329"/>
-              <a:gd name="connsiteX1" fmla="*/ 1914 w 1914"/>
-              <a:gd name="connsiteY1" fmla="*/ 4329 h 4329"/>
-              <a:gd name="connsiteX2" fmla="*/ 204 w 1914"/>
-              <a:gd name="connsiteY2" fmla="*/ 4327 h 4329"/>
-              <a:gd name="connsiteX3" fmla="*/ 0 w 1914"/>
-              <a:gd name="connsiteY3" fmla="*/ 0 h 4329"/>
-              <a:gd name="connsiteX4" fmla="*/ 1914 w 1914"/>
-              <a:gd name="connsiteY4" fmla="*/ 9 h 4329"/>
-            </a:gdLst>
-            <a:ahLst/>
-            <a:cxnLst>
-              <a:cxn ang="0">
-                <a:pos x="connsiteX0" y="connsiteY0"/>
-              </a:cxn>
-              <a:cxn ang="0">
-                <a:pos x="connsiteX1" y="connsiteY1"/>
-              </a:cxn>
-              <a:cxn ang="0">
-                <a:pos x="connsiteX2" y="connsiteY2"/>
-              </a:cxn>
-              <a:cxn ang="0">
-                <a:pos x="connsiteX3" y="connsiteY3"/>
-              </a:cxn>
-              <a:cxn ang="0">
-                <a:pos x="connsiteX4" y="connsiteY4"/>
-              </a:cxn>
-            </a:cxnLst>
-            <a:rect l="l" t="t" r="r" b="b"/>
-            <a:pathLst>
-              <a:path w="1914" h="4329">
-                <a:moveTo>
-                  <a:pt x="1914" y="9"/>
-                </a:moveTo>
-                <a:lnTo>
-                  <a:pt x="1914" y="4329"/>
-                </a:lnTo>
-                <a:lnTo>
-                  <a:pt x="204" y="4327"/>
-                </a:lnTo>
-                <a:cubicBezTo>
-                  <a:pt x="1288" y="3574"/>
-                  <a:pt x="1608" y="1590"/>
-                  <a:pt x="0" y="0"/>
-                </a:cubicBezTo>
-                <a:lnTo>
-                  <a:pt x="1914" y="9"/>
-                </a:lnTo>
-                <a:close/>
-              </a:path>
-            </a:pathLst>
-          </a:custGeom>
-          <a:solidFill>
-            <a:schemeClr val="bg1">
-              <a:tint val="90000"/>
-              <a:satMod val="350000"/>
-              <a:alpha val="40000"/>
-            </a:schemeClr>
-          </a:solidFill>
-          <a:ln w="9525" cap="flat" cmpd="sng" algn="ctr">
-            <a:noFill/>
-            <a:prstDash val="solid"/>
-            <a:round/>
-            <a:headEnd type="none" w="med" len="med"/>
-            <a:tailEnd type="none" w="med" len="med"/>
-          </a:ln>
-          <a:effectLst>
-            <a:outerShdw blurRad="50800" dist="50800" dir="10800000" algn="ctr" rotWithShape="0">
-              <a:prstClr val="black">
-                <a:alpha val="45000"/>
-              </a:prstClr>
-            </a:outerShdw>
-          </a:effectLst>
-        </p:spPr>
-        <p:txBody>
-          <a:bodyPr vert="horz" wrap="square" lIns="91440" tIns="45720" rIns="91440" bIns="45720" anchor="t" compatLnSpc="1"/>
-          <a:lstStyle/>
-          <a:p>
-            <a:endParaRPr kumimoji="0" lang="en-US"/>
-          </a:p>
-        </p:txBody>
-      </p:sp>
-      <p:sp>
-        <p:nvSpPr>
           <p:cNvPr id="2" name="标题 1"/>
           <p:cNvSpPr>
             <a:spLocks noGrp="1"/>
@@ -1300,109 +1325,56 @@
         </p:nvSpPr>
         <p:spPr>
           <a:xfrm>
-            <a:off x="685800" y="3583837"/>
-            <a:ext cx="6629400" cy="1826363"/>
+            <a:off x="722313" y="4406900"/>
+            <a:ext cx="7772400" cy="1362075"/>
           </a:xfrm>
         </p:spPr>
         <p:txBody>
-          <a:bodyPr tIns="0" bIns="0" anchor="t"/>
+          <a:bodyPr anchor="t"/>
           <a:lstStyle>
             <a:lvl1pPr algn="l">
-              <a:buNone/>
-              <a:defRPr sz="4200" b="1" cap="none" baseline="0">
-                <a:ln w="5000" cmpd="sng">
-                  <a:solidFill>
-                    <a:schemeClr val="accent1">
-                      <a:tint val="80000"/>
-                      <a:shade val="99000"/>
-                      <a:satMod val="500000"/>
-                    </a:schemeClr>
-                  </a:solidFill>
-                  <a:prstDash val="solid"/>
-                </a:ln>
-                <a:gradFill>
-                  <a:gsLst>
-                    <a:gs pos="0">
-                      <a:schemeClr val="accent1">
-                        <a:tint val="63000"/>
-                        <a:satMod val="255000"/>
-                      </a:schemeClr>
-                    </a:gs>
-                    <a:gs pos="9000">
-                      <a:schemeClr val="accent1">
-                        <a:tint val="63000"/>
-                        <a:satMod val="255000"/>
-                      </a:schemeClr>
-                    </a:gs>
-                    <a:gs pos="53000">
-                      <a:schemeClr val="accent1">
-                        <a:shade val="60000"/>
-                        <a:satMod val="100000"/>
-                      </a:schemeClr>
-                    </a:gs>
-                    <a:gs pos="90000">
-                      <a:schemeClr val="accent1">
-                        <a:tint val="63000"/>
-                        <a:satMod val="255000"/>
-                      </a:schemeClr>
-                    </a:gs>
-                    <a:gs pos="100000">
-                      <a:schemeClr val="accent1">
-                        <a:tint val="63000"/>
-                        <a:satMod val="255000"/>
-                      </a:schemeClr>
-                    </a:gs>
-                  </a:gsLst>
-                  <a:lin ang="5400000"/>
-                </a:gradFill>
-                <a:effectLst>
-                  <a:outerShdw blurRad="50800" dist="38100" dir="5400000" algn="t" rotWithShape="0">
-                    <a:prstClr val="black">
-                      <a:alpha val="50000"/>
-                    </a:prstClr>
-                  </a:outerShdw>
-                </a:effectLst>
+              <a:defRPr sz="4000" b="1" cap="all"/>
+            </a:lvl1pPr>
+          </a:lstStyle>
+          <a:p>
+            <a:r>
+              <a:rPr lang="zh-CN" altLang="en-US" smtClean="0"/>
+              <a:t>单击此处编辑母版标题样式</a:t>
+            </a:r>
+            <a:endParaRPr lang="zh-CN" altLang="en-US"/>
+          </a:p>
+        </p:txBody>
+      </p:sp>
+      <p:sp>
+        <p:nvSpPr>
+          <p:cNvPr id="3" name="文本占位符 2"/>
+          <p:cNvSpPr>
+            <a:spLocks noGrp="1"/>
+          </p:cNvSpPr>
+          <p:nvPr>
+            <p:ph type="body" idx="1"/>
+          </p:nvPr>
+        </p:nvSpPr>
+        <p:spPr>
+          <a:xfrm>
+            <a:off x="722313" y="2906713"/>
+            <a:ext cx="7772400" cy="1500187"/>
+          </a:xfrm>
+        </p:spPr>
+        <p:txBody>
+          <a:bodyPr anchor="b"/>
+          <a:lstStyle>
+            <a:lvl1pPr marL="0" indent="0">
+              <a:buNone/>
+              <a:defRPr sz="2000">
+                <a:solidFill>
+                  <a:schemeClr val="tx1">
+                    <a:tint val="75000"/>
+                  </a:schemeClr>
+                </a:solidFill>
               </a:defRPr>
             </a:lvl1pPr>
-          </a:lstStyle>
-          <a:p>
-            <a:r>
-              <a:rPr kumimoji="0" lang="zh-CN" altLang="en-US" smtClean="0"/>
-              <a:t>单击此处编辑母版标题样式</a:t>
-            </a:r>
-            <a:endParaRPr kumimoji="0" lang="en-US"/>
-          </a:p>
-        </p:txBody>
-      </p:sp>
-      <p:sp>
-        <p:nvSpPr>
-          <p:cNvPr id="3" name="文本占位符 2"/>
-          <p:cNvSpPr>
-            <a:spLocks noGrp="1"/>
-          </p:cNvSpPr>
-          <p:nvPr>
-            <p:ph type="body" idx="1"/>
-          </p:nvPr>
-        </p:nvSpPr>
-        <p:spPr>
-          <a:xfrm>
-            <a:off x="685800" y="2485800"/>
-            <a:ext cx="6629400" cy="1066688"/>
-          </a:xfrm>
-        </p:spPr>
-        <p:txBody>
-          <a:bodyPr lIns="45720" tIns="0" rIns="45720" bIns="0" anchor="b"/>
-          <a:lstStyle>
-            <a:lvl1pPr marL="0" indent="0" algn="l">
-              <a:buNone/>
-              <a:defRPr sz="2000">
-                <a:solidFill>
-                  <a:schemeClr val="tx1"/>
-                </a:solidFill>
-                <a:effectLst/>
-              </a:defRPr>
-            </a:lvl1pPr>
-            <a:lvl2pPr>
+            <a:lvl2pPr marL="457200" indent="0">
               <a:buNone/>
               <a:defRPr sz="1800">
                 <a:solidFill>
@@ -1412,7 +1384,7 @@
                 </a:solidFill>
               </a:defRPr>
             </a:lvl2pPr>
-            <a:lvl3pPr>
+            <a:lvl3pPr marL="914400" indent="0">
               <a:buNone/>
               <a:defRPr sz="1600">
                 <a:solidFill>
@@ -1422,7 +1394,7 @@
                 </a:solidFill>
               </a:defRPr>
             </a:lvl3pPr>
-            <a:lvl4pPr>
+            <a:lvl4pPr marL="1371600" indent="0">
               <a:buNone/>
               <a:defRPr sz="1400">
                 <a:solidFill>
@@ -1432,7 +1404,7 @@
                 </a:solidFill>
               </a:defRPr>
             </a:lvl4pPr>
-            <a:lvl5pPr>
+            <a:lvl5pPr marL="1828800" indent="0">
               <a:buNone/>
               <a:defRPr sz="1400">
                 <a:solidFill>
@@ -1442,11 +1414,51 @@
                 </a:solidFill>
               </a:defRPr>
             </a:lvl5pPr>
+            <a:lvl6pPr marL="2286000" indent="0">
+              <a:buNone/>
+              <a:defRPr sz="1400">
+                <a:solidFill>
+                  <a:schemeClr val="tx1">
+                    <a:tint val="75000"/>
+                  </a:schemeClr>
+                </a:solidFill>
+              </a:defRPr>
+            </a:lvl6pPr>
+            <a:lvl7pPr marL="2743200" indent="0">
+              <a:buNone/>
+              <a:defRPr sz="1400">
+                <a:solidFill>
+                  <a:schemeClr val="tx1">
+                    <a:tint val="75000"/>
+                  </a:schemeClr>
+                </a:solidFill>
+              </a:defRPr>
+            </a:lvl7pPr>
+            <a:lvl8pPr marL="3200400" indent="0">
+              <a:buNone/>
+              <a:defRPr sz="1400">
+                <a:solidFill>
+                  <a:schemeClr val="tx1">
+                    <a:tint val="75000"/>
+                  </a:schemeClr>
+                </a:solidFill>
+              </a:defRPr>
+            </a:lvl8pPr>
+            <a:lvl9pPr marL="3657600" indent="0">
+              <a:buNone/>
+              <a:defRPr sz="1400">
+                <a:solidFill>
+                  <a:schemeClr val="tx1">
+                    <a:tint val="75000"/>
+                  </a:schemeClr>
+                </a:solidFill>
+              </a:defRPr>
+            </a:lvl9pPr>
           </a:lstStyle>
           <a:p>
-            <a:pPr lvl="0" eaLnBrk="1" latinLnBrk="0" hangingPunct="1"/>
-            <a:r>
-              <a:rPr kumimoji="0" lang="zh-CN" altLang="en-US" smtClean="0"/>
+            <a:pPr lvl="0"/>
+            <a:r>
+              <a:rPr lang="zh-CN" altLang="en-US" smtClean="0"/>
               <a:t>单击此处编辑母版文本样式</a:t>
             </a:r>
           </a:p>
@@ -1470,7 +1482,7 @@
             <a:fld id="{530820CF-B880-4189-942D-D702A7CBA730}" type="datetimeFigureOut">
               <a:rPr lang="zh-CN" altLang="en-US" smtClean="0"/>
               <a:pPr/>
-              <a:t>2012/1/13</a:t>
+              <a:t>2012/2/29</a:t>
             </a:fld>
             <a:endParaRPr lang="zh-CN" altLang="en-US"/>
           </a:p>
@@ -1522,7 +1534,7 @@
     </p:spTree>
   </p:cSld>
   <p:clrMapOvr>
-    <a:overrideClrMapping bg1="dk1" tx1="lt1" bg2="dk2" tx2="lt2" accent1="accent1" accent2="accent2" accent3="accent3" accent4="accent4" accent5="accent5" accent6="accent6" hlink="hlink" folHlink="folHlink"/>
+    <a:masterClrMapping/>
   </p:clrMapOvr>
 </p:sldLayout>
 </file>
@@ -1554,21 +1566,16 @@
             <p:ph type="title"/>
           </p:nvPr>
         </p:nvSpPr>
-        <p:spPr>
-          <a:xfrm>
-            <a:off x="457200" y="274638"/>
-            <a:ext cx="7467600" cy="1143000"/>
-          </a:xfrm>
-        </p:spPr>
-        <p:txBody>
-          <a:bodyPr/>
-          <a:lstStyle/>
-          <a:p>
-            <a:r>
-              <a:rPr kumimoji="0" lang="zh-CN" altLang="en-US" smtClean="0"/>
+        <p:spPr/>
+        <p:txBody>
+          <a:bodyPr/>
+          <a:lstStyle/>
+          <a:p>
+            <a:r>
+              <a:rPr lang="zh-CN" altLang="en-US" smtClean="0"/>
               <a:t>单击此处编辑母版标题样式</a:t>
             </a:r>
-            <a:endParaRPr kumimoji="0" lang="en-US"/>
+            <a:endParaRPr lang="zh-CN" altLang="en-US"/>
           </a:p>
         </p:txBody>
       </p:sp>
@@ -1585,17 +1592,17 @@
         <p:spPr>
           <a:xfrm>
             <a:off x="457200" y="1600200"/>
-            <a:ext cx="3657600" cy="4525963"/>
+            <a:ext cx="4038600" cy="4525963"/>
           </a:xfrm>
         </p:spPr>
         <p:txBody>
           <a:bodyPr/>
           <a:lstStyle>
             <a:lvl1pPr>
-              <a:defRPr sz="2600"/>
+              <a:defRPr sz="2800"/>
             </a:lvl1pPr>
             <a:lvl2pPr>
-              <a:defRPr sz="2200"/>
+              <a:defRPr sz="2400"/>
             </a:lvl2pPr>
             <a:lvl3pPr>
               <a:defRPr sz="2000"/>
@@ -1606,42 +1613,54 @@
             <a:lvl5pPr>
               <a:defRPr sz="1800"/>
             </a:lvl5pPr>
+            <a:lvl6pPr>
+              <a:defRPr sz="1800"/>
+            </a:lvl6pPr>
+            <a:lvl7pPr>
+              <a:defRPr sz="1800"/>
+            </a:lvl7pPr>
+            <a:lvl8pPr>
+              <a:defRPr sz="1800"/>
+            </a:lvl8pPr>
+            <a:lvl9pPr>
+              <a:defRPr sz="1800"/>
+            </a:lvl9pPr>
           </a:lstStyle>
           <a:p>
-            <a:pPr lvl="0" eaLnBrk="1" latinLnBrk="0" hangingPunct="1"/>
+            <a:pPr lvl="0"/>
             <a:r>
               <a:rPr lang="zh-CN" altLang="en-US" smtClean="0"/>
               <a:t>单击此处编辑母版文本样式</a:t>
             </a:r>
           </a:p>
           <a:p>
-            <a:pPr lvl="1" eaLnBrk="1" latinLnBrk="0" hangingPunct="1"/>
+            <a:pPr lvl="1"/>
             <a:r>
               <a:rPr lang="zh-CN" altLang="en-US" smtClean="0"/>
               <a:t>第二级</a:t>
             </a:r>
           </a:p>
           <a:p>
-            <a:pPr lvl="2" eaLnBrk="1" latinLnBrk="0" hangingPunct="1"/>
+            <a:pPr lvl="2"/>
             <a:r>
               <a:rPr lang="zh-CN" altLang="en-US" smtClean="0"/>
               <a:t>第三级</a:t>
             </a:r>
           </a:p>
           <a:p>
-            <a:pPr lvl="3" eaLnBrk="1" latinLnBrk="0" hangingPunct="1"/>
+            <a:pPr lvl="3"/>
             <a:r>
               <a:rPr lang="zh-CN" altLang="en-US" smtClean="0"/>
               <a:t>第四级</a:t>
             </a:r>
           </a:p>
           <a:p>
-            <a:pPr lvl="4" eaLnBrk="1" latinLnBrk="0" hangingPunct="1"/>
+            <a:pPr lvl="4"/>
             <a:r>
               <a:rPr lang="zh-CN" altLang="en-US" smtClean="0"/>
               <a:t>第五级</a:t>
             </a:r>
-            <a:endParaRPr kumimoji="0" lang="en-US"/>
+            <a:endParaRPr lang="zh-CN" altLang="en-US"/>
           </a:p>
         </p:txBody>
       </p:sp>
@@ -1657,18 +1676,18 @@
         </p:nvSpPr>
         <p:spPr>
           <a:xfrm>
-            <a:off x="4267200" y="1600200"/>
-            <a:ext cx="3657600" cy="4525963"/>
+            <a:off x="4648200" y="1600200"/>
+            <a:ext cx="4038600" cy="4525963"/>
           </a:xfrm>
         </p:spPr>
         <p:txBody>
           <a:bodyPr/>
           <a:lstStyle>
             <a:lvl1pPr>
-              <a:defRPr sz="2600"/>
+              <a:defRPr sz="2800"/>
             </a:lvl1pPr>
             <a:lvl2pPr>
-              <a:defRPr sz="2200"/>
+              <a:defRPr sz="2400"/>
             </a:lvl2pPr>
             <a:lvl3pPr>
               <a:defRPr sz="2000"/>
@@ -1679,42 +1698,54 @@
             <a:lvl5pPr>
               <a:defRPr sz="1800"/>
             </a:lvl5pPr>
+            <a:lvl6pPr>
+              <a:defRPr sz="1800"/>
+            </a:lvl6pPr>
+            <a:lvl7pPr>
+              <a:defRPr sz="1800"/>
+            </a:lvl7pPr>
+            <a:lvl8pPr>
+              <a:defRPr sz="1800"/>
+            </a:lvl8pPr>
+            <a:lvl9pPr>
+              <a:defRPr sz="1800"/>
+            </a:lvl9pPr>
           </a:lstStyle>
           <a:p>
-            <a:pPr lvl="0" eaLnBrk="1" latinLnBrk="0" hangingPunct="1"/>
+            <a:pPr lvl="0"/>
             <a:r>
               <a:rPr lang="zh-CN" altLang="en-US" smtClean="0"/>
               <a:t>单击此处编辑母版文本样式</a:t>
             </a:r>
           </a:p>
           <a:p>
-            <a:pPr lvl="1" eaLnBrk="1" latinLnBrk="0" hangingPunct="1"/>
+            <a:pPr lvl="1"/>
             <a:r>
               <a:rPr lang="zh-CN" altLang="en-US" smtClean="0"/>
               <a:t>第二级</a:t>
             </a:r>
           </a:p>
           <a:p>
-            <a:pPr lvl="2" eaLnBrk="1" latinLnBrk="0" hangingPunct="1"/>
+            <a:pPr lvl="2"/>
             <a:r>
               <a:rPr lang="zh-CN" altLang="en-US" smtClean="0"/>
               <a:t>第三级</a:t>
             </a:r>
           </a:p>
           <a:p>
-            <a:pPr lvl="3" eaLnBrk="1" latinLnBrk="0" hangingPunct="1"/>
+            <a:pPr lvl="3"/>
             <a:r>
               <a:rPr lang="zh-CN" altLang="en-US" smtClean="0"/>
               <a:t>第四级</a:t>
             </a:r>
           </a:p>
           <a:p>
-            <a:pPr lvl="4" eaLnBrk="1" latinLnBrk="0" hangingPunct="1"/>
+            <a:pPr lvl="4"/>
             <a:r>
               <a:rPr lang="zh-CN" altLang="en-US" smtClean="0"/>
               <a:t>第五级</a:t>
             </a:r>
-            <a:endParaRPr kumimoji="0" lang="en-US"/>
+            <a:endParaRPr lang="zh-CN" altLang="en-US"/>
           </a:p>
         </p:txBody>
       </p:sp>
@@ -1736,7 +1767,7 @@
             <a:fld id="{530820CF-B880-4189-942D-D702A7CBA730}" type="datetimeFigureOut">
               <a:rPr lang="zh-CN" altLang="en-US" smtClean="0"/>
               <a:pPr/>
-              <a:t>2012/1/13</a:t>
+              <a:t>2012/2/29</a:t>
             </a:fld>
             <a:endParaRPr lang="zh-CN" altLang="en-US"/>
           </a:p>
@@ -1794,7 +1825,7 @@
 </file>
 
 <file path=ppt/slideLayouts/slideLayout5.xml><?xml version="1.0" encoding="utf-8"?>
-<p:sldLayout xmlns:a="http://schemas.openxmlformats.org/drawingml/2006/main" xmlns:r="http://schemas.openxmlformats.org/officeDocument/2006/relationships" xmlns:p="http://schemas.openxmlformats.org/presentationml/2006/main" showMasterSp="0" type="twoTxTwoObj" preserve="1">
+<p:sldLayout xmlns:a="http://schemas.openxmlformats.org/drawingml/2006/main" xmlns:r="http://schemas.openxmlformats.org/officeDocument/2006/relationships" xmlns:p="http://schemas.openxmlformats.org/presentationml/2006/main" type="twoTxTwoObj" preserve="1">
   <p:cSld name="比较">
     <p:spTree>
       <p:nvGrpSpPr>
@@ -1820,14 +1851,9 @@
             <p:ph type="title"/>
           </p:nvPr>
         </p:nvSpPr>
-        <p:spPr>
-          <a:xfrm>
-            <a:off x="457200" y="273050"/>
-            <a:ext cx="8229600" cy="1143000"/>
-          </a:xfrm>
-        </p:spPr>
-        <p:txBody>
-          <a:bodyPr anchor="ctr"/>
+        <p:spPr/>
+        <p:txBody>
+          <a:bodyPr/>
           <a:lstStyle>
             <a:lvl1pPr>
               <a:defRPr/>
@@ -1835,10 +1861,10 @@
           </a:lstStyle>
           <a:p>
             <a:r>
-              <a:rPr kumimoji="0" lang="zh-CN" altLang="en-US" smtClean="0"/>
+              <a:rPr lang="zh-CN" altLang="en-US" smtClean="0"/>
               <a:t>单击此处编辑母版标题样式</a:t>
             </a:r>
-            <a:endParaRPr kumimoji="0" lang="en-US"/>
+            <a:endParaRPr lang="zh-CN" altLang="en-US"/>
           </a:p>
         </p:txBody>
       </p:sp>
@@ -1854,42 +1880,54 @@
         </p:nvSpPr>
         <p:spPr>
           <a:xfrm>
-            <a:off x="457200" y="5486400"/>
-            <a:ext cx="4040188" cy="838200"/>
+            <a:off x="457200" y="1535113"/>
+            <a:ext cx="4040188" cy="639762"/>
           </a:xfrm>
         </p:spPr>
         <p:txBody>
-          <a:bodyPr anchor="t"/>
+          <a:bodyPr anchor="b"/>
           <a:lstStyle>
             <a:lvl1pPr marL="0" indent="0">
               <a:buNone/>
-              <a:defRPr sz="2400" b="1">
-                <a:solidFill>
-                  <a:schemeClr val="accent1"/>
-                </a:solidFill>
-              </a:defRPr>
+              <a:defRPr sz="2400" b="1"/>
             </a:lvl1pPr>
-            <a:lvl2pPr>
+            <a:lvl2pPr marL="457200" indent="0">
               <a:buNone/>
               <a:defRPr sz="2000" b="1"/>
             </a:lvl2pPr>
-            <a:lvl3pPr>
+            <a:lvl3pPr marL="914400" indent="0">
               <a:buNone/>
               <a:defRPr sz="1800" b="1"/>
             </a:lvl3pPr>
-            <a:lvl4pPr>
+            <a:lvl4pPr marL="1371600" indent="0">
               <a:buNone/>
               <a:defRPr sz="1600" b="1"/>
             </a:lvl4pPr>
-            <a:lvl5pPr>
+            <a:lvl5pPr marL="1828800" indent="0">
               <a:buNone/>
               <a:defRPr sz="1600" b="1"/>
             </a:lvl5pPr>
+            <a:lvl6pPr marL="2286000" indent="0">
+              <a:buNone/>
+              <a:defRPr sz="1600" b="1"/>
+            </a:lvl6pPr>
+            <a:lvl7pPr marL="2743200" indent="0">
+              <a:buNone/>
+              <a:defRPr sz="1600" b="1"/>
+            </a:lvl7pPr>
+            <a:lvl8pPr marL="3200400" indent="0">
+              <a:buNone/>
+              <a:defRPr sz="1600" b="1"/>
+            </a:lvl8pPr>
+            <a:lvl9pPr marL="3657600" indent="0">
+              <a:buNone/>
+              <a:defRPr sz="1600" b="1"/>
+            </a:lvl9pPr>
           </a:lstStyle>
           <a:p>
-            <a:pPr lvl="0" eaLnBrk="1" latinLnBrk="0" hangingPunct="1"/>
-            <a:r>
-              <a:rPr kumimoji="0" lang="zh-CN" altLang="en-US" smtClean="0"/>
+            <a:pPr lvl="0"/>
+            <a:r>
+              <a:rPr lang="zh-CN" altLang="en-US" smtClean="0"/>
               <a:t>单击此处编辑母版文本样式</a:t>
             </a:r>
           </a:p>
@@ -1897,71 +1935,18 @@
       </p:sp>
       <p:sp>
         <p:nvSpPr>
-          <p:cNvPr id="4" name="文本占位符 3"/>
-          <p:cNvSpPr>
-            <a:spLocks noGrp="1"/>
-          </p:cNvSpPr>
-          <p:nvPr>
-            <p:ph type="body" sz="half" idx="3"/>
+          <p:cNvPr id="4" name="内容占位符 3"/>
+          <p:cNvSpPr>
+            <a:spLocks noGrp="1"/>
+          </p:cNvSpPr>
+          <p:nvPr>
+            <p:ph sz="half" idx="2"/>
           </p:nvPr>
         </p:nvSpPr>
         <p:spPr>
           <a:xfrm>
-            <a:off x="4645025" y="5486400"/>
-            <a:ext cx="4041775" cy="838200"/>
-          </a:xfrm>
-        </p:spPr>
-        <p:txBody>
-          <a:bodyPr anchor="t"/>
-          <a:lstStyle>
-            <a:lvl1pPr marL="0" indent="0">
-              <a:buNone/>
-              <a:defRPr sz="2400" b="1">
-                <a:solidFill>
-                  <a:schemeClr val="accent1"/>
-                </a:solidFill>
-              </a:defRPr>
-            </a:lvl1pPr>
-            <a:lvl2pPr>
-              <a:buNone/>
-              <a:defRPr sz="2000" b="1"/>
-            </a:lvl2pPr>
-            <a:lvl3pPr>
-              <a:buNone/>
-              <a:defRPr sz="1800" b="1"/>
-            </a:lvl3pPr>
-            <a:lvl4pPr>
-              <a:buNone/>
-              <a:defRPr sz="1600" b="1"/>
-            </a:lvl4pPr>
-            <a:lvl5pPr>
-              <a:buNone/>
-              <a:defRPr sz="1600" b="1"/>
-            </a:lvl5pPr>
-          </a:lstStyle>
-          <a:p>
-            <a:pPr lvl="0" eaLnBrk="1" latinLnBrk="0" hangingPunct="1"/>
-            <a:r>
-              <a:rPr kumimoji="0" lang="zh-CN" altLang="en-US" smtClean="0"/>
-              <a:t>单击此处编辑母版文本样式</a:t>
-            </a:r>
-          </a:p>
-        </p:txBody>
-      </p:sp>
-      <p:sp>
-        <p:nvSpPr>
-          <p:cNvPr id="5" name="内容占位符 4"/>
-          <p:cNvSpPr>
-            <a:spLocks noGrp="1"/>
-          </p:cNvSpPr>
-          <p:nvPr>
-            <p:ph sz="quarter" idx="2"/>
-          </p:nvPr>
-        </p:nvSpPr>
-        <p:spPr>
-          <a:xfrm>
-            <a:off x="457200" y="1516912"/>
-            <a:ext cx="4040188" cy="3941763"/>
+            <a:off x="457200" y="2174875"/>
+            <a:ext cx="4040188" cy="3951288"/>
           </a:xfrm>
         </p:spPr>
         <p:txBody>
@@ -1982,59 +1967,136 @@
             <a:lvl5pPr>
               <a:defRPr sz="1600"/>
             </a:lvl5pPr>
+            <a:lvl6pPr>
+              <a:defRPr sz="1600"/>
+            </a:lvl6pPr>
+            <a:lvl7pPr>
+              <a:defRPr sz="1600"/>
+            </a:lvl7pPr>
+            <a:lvl8pPr>
+              <a:defRPr sz="1600"/>
+            </a:lvl8pPr>
+            <a:lvl9pPr>
+              <a:defRPr sz="1600"/>
+            </a:lvl9pPr>
           </a:lstStyle>
           <a:p>
-            <a:pPr lvl="0" eaLnBrk="1" latinLnBrk="0" hangingPunct="1"/>
+            <a:pPr lvl="0"/>
             <a:r>
               <a:rPr lang="zh-CN" altLang="en-US" smtClean="0"/>
               <a:t>单击此处编辑母版文本样式</a:t>
             </a:r>
           </a:p>
           <a:p>
-            <a:pPr lvl="1" eaLnBrk="1" latinLnBrk="0" hangingPunct="1"/>
+            <a:pPr lvl="1"/>
             <a:r>
               <a:rPr lang="zh-CN" altLang="en-US" smtClean="0"/>
               <a:t>第二级</a:t>
             </a:r>
           </a:p>
           <a:p>
-            <a:pPr lvl="2" eaLnBrk="1" latinLnBrk="0" hangingPunct="1"/>
+            <a:pPr lvl="2"/>
             <a:r>
               <a:rPr lang="zh-CN" altLang="en-US" smtClean="0"/>
               <a:t>第三级</a:t>
             </a:r>
           </a:p>
           <a:p>
-            <a:pPr lvl="3" eaLnBrk="1" latinLnBrk="0" hangingPunct="1"/>
+            <a:pPr lvl="3"/>
             <a:r>
               <a:rPr lang="zh-CN" altLang="en-US" smtClean="0"/>
               <a:t>第四级</a:t>
             </a:r>
           </a:p>
           <a:p>
-            <a:pPr lvl="4" eaLnBrk="1" latinLnBrk="0" hangingPunct="1"/>
+            <a:pPr lvl="4"/>
             <a:r>
               <a:rPr lang="zh-CN" altLang="en-US" smtClean="0"/>
               <a:t>第五级</a:t>
             </a:r>
-            <a:endParaRPr kumimoji="0" lang="en-US"/>
-          </a:p>
-        </p:txBody>
-      </p:sp>
-      <p:sp>
-        <p:nvSpPr>
-          <p:cNvPr id="6" name="内容占位符 5"/>
-          <p:cNvSpPr>
-            <a:spLocks noGrp="1"/>
-          </p:cNvSpPr>
-          <p:nvPr>
-            <p:ph sz="quarter" idx="4"/>
+            <a:endParaRPr lang="zh-CN" altLang="en-US"/>
+          </a:p>
+        </p:txBody>
+      </p:sp>
+      <p:sp>
+        <p:nvSpPr>
+          <p:cNvPr id="5" name="文本占位符 4"/>
+          <p:cNvSpPr>
+            <a:spLocks noGrp="1"/>
+          </p:cNvSpPr>
+          <p:nvPr>
+            <p:ph type="body" sz="quarter" idx="3"/>
           </p:nvPr>
         </p:nvSpPr>
         <p:spPr>
           <a:xfrm>
-            <a:off x="4645025" y="1516912"/>
-            <a:ext cx="4041775" cy="3941763"/>
+            <a:off x="4645025" y="1535113"/>
+            <a:ext cx="4041775" cy="639762"/>
+          </a:xfrm>
+        </p:spPr>
+        <p:txBody>
+          <a:bodyPr anchor="b"/>
+          <a:lstStyle>
+            <a:lvl1pPr marL="0" indent="0">
+              <a:buNone/>
+              <a:defRPr sz="2400" b="1"/>
+            </a:lvl1pPr>
+            <a:lvl2pPr marL="457200" indent="0">
+              <a:buNone/>
+              <a:defRPr sz="2000" b="1"/>
+            </a:lvl2pPr>
+            <a:lvl3pPr marL="914400" indent="0">
+              <a:buNone/>
+              <a:defRPr sz="1800" b="1"/>
+            </a:lvl3pPr>
+            <a:lvl4pPr marL="1371600" indent="0">
+              <a:buNone/>
+              <a:defRPr sz="1600" b="1"/>
+            </a:lvl4pPr>
+            <a:lvl5pPr marL="1828800" indent="0">
+              <a:buNone/>
+              <a:defRPr sz="1600" b="1"/>
+            </a:lvl5pPr>
+            <a:lvl6pPr marL="2286000" indent="0">
+              <a:buNone/>
+              <a:defRPr sz="1600" b="1"/>
+            </a:lvl6pPr>
+            <a:lvl7pPr marL="2743200" indent="0">
+              <a:buNone/>
+              <a:defRPr sz="1600" b="1"/>
+            </a:lvl7pPr>
+            <a:lvl8pPr marL="3200400" indent="0">
+              <a:buNone/>
+              <a:defRPr sz="1600" b="1"/>
+            </a:lvl8pPr>
+            <a:lvl9pPr marL="3657600" indent="0">
+              <a:buNone/>
+              <a:defRPr sz="1600" b="1"/>
+            </a:lvl9pPr>
+          </a:lstStyle>
+          <a:p>
+            <a:pPr lvl="0"/>
+            <a:r>
+              <a:rPr lang="zh-CN" altLang="en-US" smtClean="0"/>
+              <a:t>单击此处编辑母版文本样式</a:t>
+            </a:r>
+          </a:p>
+        </p:txBody>
+      </p:sp>
+      <p:sp>
+        <p:nvSpPr>
+          <p:cNvPr id="6" name="内容占位符 5"/>
+          <p:cNvSpPr>
+            <a:spLocks noGrp="1"/>
+          </p:cNvSpPr>
+          <p:nvPr>
+            <p:ph sz="quarter" idx="4"/>
+          </p:nvPr>
+        </p:nvSpPr>
+        <p:spPr>
+          <a:xfrm>
+            <a:off x="4645025" y="2174875"/>
+            <a:ext cx="4041775" cy="3951288"/>
           </a:xfrm>
         </p:spPr>
         <p:txBody>
@@ -2055,42 +2117,54 @@
             <a:lvl5pPr>
               <a:defRPr sz="1600"/>
             </a:lvl5pPr>
+            <a:lvl6pPr>
+              <a:defRPr sz="1600"/>
+            </a:lvl6pPr>
+            <a:lvl7pPr>
+              <a:defRPr sz="1600"/>
+            </a:lvl7pPr>
+            <a:lvl8pPr>
+              <a:defRPr sz="1600"/>
+            </a:lvl8pPr>
+            <a:lvl9pPr>
+              <a:defRPr sz="1600"/>
+            </a:lvl9pPr>
           </a:lstStyle>
           <a:p>
-            <a:pPr lvl="0" eaLnBrk="1" latinLnBrk="0" hangingPunct="1"/>
+            <a:pPr lvl="0"/>
             <a:r>
               <a:rPr lang="zh-CN" altLang="en-US" smtClean="0"/>
               <a:t>单击此处编辑母版文本样式</a:t>
             </a:r>
           </a:p>
           <a:p>
-            <a:pPr lvl="1" eaLnBrk="1" latinLnBrk="0" hangingPunct="1"/>
+            <a:pPr lvl="1"/>
             <a:r>
               <a:rPr lang="zh-CN" altLang="en-US" smtClean="0"/>
               <a:t>第二级</a:t>
             </a:r>
           </a:p>
           <a:p>
-            <a:pPr lvl="2" eaLnBrk="1" latinLnBrk="0" hangingPunct="1"/>
+            <a:pPr lvl="2"/>
             <a:r>
               <a:rPr lang="zh-CN" altLang="en-US" smtClean="0"/>
               <a:t>第三级</a:t>
             </a:r>
           </a:p>
           <a:p>
-            <a:pPr lvl="3" eaLnBrk="1" latinLnBrk="0" hangingPunct="1"/>
+            <a:pPr lvl="3"/>
             <a:r>
               <a:rPr lang="zh-CN" altLang="en-US" smtClean="0"/>
               <a:t>第四级</a:t>
             </a:r>
           </a:p>
           <a:p>
-            <a:pPr lvl="4" eaLnBrk="1" latinLnBrk="0" hangingPunct="1"/>
+            <a:pPr lvl="4"/>
             <a:r>
               <a:rPr lang="zh-CN" altLang="en-US" smtClean="0"/>
               <a:t>第五级</a:t>
             </a:r>
-            <a:endParaRPr kumimoji="0" lang="en-US"/>
+            <a:endParaRPr lang="zh-CN" altLang="en-US"/>
           </a:p>
         </p:txBody>
       </p:sp>
@@ -2112,7 +2186,7 @@
             <a:fld id="{530820CF-B880-4189-942D-D702A7CBA730}" type="datetimeFigureOut">
               <a:rPr lang="zh-CN" altLang="en-US" smtClean="0"/>
               <a:pPr/>
-              <a:t>2012/1/13</a:t>
+              <a:t>2012/2/29</a:t>
             </a:fld>
             <a:endParaRPr lang="zh-CN" altLang="en-US"/>
           </a:p>
@@ -2196,31 +2270,22 @@
             <p:ph type="title"/>
           </p:nvPr>
         </p:nvSpPr>
-        <p:spPr>
-          <a:xfrm>
-            <a:off x="457200" y="274320"/>
-            <a:ext cx="7470648" cy="1143000"/>
-          </a:xfrm>
-        </p:spPr>
-        <p:txBody>
-          <a:bodyPr anchor="ctr"/>
-          <a:lstStyle>
-            <a:lvl1pPr algn="l">
-              <a:defRPr sz="4600"/>
-            </a:lvl1pPr>
-          </a:lstStyle>
-          <a:p>
-            <a:r>
-              <a:rPr kumimoji="0" lang="zh-CN" altLang="en-US" smtClean="0"/>
+        <p:spPr/>
+        <p:txBody>
+          <a:bodyPr/>
+          <a:lstStyle/>
+          <a:p>
+            <a:r>
+              <a:rPr lang="zh-CN" altLang="en-US" smtClean="0"/>
               <a:t>单击此处编辑母版标题样式</a:t>
             </a:r>
-            <a:endParaRPr kumimoji="0" lang="en-US"/>
-          </a:p>
-        </p:txBody>
-      </p:sp>
-      <p:sp>
-        <p:nvSpPr>
-          <p:cNvPr id="7" name="日期占位符 6"/>
+            <a:endParaRPr lang="zh-CN" altLang="en-US"/>
+          </a:p>
+        </p:txBody>
+      </p:sp>
+      <p:sp>
+        <p:nvSpPr>
+          <p:cNvPr id="3" name="日期占位符 2"/>
           <p:cNvSpPr>
             <a:spLocks noGrp="1"/>
           </p:cNvSpPr>
@@ -2236,7 +2301,7 @@
             <a:fld id="{530820CF-B880-4189-942D-D702A7CBA730}" type="datetimeFigureOut">
               <a:rPr lang="zh-CN" altLang="en-US" smtClean="0"/>
               <a:pPr/>
-              <a:t>2012/1/13</a:t>
+              <a:t>2012/2/29</a:t>
             </a:fld>
             <a:endParaRPr lang="zh-CN" altLang="en-US"/>
           </a:p>
@@ -2244,12 +2309,31 @@
       </p:sp>
       <p:sp>
         <p:nvSpPr>
-          <p:cNvPr id="8" name="灯片编号占位符 7"/>
-          <p:cNvSpPr>
-            <a:spLocks noGrp="1"/>
-          </p:cNvSpPr>
-          <p:nvPr>
-            <p:ph type="sldNum" sz="quarter" idx="11"/>
+          <p:cNvPr id="4" name="页脚占位符 3"/>
+          <p:cNvSpPr>
+            <a:spLocks noGrp="1"/>
+          </p:cNvSpPr>
+          <p:nvPr>
+            <p:ph type="ftr" sz="quarter" idx="11"/>
+          </p:nvPr>
+        </p:nvSpPr>
+        <p:spPr/>
+        <p:txBody>
+          <a:bodyPr/>
+          <a:lstStyle/>
+          <a:p>
+            <a:endParaRPr lang="zh-CN" altLang="en-US"/>
+          </a:p>
+        </p:txBody>
+      </p:sp>
+      <p:sp>
+        <p:nvSpPr>
+          <p:cNvPr id="5" name="灯片编号占位符 4"/>
+          <p:cNvSpPr>
+            <a:spLocks noGrp="1"/>
+          </p:cNvSpPr>
+          <p:nvPr>
+            <p:ph type="sldNum" sz="quarter" idx="12"/>
           </p:nvPr>
         </p:nvSpPr>
         <p:spPr/>
@@ -2262,25 +2346,6 @@
               <a:pPr/>
               <a:t>‹#›</a:t>
             </a:fld>
-            <a:endParaRPr lang="zh-CN" altLang="en-US"/>
-          </a:p>
-        </p:txBody>
-      </p:sp>
-      <p:sp>
-        <p:nvSpPr>
-          <p:cNvPr id="9" name="页脚占位符 8"/>
-          <p:cNvSpPr>
-            <a:spLocks noGrp="1"/>
-          </p:cNvSpPr>
-          <p:nvPr>
-            <p:ph type="ftr" sz="quarter" idx="12"/>
-          </p:nvPr>
-        </p:nvSpPr>
-        <p:spPr/>
-        <p:txBody>
-          <a:bodyPr/>
-          <a:lstStyle/>
-          <a:p>
             <a:endParaRPr lang="zh-CN" altLang="en-US"/>
           </a:p>
         </p:txBody>
@@ -2328,7 +2393,7 @@
             <a:fld id="{530820CF-B880-4189-942D-D702A7CBA730}" type="datetimeFigureOut">
               <a:rPr lang="zh-CN" altLang="en-US" smtClean="0"/>
               <a:pPr/>
-              <a:t>2012/1/13</a:t>
+              <a:t>2012/2/29</a:t>
             </a:fld>
             <a:endParaRPr lang="zh-CN" altLang="en-US"/>
           </a:p>
@@ -2414,107 +2479,53 @@
         </p:nvSpPr>
         <p:spPr>
           <a:xfrm>
-            <a:off x="457200" y="1185528"/>
-            <a:ext cx="3200400" cy="730250"/>
+            <a:off x="457200" y="273050"/>
+            <a:ext cx="3008313" cy="1162050"/>
           </a:xfrm>
         </p:spPr>
         <p:txBody>
-          <a:bodyPr tIns="0" bIns="0" anchor="t"/>
+          <a:bodyPr anchor="b"/>
           <a:lstStyle>
             <a:lvl1pPr algn="l">
-              <a:buNone/>
-              <a:defRPr sz="1800" b="1">
-                <a:solidFill>
-                  <a:schemeClr val="accent1"/>
-                </a:solidFill>
-              </a:defRPr>
+              <a:defRPr sz="2000" b="1"/>
             </a:lvl1pPr>
           </a:lstStyle>
           <a:p>
             <a:r>
-              <a:rPr kumimoji="0" lang="zh-CN" altLang="en-US" smtClean="0"/>
+              <a:rPr lang="zh-CN" altLang="en-US" smtClean="0"/>
               <a:t>单击此处编辑母版标题样式</a:t>
             </a:r>
-            <a:endParaRPr kumimoji="0" lang="en-US"/>
-          </a:p>
-        </p:txBody>
-      </p:sp>
-      <p:sp>
-        <p:nvSpPr>
-          <p:cNvPr id="3" name="文本占位符 2"/>
-          <p:cNvSpPr>
-            <a:spLocks noGrp="1"/>
-          </p:cNvSpPr>
-          <p:nvPr>
-            <p:ph type="body" idx="2"/>
+            <a:endParaRPr lang="zh-CN" altLang="en-US"/>
+          </a:p>
+        </p:txBody>
+      </p:sp>
+      <p:sp>
+        <p:nvSpPr>
+          <p:cNvPr id="3" name="内容占位符 2"/>
+          <p:cNvSpPr>
+            <a:spLocks noGrp="1"/>
+          </p:cNvSpPr>
+          <p:nvPr>
+            <p:ph idx="1"/>
           </p:nvPr>
         </p:nvSpPr>
         <p:spPr>
           <a:xfrm>
-            <a:off x="457200" y="214424"/>
-            <a:ext cx="2743200" cy="914400"/>
+            <a:off x="3575050" y="273050"/>
+            <a:ext cx="5111750" cy="5853113"/>
           </a:xfrm>
         </p:spPr>
         <p:txBody>
-          <a:bodyPr lIns="45720" tIns="0" rIns="45720" bIns="0" anchor="b"/>
+          <a:bodyPr/>
           <a:lstStyle>
-            <a:lvl1pPr marL="0" indent="0" algn="l">
-              <a:buNone/>
-              <a:defRPr sz="1400"/>
+            <a:lvl1pPr>
+              <a:defRPr sz="3200"/>
             </a:lvl1pPr>
             <a:lvl2pPr>
-              <a:buNone/>
-              <a:defRPr sz="1200"/>
+              <a:defRPr sz="2800"/>
             </a:lvl2pPr>
             <a:lvl3pPr>
-              <a:buNone/>
-              <a:defRPr sz="1000"/>
-            </a:lvl3pPr>
-            <a:lvl4pPr>
-              <a:buNone/>
-              <a:defRPr sz="900"/>
-            </a:lvl4pPr>
-            <a:lvl5pPr>
-              <a:buNone/>
-              <a:defRPr sz="900"/>
-            </a:lvl5pPr>
-          </a:lstStyle>
-          <a:p>
-            <a:pPr lvl="0" eaLnBrk="1" latinLnBrk="0" hangingPunct="1"/>
-            <a:r>
-              <a:rPr kumimoji="0" lang="zh-CN" altLang="en-US" smtClean="0"/>
-              <a:t>单击此处编辑母版文本样式</a:t>
-            </a:r>
-          </a:p>
-        </p:txBody>
-      </p:sp>
-      <p:sp>
-        <p:nvSpPr>
-          <p:cNvPr id="4" name="内容占位符 3"/>
-          <p:cNvSpPr>
-            <a:spLocks noGrp="1"/>
-          </p:cNvSpPr>
-          <p:nvPr>
-            <p:ph sz="half" idx="1"/>
-          </p:nvPr>
-        </p:nvSpPr>
-        <p:spPr>
-          <a:xfrm>
-            <a:off x="457200" y="1981200"/>
-            <a:ext cx="7086600" cy="3810000"/>
-          </a:xfrm>
-        </p:spPr>
-        <p:txBody>
-          <a:bodyPr/>
-          <a:lstStyle>
-            <a:lvl1pPr>
-              <a:defRPr sz="2800"/>
-            </a:lvl1pPr>
-            <a:lvl2pPr>
               <a:defRPr sz="2400"/>
-            </a:lvl2pPr>
-            <a:lvl3pPr>
-              <a:defRPr sz="2200"/>
             </a:lvl3pPr>
             <a:lvl4pPr>
               <a:defRPr sz="2000"/>
@@ -2522,104 +2533,176 @@
             <a:lvl5pPr>
               <a:defRPr sz="2000"/>
             </a:lvl5pPr>
+            <a:lvl6pPr>
+              <a:defRPr sz="2000"/>
+            </a:lvl6pPr>
+            <a:lvl7pPr>
+              <a:defRPr sz="2000"/>
+            </a:lvl7pPr>
+            <a:lvl8pPr>
+              <a:defRPr sz="2000"/>
+            </a:lvl8pPr>
+            <a:lvl9pPr>
+              <a:defRPr sz="2000"/>
+            </a:lvl9pPr>
           </a:lstStyle>
           <a:p>
-            <a:pPr lvl="0" eaLnBrk="1" latinLnBrk="0" hangingPunct="1"/>
+            <a:pPr lvl="0"/>
             <a:r>
               <a:rPr lang="zh-CN" altLang="en-US" smtClean="0"/>
               <a:t>单击此处编辑母版文本样式</a:t>
             </a:r>
           </a:p>
           <a:p>
-            <a:pPr lvl="1" eaLnBrk="1" latinLnBrk="0" hangingPunct="1"/>
+            <a:pPr lvl="1"/>
             <a:r>
               <a:rPr lang="zh-CN" altLang="en-US" smtClean="0"/>
               <a:t>第二级</a:t>
             </a:r>
           </a:p>
           <a:p>
-            <a:pPr lvl="2" eaLnBrk="1" latinLnBrk="0" hangingPunct="1"/>
+            <a:pPr lvl="2"/>
             <a:r>
               <a:rPr lang="zh-CN" altLang="en-US" smtClean="0"/>
               <a:t>第三级</a:t>
             </a:r>
           </a:p>
           <a:p>
-            <a:pPr lvl="3" eaLnBrk="1" latinLnBrk="0" hangingPunct="1"/>
+            <a:pPr lvl="3"/>
             <a:r>
               <a:rPr lang="zh-CN" altLang="en-US" smtClean="0"/>
               <a:t>第四级</a:t>
             </a:r>
           </a:p>
           <a:p>
-            <a:pPr lvl="4" eaLnBrk="1" latinLnBrk="0" hangingPunct="1"/>
+            <a:pPr lvl="4"/>
             <a:r>
               <a:rPr lang="zh-CN" altLang="en-US" smtClean="0"/>
               <a:t>第五级</a:t>
             </a:r>
-            <a:endParaRPr kumimoji="0" lang="en-US"/>
-          </a:p>
-        </p:txBody>
-      </p:sp>
-      <p:sp>
-        <p:nvSpPr>
-          <p:cNvPr id="5" name="日期占位符 4"/>
-          <p:cNvSpPr>
-            <a:spLocks noGrp="1"/>
-          </p:cNvSpPr>
-          <p:nvPr>
-            <p:ph type="dt" sz="half" idx="10"/>
-          </p:nvPr>
-        </p:nvSpPr>
-        <p:spPr/>
-        <p:txBody>
-          <a:bodyPr/>
-          <a:lstStyle/>
-          <a:p>
-            <a:fld id="{530820CF-B880-4189-942D-D702A7CBA730}" type="datetimeFigureOut">
-              <a:rPr lang="zh-CN" altLang="en-US" smtClean="0"/>
-              <a:pPr/>
-              <a:t>2012/1/13</a:t>
-            </a:fld>
-            <a:endParaRPr lang="zh-CN" altLang="en-US"/>
-          </a:p>
-        </p:txBody>
-      </p:sp>
-      <p:sp>
-        <p:nvSpPr>
-          <p:cNvPr id="6" name="页脚占位符 5"/>
-          <p:cNvSpPr>
-            <a:spLocks noGrp="1"/>
-          </p:cNvSpPr>
-          <p:nvPr>
-            <p:ph type="ftr" sz="quarter" idx="11"/>
-          </p:nvPr>
-        </p:nvSpPr>
-        <p:spPr/>
-        <p:txBody>
-          <a:bodyPr/>
-          <a:lstStyle/>
-          <a:p>
-            <a:endParaRPr lang="zh-CN" altLang="en-US"/>
-          </a:p>
-        </p:txBody>
-      </p:sp>
-      <p:sp>
-        <p:nvSpPr>
-          <p:cNvPr id="7" name="灯片编号占位符 6"/>
-          <p:cNvSpPr>
-            <a:spLocks noGrp="1"/>
-          </p:cNvSpPr>
-          <p:nvPr>
-            <p:ph type="sldNum" sz="quarter" idx="12"/>
+            <a:endParaRPr lang="zh-CN" altLang="en-US"/>
+          </a:p>
+        </p:txBody>
+      </p:sp>
+      <p:sp>
+        <p:nvSpPr>
+          <p:cNvPr id="4" name="文本占位符 3"/>
+          <p:cNvSpPr>
+            <a:spLocks noGrp="1"/>
+          </p:cNvSpPr>
+          <p:nvPr>
+            <p:ph type="body" sz="half" idx="2"/>
           </p:nvPr>
         </p:nvSpPr>
         <p:spPr>
           <a:xfrm>
-            <a:off x="8156448" y="6422064"/>
-            <a:ext cx="762000" cy="365125"/>
+            <a:off x="457200" y="1435100"/>
+            <a:ext cx="3008313" cy="4691063"/>
           </a:xfrm>
         </p:spPr>
+        <p:txBody>
+          <a:bodyPr/>
+          <a:lstStyle>
+            <a:lvl1pPr marL="0" indent="0">
+              <a:buNone/>
+              <a:defRPr sz="1400"/>
+            </a:lvl1pPr>
+            <a:lvl2pPr marL="457200" indent="0">
+              <a:buNone/>
+              <a:defRPr sz="1200"/>
+            </a:lvl2pPr>
+            <a:lvl3pPr marL="914400" indent="0">
+              <a:buNone/>
+              <a:defRPr sz="1000"/>
+            </a:lvl3pPr>
+            <a:lvl4pPr marL="1371600" indent="0">
+              <a:buNone/>
+              <a:defRPr sz="900"/>
+            </a:lvl4pPr>
+            <a:lvl5pPr marL="1828800" indent="0">
+              <a:buNone/>
+              <a:defRPr sz="900"/>
+            </a:lvl5pPr>
+            <a:lvl6pPr marL="2286000" indent="0">
+              <a:buNone/>
+              <a:defRPr sz="900"/>
+            </a:lvl6pPr>
+            <a:lvl7pPr marL="2743200" indent="0">
+              <a:buNone/>
+              <a:defRPr sz="900"/>
+            </a:lvl7pPr>
+            <a:lvl8pPr marL="3200400" indent="0">
+              <a:buNone/>
+              <a:defRPr sz="900"/>
+            </a:lvl8pPr>
+            <a:lvl9pPr marL="3657600" indent="0">
+              <a:buNone/>
+              <a:defRPr sz="900"/>
+            </a:lvl9pPr>
+          </a:lstStyle>
+          <a:p>
+            <a:pPr lvl="0"/>
+            <a:r>
+              <a:rPr lang="zh-CN" altLang="en-US" smtClean="0"/>
+              <a:t>单击此处编辑母版文本样式</a:t>
+            </a:r>
+          </a:p>
+        </p:txBody>
+      </p:sp>
+      <p:sp>
+        <p:nvSpPr>
+          <p:cNvPr id="5" name="日期占位符 4"/>
+          <p:cNvSpPr>
+            <a:spLocks noGrp="1"/>
+          </p:cNvSpPr>
+          <p:nvPr>
+            <p:ph type="dt" sz="half" idx="10"/>
+          </p:nvPr>
+        </p:nvSpPr>
+        <p:spPr/>
+        <p:txBody>
+          <a:bodyPr/>
+          <a:lstStyle/>
+          <a:p>
+            <a:fld id="{530820CF-B880-4189-942D-D702A7CBA730}" type="datetimeFigureOut">
+              <a:rPr lang="zh-CN" altLang="en-US" smtClean="0"/>
+              <a:pPr/>
+              <a:t>2012/2/29</a:t>
+            </a:fld>
+            <a:endParaRPr lang="zh-CN" altLang="en-US"/>
+          </a:p>
+        </p:txBody>
+      </p:sp>
+      <p:sp>
+        <p:nvSpPr>
+          <p:cNvPr id="6" name="页脚占位符 5"/>
+          <p:cNvSpPr>
+            <a:spLocks noGrp="1"/>
+          </p:cNvSpPr>
+          <p:nvPr>
+            <p:ph type="ftr" sz="quarter" idx="11"/>
+          </p:nvPr>
+        </p:nvSpPr>
+        <p:spPr/>
+        <p:txBody>
+          <a:bodyPr/>
+          <a:lstStyle/>
+          <a:p>
+            <a:endParaRPr lang="zh-CN" altLang="en-US"/>
+          </a:p>
+        </p:txBody>
+      </p:sp>
+      <p:sp>
+        <p:nvSpPr>
+          <p:cNvPr id="7" name="灯片编号占位符 6"/>
+          <p:cNvSpPr>
+            <a:spLocks noGrp="1"/>
+          </p:cNvSpPr>
+          <p:nvPr>
+            <p:ph type="sldNum" sz="quarter" idx="12"/>
+          </p:nvPr>
+        </p:nvSpPr>
+        <p:spPr/>
         <p:txBody>
           <a:bodyPr/>
           <a:lstStyle/>
@@ -2642,7 +2725,7 @@
 </file>
 
 <file path=ppt/slideLayouts/slideLayout9.xml><?xml version="1.0" encoding="utf-8"?>
-<p:sldLayout xmlns:a="http://schemas.openxmlformats.org/drawingml/2006/main" xmlns:r="http://schemas.openxmlformats.org/officeDocument/2006/relationships" xmlns:p="http://schemas.openxmlformats.org/presentationml/2006/main" showMasterSp="0" type="picTx" preserve="1">
+<p:sldLayout xmlns:a="http://schemas.openxmlformats.org/drawingml/2006/main" xmlns:r="http://schemas.openxmlformats.org/officeDocument/2006/relationships" xmlns:p="http://schemas.openxmlformats.org/presentationml/2006/main" type="picTx" preserve="1">
   <p:cSld name="图片与标题">
     <p:spTree>
       <p:nvGrpSpPr>
@@ -2670,28 +2753,23 @@
         </p:nvSpPr>
         <p:spPr>
           <a:xfrm>
-            <a:off x="5556732" y="1705709"/>
-            <a:ext cx="3053868" cy="1253808"/>
+            <a:off x="1792288" y="4800600"/>
+            <a:ext cx="5486400" cy="566738"/>
           </a:xfrm>
         </p:spPr>
         <p:txBody>
           <a:bodyPr anchor="b"/>
           <a:lstStyle>
             <a:lvl1pPr algn="l">
-              <a:buNone/>
-              <a:defRPr sz="2200" b="1">
-                <a:solidFill>
-                  <a:schemeClr val="accent1"/>
-                </a:solidFill>
-              </a:defRPr>
+              <a:defRPr sz="2000" b="1"/>
             </a:lvl1pPr>
           </a:lstStyle>
           <a:p>
             <a:r>
-              <a:rPr kumimoji="0" lang="zh-CN" altLang="en-US" smtClean="0"/>
+              <a:rPr lang="zh-CN" altLang="en-US" smtClean="0"/>
               <a:t>单击此处编辑母版标题样式</a:t>
             </a:r>
-            <a:endParaRPr kumimoji="0" lang="en-US"/>
+            <a:endParaRPr lang="zh-CN" altLang="en-US"/>
           </a:p>
         </p:txBody>
       </p:sp>
@@ -2707,44 +2785,9 @@
         </p:nvSpPr>
         <p:spPr>
           <a:xfrm>
-            <a:off x="1065628" y="1019907"/>
-            <a:ext cx="4114800" cy="4114800"/>
+            <a:off x="1792288" y="612775"/>
+            <a:ext cx="5486400" cy="4114800"/>
           </a:xfrm>
-          <a:prstGeom prst="ellipse">
-            <a:avLst/>
-          </a:prstGeom>
-          <a:solidFill>
-            <a:schemeClr val="bg2">
-              <a:shade val="50000"/>
-            </a:schemeClr>
-          </a:solidFill>
-          <a:ln w="50800" cap="flat">
-            <a:solidFill>
-              <a:schemeClr val="bg2"/>
-            </a:solidFill>
-            <a:miter lim="800000"/>
-          </a:ln>
-          <a:effectLst>
-            <a:outerShdw blurRad="152000" dist="345000" dir="5400000" sx="-80000" sy="-18000" rotWithShape="0">
-              <a:srgbClr val="000000">
-                <a:alpha val="25000"/>
-              </a:srgbClr>
-            </a:outerShdw>
-          </a:effectLst>
-          <a:scene3d>
-            <a:camera prst="orthographicFront"/>
-            <a:lightRig rig="contrasting" dir="t">
-              <a:rot lat="0" lon="0" rev="2400000"/>
-            </a:lightRig>
-          </a:scene3d>
-          <a:sp3d contourW="7620">
-            <a:bevelT w="63500" h="63500"/>
-            <a:contourClr>
-              <a:schemeClr val="bg2">
-                <a:shade val="50000"/>
-              </a:schemeClr>
-            </a:contourClr>
-          </a:sp3d>
         </p:spPr>
         <p:txBody>
           <a:bodyPr/>
@@ -2753,13 +2796,41 @@
               <a:buNone/>
               <a:defRPr sz="3200"/>
             </a:lvl1pPr>
+            <a:lvl2pPr marL="457200" indent="0">
+              <a:buNone/>
+              <a:defRPr sz="2800"/>
+            </a:lvl2pPr>
+            <a:lvl3pPr marL="914400" indent="0">
+              <a:buNone/>
+              <a:defRPr sz="2400"/>
+            </a:lvl3pPr>
+            <a:lvl4pPr marL="1371600" indent="0">
+              <a:buNone/>
+              <a:defRPr sz="2000"/>
+            </a:lvl4pPr>
+            <a:lvl5pPr marL="1828800" indent="0">
+              <a:buNone/>
+              <a:defRPr sz="2000"/>
+            </a:lvl5pPr>
+            <a:lvl6pPr marL="2286000" indent="0">
+              <a:buNone/>
+              <a:defRPr sz="2000"/>
+            </a:lvl6pPr>
+            <a:lvl7pPr marL="2743200" indent="0">
+              <a:buNone/>
+              <a:defRPr sz="2000"/>
+            </a:lvl7pPr>
+            <a:lvl8pPr marL="3200400" indent="0">
+              <a:buNone/>
+              <a:defRPr sz="2000"/>
+            </a:lvl8pPr>
+            <a:lvl9pPr marL="3657600" indent="0">
+              <a:buNone/>
+              <a:defRPr sz="2000"/>
+            </a:lvl9pPr>
           </a:lstStyle>
           <a:p>
-            <a:r>
-              <a:rPr kumimoji="0" lang="zh-CN" altLang="en-US" smtClean="0"/>
-              <a:t>单击图标添加图片</a:t>
-            </a:r>
-            <a:endParaRPr kumimoji="0" lang="en-US" dirty="0"/>
+            <a:endParaRPr lang="zh-CN" altLang="en-US"/>
           </a:p>
         </p:txBody>
       </p:sp>
@@ -2775,43 +2846,54 @@
         </p:nvSpPr>
         <p:spPr>
           <a:xfrm>
-            <a:off x="5556734" y="2998765"/>
-            <a:ext cx="3053866" cy="2663482"/>
+            <a:off x="1792288" y="5367338"/>
+            <a:ext cx="5486400" cy="804862"/>
           </a:xfrm>
         </p:spPr>
         <p:txBody>
-          <a:bodyPr lIns="45720" rIns="45720"/>
+          <a:bodyPr/>
           <a:lstStyle>
             <a:lvl1pPr marL="0" indent="0">
-              <a:buFontTx/>
-              <a:buNone/>
-              <a:defRPr sz="1200"/>
+              <a:buNone/>
+              <a:defRPr sz="1400"/>
             </a:lvl1pPr>
-            <a:lvl2pPr>
-              <a:buFontTx/>
+            <a:lvl2pPr marL="457200" indent="0">
               <a:buNone/>
               <a:defRPr sz="1200"/>
             </a:lvl2pPr>
-            <a:lvl3pPr>
-              <a:buFontTx/>
+            <a:lvl3pPr marL="914400" indent="0">
               <a:buNone/>
               <a:defRPr sz="1000"/>
             </a:lvl3pPr>
-            <a:lvl4pPr>
-              <a:buFontTx/>
+            <a:lvl4pPr marL="1371600" indent="0">
               <a:buNone/>
               <a:defRPr sz="900"/>
             </a:lvl4pPr>
-            <a:lvl5pPr>
-              <a:buFontTx/>
+            <a:lvl5pPr marL="1828800" indent="0">
               <a:buNone/>
               <a:defRPr sz="900"/>
             </a:lvl5pPr>
+            <a:lvl6pPr marL="2286000" indent="0">
+              <a:buNone/>
+              <a:defRPr sz="900"/>
+            </a:lvl6pPr>
+            <a:lvl7pPr marL="2743200" indent="0">
+              <a:buNone/>
+              <a:defRPr sz="900"/>
+            </a:lvl7pPr>
+            <a:lvl8pPr marL="3200400" indent="0">
+              <a:buNone/>
+              <a:defRPr sz="900"/>
+            </a:lvl8pPr>
+            <a:lvl9pPr marL="3657600" indent="0">
+              <a:buNone/>
+              <a:defRPr sz="900"/>
+            </a:lvl9pPr>
           </a:lstStyle>
           <a:p>
-            <a:pPr lvl="0" eaLnBrk="1" latinLnBrk="0" hangingPunct="1"/>
-            <a:r>
-              <a:rPr kumimoji="0" lang="zh-CN" altLang="en-US" smtClean="0"/>
+            <a:pPr lvl="0"/>
+            <a:r>
+              <a:rPr lang="zh-CN" altLang="en-US" smtClean="0"/>
               <a:t>单击此处编辑母版文本样式</a:t>
             </a:r>
           </a:p>
@@ -2827,12 +2909,7 @@
             <p:ph type="dt" sz="half" idx="10"/>
           </p:nvPr>
         </p:nvSpPr>
-        <p:spPr>
-          <a:xfrm>
-            <a:off x="457200" y="6422064"/>
-            <a:ext cx="2133600" cy="365125"/>
-          </a:xfrm>
-        </p:spPr>
+        <p:spPr/>
         <p:txBody>
           <a:bodyPr/>
           <a:lstStyle/>
@@ -2840,7 +2917,7 @@
             <a:fld id="{530820CF-B880-4189-942D-D702A7CBA730}" type="datetimeFigureOut">
               <a:rPr lang="zh-CN" altLang="en-US" smtClean="0"/>
               <a:pPr/>
-              <a:t>2012/1/13</a:t>
+              <a:t>2012/2/29</a:t>
             </a:fld>
             <a:endParaRPr lang="zh-CN" altLang="en-US"/>
           </a:p>
@@ -2902,7 +2979,7 @@
   <p:cSld>
     <p:bg>
       <p:bgRef idx="1001">
-        <a:schemeClr val="bg2"/>
+        <a:schemeClr val="bg1"/>
       </p:bgRef>
     </p:bg>
     <p:spTree>
@@ -2921,203 +2998,7 @@
       </p:grpSpPr>
       <p:sp>
         <p:nvSpPr>
-          <p:cNvPr id="12" name="任意多边形 11"/>
-          <p:cNvSpPr>
-            <a:spLocks/>
-          </p:cNvSpPr>
-          <p:nvPr/>
-        </p:nvSpPr>
-        <p:spPr bwMode="auto">
-          <a:xfrm>
-            <a:off x="0" y="4752126"/>
-            <a:ext cx="9144000" cy="2112962"/>
-          </a:xfrm>
-          <a:custGeom>
-            <a:avLst>
-              <a:gd name="A1" fmla="val 0"/>
-              <a:gd name="A2" fmla="val 0"/>
-              <a:gd name="A3" fmla="val 0"/>
-              <a:gd name="A4" fmla="val 0"/>
-              <a:gd name="A5" fmla="val 0"/>
-              <a:gd name="A6" fmla="val 0"/>
-              <a:gd name="A7" fmla="val 0"/>
-              <a:gd name="A8" fmla="val 0"/>
-            </a:avLst>
-            <a:gdLst/>
-            <a:ahLst/>
-            <a:cxnLst>
-              <a:cxn ang="0">
-                <a:pos x="0" y="1066"/>
-              </a:cxn>
-              <a:cxn ang="0">
-                <a:pos x="0" y="1331"/>
-              </a:cxn>
-              <a:cxn ang="0">
-                <a:pos x="5760" y="1331"/>
-              </a:cxn>
-              <a:cxn ang="0">
-                <a:pos x="5760" y="0"/>
-              </a:cxn>
-              <a:cxn ang="0">
-                <a:pos x="0" y="1066"/>
-              </a:cxn>
-            </a:cxnLst>
-            <a:rect l="0" t="0" r="0" b="0"/>
-            <a:pathLst>
-              <a:path w="5760" h="1331">
-                <a:moveTo>
-                  <a:pt x="0" y="1066"/>
-                </a:moveTo>
-                <a:lnTo>
-                  <a:pt x="0" y="1331"/>
-                </a:lnTo>
-                <a:lnTo>
-                  <a:pt x="5760" y="1331"/>
-                </a:lnTo>
-                <a:lnTo>
-                  <a:pt x="5760" y="0"/>
-                </a:lnTo>
-                <a:cubicBezTo>
-                  <a:pt x="3220" y="1206"/>
-                  <a:pt x="2250" y="1146"/>
-                  <a:pt x="0" y="1066"/>
-                </a:cubicBezTo>
-                <a:close/>
-              </a:path>
-            </a:pathLst>
-          </a:custGeom>
-          <a:solidFill>
-            <a:schemeClr val="bg1">
-              <a:tint val="80000"/>
-              <a:satMod val="200000"/>
-              <a:alpha val="45000"/>
-            </a:schemeClr>
-          </a:solidFill>
-          <a:ln w="9525" cap="flat" cmpd="sng" algn="ctr">
-            <a:noFill/>
-            <a:prstDash val="solid"/>
-            <a:round/>
-            <a:headEnd type="none" w="med" len="med"/>
-            <a:tailEnd type="none" w="med" len="med"/>
-          </a:ln>
-          <a:effectLst>
-            <a:outerShdw blurRad="50800" dist="44450" dir="16200000" algn="ctr" rotWithShape="0">
-              <a:prstClr val="black">
-                <a:alpha val="35000"/>
-              </a:prstClr>
-            </a:outerShdw>
-          </a:effectLst>
-        </p:spPr>
-        <p:txBody>
-          <a:bodyPr vert="horz" wrap="square" lIns="91440" tIns="45720" rIns="91440" bIns="45720" anchor="t" compatLnSpc="1"/>
-          <a:lstStyle/>
-          <a:p>
-            <a:endParaRPr kumimoji="0" lang="en-US"/>
-          </a:p>
-        </p:txBody>
-      </p:sp>
-      <p:sp>
-        <p:nvSpPr>
-          <p:cNvPr id="16" name="任意多边形 15"/>
-          <p:cNvSpPr>
-            <a:spLocks/>
-          </p:cNvSpPr>
-          <p:nvPr/>
-        </p:nvSpPr>
-        <p:spPr bwMode="auto">
-          <a:xfrm>
-            <a:off x="7315200" y="0"/>
-            <a:ext cx="1828800" cy="6858000"/>
-          </a:xfrm>
-          <a:custGeom>
-            <a:avLst/>
-            <a:gdLst>
-              <a:gd name="connsiteX0" fmla="*/ 1914 w 1914"/>
-              <a:gd name="connsiteY0" fmla="*/ 9 h 4329"/>
-              <a:gd name="connsiteX1" fmla="*/ 1914 w 1914"/>
-              <a:gd name="connsiteY1" fmla="*/ 4329 h 4329"/>
-              <a:gd name="connsiteX2" fmla="*/ 204 w 1914"/>
-              <a:gd name="connsiteY2" fmla="*/ 4327 h 4329"/>
-              <a:gd name="connsiteX3" fmla="*/ 0 w 1914"/>
-              <a:gd name="connsiteY3" fmla="*/ 0 h 4329"/>
-              <a:gd name="connsiteX4" fmla="*/ 1914 w 1914"/>
-              <a:gd name="connsiteY4" fmla="*/ 9 h 4329"/>
-            </a:gdLst>
-            <a:ahLst/>
-            <a:cxnLst>
-              <a:cxn ang="0">
-                <a:pos x="connsiteX0" y="connsiteY0"/>
-              </a:cxn>
-              <a:cxn ang="0">
-                <a:pos x="connsiteX1" y="connsiteY1"/>
-              </a:cxn>
-              <a:cxn ang="0">
-                <a:pos x="connsiteX2" y="connsiteY2"/>
-              </a:cxn>
-              <a:cxn ang="0">
-                <a:pos x="connsiteX3" y="connsiteY3"/>
-              </a:cxn>
-              <a:cxn ang="0">
-                <a:pos x="connsiteX4" y="connsiteY4"/>
-              </a:cxn>
-            </a:cxnLst>
-            <a:rect l="l" t="t" r="r" b="b"/>
-            <a:pathLst>
-              <a:path w="1914" h="4329">
-                <a:moveTo>
-                  <a:pt x="1914" y="9"/>
-                </a:moveTo>
-                <a:lnTo>
-                  <a:pt x="1914" y="4329"/>
-                </a:lnTo>
-                <a:lnTo>
-                  <a:pt x="204" y="4327"/>
-                </a:lnTo>
-                <a:cubicBezTo>
-                  <a:pt x="1288" y="3574"/>
-                  <a:pt x="2082" y="1734"/>
-                  <a:pt x="0" y="0"/>
-                </a:cubicBezTo>
-                <a:lnTo>
-                  <a:pt x="1914" y="9"/>
-                </a:lnTo>
-                <a:close/>
-              </a:path>
-            </a:pathLst>
-          </a:custGeom>
-          <a:solidFill>
-            <a:schemeClr val="bg1">
-              <a:tint val="90000"/>
-              <a:satMod val="350000"/>
-              <a:alpha val="40000"/>
-            </a:schemeClr>
-          </a:solidFill>
-          <a:ln w="9525" cap="flat" cmpd="sng" algn="ctr">
-            <a:noFill/>
-            <a:prstDash val="solid"/>
-            <a:round/>
-            <a:headEnd type="none" w="med" len="med"/>
-            <a:tailEnd type="none" w="med" len="med"/>
-          </a:ln>
-          <a:effectLst>
-            <a:outerShdw blurRad="50800" dist="50800" dir="10800000" algn="ctr" rotWithShape="0">
-              <a:prstClr val="black">
-                <a:alpha val="45000"/>
-              </a:prstClr>
-            </a:outerShdw>
-          </a:effectLst>
-        </p:spPr>
-        <p:txBody>
-          <a:bodyPr vert="horz" wrap="square" lIns="91440" tIns="45720" rIns="91440" bIns="45720" anchor="t" compatLnSpc="1"/>
-          <a:lstStyle/>
-          <a:p>
-            <a:endParaRPr kumimoji="0" lang="en-US"/>
-          </a:p>
-        </p:txBody>
-      </p:sp>
-      <p:sp>
-        <p:nvSpPr>
-          <p:cNvPr id="9" name="标题占位符 8"/>
+          <p:cNvPr id="2" name="标题占位符 1"/>
           <p:cNvSpPr>
             <a:spLocks noGrp="1"/>
           </p:cNvSpPr>
@@ -3128,29 +3009,29 @@
         <p:spPr>
           <a:xfrm>
             <a:off x="457200" y="274638"/>
-            <a:ext cx="7467600" cy="1143000"/>
+            <a:ext cx="8229600" cy="1143000"/>
           </a:xfrm>
           <a:prstGeom prst="rect">
             <a:avLst/>
           </a:prstGeom>
         </p:spPr>
         <p:txBody>
-          <a:bodyPr vert="horz" lIns="45720" rIns="45720" anchor="ctr">
+          <a:bodyPr vert="horz" lIns="91440" tIns="45720" rIns="91440" bIns="45720" rtlCol="0" anchor="ctr">
             <a:normAutofit/>
           </a:bodyPr>
           <a:lstStyle/>
           <a:p>
             <a:r>
-              <a:rPr kumimoji="0" lang="zh-CN" altLang="en-US" smtClean="0"/>
+              <a:rPr lang="zh-CN" altLang="en-US" smtClean="0"/>
               <a:t>单击此处编辑母版标题样式</a:t>
             </a:r>
-            <a:endParaRPr kumimoji="0" lang="en-US"/>
-          </a:p>
-        </p:txBody>
-      </p:sp>
-      <p:sp>
-        <p:nvSpPr>
-          <p:cNvPr id="30" name="文本占位符 29"/>
+            <a:endParaRPr lang="zh-CN" altLang="en-US"/>
+          </a:p>
+        </p:txBody>
+      </p:sp>
+      <p:sp>
+        <p:nvSpPr>
+          <p:cNvPr id="3" name="文本占位符 2"/>
           <p:cNvSpPr>
             <a:spLocks noGrp="1"/>
           </p:cNvSpPr>
@@ -3161,58 +3042,58 @@
         <p:spPr>
           <a:xfrm>
             <a:off x="457200" y="1600200"/>
-            <a:ext cx="7467600" cy="4525963"/>
+            <a:ext cx="8229600" cy="4525963"/>
           </a:xfrm>
           <a:prstGeom prst="rect">
             <a:avLst/>
           </a:prstGeom>
         </p:spPr>
         <p:txBody>
-          <a:bodyPr vert="horz">
+          <a:bodyPr vert="horz" lIns="91440" tIns="45720" rIns="91440" bIns="45720" rtlCol="0">
             <a:normAutofit/>
           </a:bodyPr>
           <a:lstStyle/>
           <a:p>
-            <a:pPr lvl="0" eaLnBrk="1" latinLnBrk="0" hangingPunct="1"/>
-            <a:r>
-              <a:rPr kumimoji="0" lang="zh-CN" altLang="en-US" smtClean="0"/>
+            <a:pPr lvl="0"/>
+            <a:r>
+              <a:rPr lang="zh-CN" altLang="en-US" smtClean="0"/>
               <a:t>单击此处编辑母版文本样式</a:t>
             </a:r>
           </a:p>
           <a:p>
-            <a:pPr lvl="1" eaLnBrk="1" latinLnBrk="0" hangingPunct="1"/>
-            <a:r>
-              <a:rPr kumimoji="0" lang="zh-CN" altLang="en-US" smtClean="0"/>
+            <a:pPr lvl="1"/>
+            <a:r>
+              <a:rPr lang="zh-CN" altLang="en-US" smtClean="0"/>
               <a:t>第二级</a:t>
             </a:r>
           </a:p>
           <a:p>
-            <a:pPr lvl="2" eaLnBrk="1" latinLnBrk="0" hangingPunct="1"/>
-            <a:r>
-              <a:rPr kumimoji="0" lang="zh-CN" altLang="en-US" smtClean="0"/>
+            <a:pPr lvl="2"/>
+            <a:r>
+              <a:rPr lang="zh-CN" altLang="en-US" smtClean="0"/>
               <a:t>第三级</a:t>
             </a:r>
           </a:p>
           <a:p>
-            <a:pPr lvl="3" eaLnBrk="1" latinLnBrk="0" hangingPunct="1"/>
-            <a:r>
-              <a:rPr kumimoji="0" lang="zh-CN" altLang="en-US" smtClean="0"/>
+            <a:pPr lvl="3"/>
+            <a:r>
+              <a:rPr lang="zh-CN" altLang="en-US" smtClean="0"/>
               <a:t>第四级</a:t>
             </a:r>
           </a:p>
           <a:p>
-            <a:pPr lvl="4" eaLnBrk="1" latinLnBrk="0" hangingPunct="1"/>
-            <a:r>
-              <a:rPr kumimoji="0" lang="zh-CN" altLang="en-US" smtClean="0"/>
+            <a:pPr lvl="4"/>
+            <a:r>
+              <a:rPr lang="zh-CN" altLang="en-US" smtClean="0"/>
               <a:t>第五级</a:t>
             </a:r>
-            <a:endParaRPr kumimoji="0" lang="en-US"/>
-          </a:p>
-        </p:txBody>
-      </p:sp>
-      <p:sp>
-        <p:nvSpPr>
-          <p:cNvPr id="10" name="日期占位符 9"/>
+            <a:endParaRPr lang="zh-CN" altLang="en-US"/>
+          </a:p>
+        </p:txBody>
+      </p:sp>
+      <p:sp>
+        <p:nvSpPr>
+          <p:cNvPr id="4" name="日期占位符 3"/>
           <p:cNvSpPr>
             <a:spLocks noGrp="1"/>
           </p:cNvSpPr>
@@ -3222,7 +3103,7 @@
         </p:nvSpPr>
         <p:spPr>
           <a:xfrm>
-            <a:off x="457200" y="6422064"/>
+            <a:off x="457200" y="6356350"/>
             <a:ext cx="2133600" cy="365125"/>
           </a:xfrm>
           <a:prstGeom prst="rect">
@@ -3230,13 +3111,13 @@
           </a:prstGeom>
         </p:spPr>
         <p:txBody>
-          <a:bodyPr vert="horz" bIns="0" anchor="b"/>
+          <a:bodyPr vert="horz" lIns="91440" tIns="45720" rIns="91440" bIns="45720" rtlCol="0" anchor="ctr"/>
           <a:lstStyle>
-            <a:lvl1pPr algn="l" eaLnBrk="1" latinLnBrk="0" hangingPunct="1">
-              <a:defRPr kumimoji="0" sz="1000">
+            <a:lvl1pPr algn="l">
+              <a:defRPr sz="1200">
                 <a:solidFill>
-                  <a:schemeClr val="tx2">
-                    <a:shade val="50000"/>
+                  <a:schemeClr val="tx1">
+                    <a:tint val="75000"/>
                   </a:schemeClr>
                 </a:solidFill>
               </a:defRPr>
@@ -3246,7 +3127,7 @@
             <a:fld id="{530820CF-B880-4189-942D-D702A7CBA730}" type="datetimeFigureOut">
               <a:rPr lang="zh-CN" altLang="en-US" smtClean="0"/>
               <a:pPr/>
-              <a:t>2012/1/13</a:t>
+              <a:t>2012/2/29</a:t>
             </a:fld>
             <a:endParaRPr lang="zh-CN" altLang="en-US"/>
           </a:p>
@@ -3254,7 +3135,7 @@
       </p:sp>
       <p:sp>
         <p:nvSpPr>
-          <p:cNvPr id="22" name="页脚占位符 21"/>
+          <p:cNvPr id="5" name="页脚占位符 4"/>
           <p:cNvSpPr>
             <a:spLocks noGrp="1"/>
           </p:cNvSpPr>
@@ -3264,7 +3145,7 @@
         </p:nvSpPr>
         <p:spPr>
           <a:xfrm>
-            <a:off x="3124200" y="6422064"/>
+            <a:off x="3124200" y="6356350"/>
             <a:ext cx="2895600" cy="365125"/>
           </a:xfrm>
           <a:prstGeom prst="rect">
@@ -3272,13 +3153,13 @@
           </a:prstGeom>
         </p:spPr>
         <p:txBody>
-          <a:bodyPr vert="horz" lIns="0" rIns="0" bIns="0" anchor="b"/>
+          <a:bodyPr vert="horz" lIns="91440" tIns="45720" rIns="91440" bIns="45720" rtlCol="0" anchor="ctr"/>
           <a:lstStyle>
-            <a:lvl1pPr algn="ctr" eaLnBrk="1" latinLnBrk="0" hangingPunct="1">
-              <a:defRPr kumimoji="0" sz="1000">
+            <a:lvl1pPr algn="ctr">
+              <a:defRPr sz="1200">
                 <a:solidFill>
-                  <a:schemeClr val="tx2">
-                    <a:shade val="50000"/>
+                  <a:schemeClr val="tx1">
+                    <a:tint val="75000"/>
                   </a:schemeClr>
                 </a:solidFill>
               </a:defRPr>
@@ -3291,7 +3172,7 @@
       </p:sp>
       <p:sp>
         <p:nvSpPr>
-          <p:cNvPr id="18" name="灯片编号占位符 17"/>
+          <p:cNvPr id="6" name="灯片编号占位符 5"/>
           <p:cNvSpPr>
             <a:spLocks noGrp="1"/>
           </p:cNvSpPr>
@@ -3301,21 +3182,21 @@
         </p:nvSpPr>
         <p:spPr>
           <a:xfrm>
-            <a:off x="8153400" y="6422064"/>
-            <a:ext cx="762000" cy="365125"/>
+            <a:off x="6553200" y="6356350"/>
+            <a:ext cx="2133600" cy="365125"/>
           </a:xfrm>
           <a:prstGeom prst="rect">
             <a:avLst/>
           </a:prstGeom>
         </p:spPr>
         <p:txBody>
-          <a:bodyPr vert="horz" lIns="0" tIns="0" rIns="0" bIns="0" anchor="b"/>
+          <a:bodyPr vert="horz" lIns="91440" tIns="45720" rIns="91440" bIns="45720" rtlCol="0" anchor="ctr"/>
           <a:lstStyle>
-            <a:lvl1pPr algn="r" eaLnBrk="1" latinLnBrk="0" hangingPunct="1">
-              <a:defRPr kumimoji="0" sz="1000">
+            <a:lvl1pPr algn="r">
+              <a:defRPr sz="1200">
                 <a:solidFill>
-                  <a:schemeClr val="tx2">
-                    <a:shade val="50000"/>
+                  <a:schemeClr val="tx1">
+                    <a:tint val="75000"/>
                   </a:schemeClr>
                 </a:solidFill>
               </a:defRPr>
@@ -3333,28 +3214,28 @@
       </p:sp>
     </p:spTree>
   </p:cSld>
-  <p:clrMap bg1="dk1" tx1="lt1" bg2="dk2" tx2="lt2" accent1="accent1" accent2="accent2" accent3="accent3" accent4="accent4" accent5="accent5" accent6="accent6" hlink="hlink" folHlink="folHlink"/>
+  <p:clrMap bg1="lt1" tx1="dk1" bg2="lt2" tx2="dk2" accent1="accent1" accent2="accent2" accent3="accent3" accent4="accent4" accent5="accent5" accent6="accent6" hlink="hlink" folHlink="folHlink"/>
   <p:sldLayoutIdLst>
-    <p:sldLayoutId id="2147483709" r:id="rId1"/>
-    <p:sldLayoutId id="2147483710" r:id="rId2"/>
-    <p:sldLayoutId id="2147483711" r:id="rId3"/>
-    <p:sldLayoutId id="2147483712" r:id="rId4"/>
-    <p:sldLayoutId id="2147483713" r:id="rId5"/>
-    <p:sldLayoutId id="2147483714" r:id="rId6"/>
-    <p:sldLayoutId id="2147483715" r:id="rId7"/>
-    <p:sldLayoutId id="2147483716" r:id="rId8"/>
-    <p:sldLayoutId id="2147483717" r:id="rId9"/>
-    <p:sldLayoutId id="2147483718" r:id="rId10"/>
-    <p:sldLayoutId id="2147483719" r:id="rId11"/>
+    <p:sldLayoutId id="2147483721" r:id="rId1"/>
+    <p:sldLayoutId id="2147483722" r:id="rId2"/>
+    <p:sldLayoutId id="2147483723" r:id="rId3"/>
+    <p:sldLayoutId id="2147483724" r:id="rId4"/>
+    <p:sldLayoutId id="2147483725" r:id="rId5"/>
+    <p:sldLayoutId id="2147483726" r:id="rId6"/>
+    <p:sldLayoutId id="2147483727" r:id="rId7"/>
+    <p:sldLayoutId id="2147483728" r:id="rId8"/>
+    <p:sldLayoutId id="2147483729" r:id="rId9"/>
+    <p:sldLayoutId id="2147483730" r:id="rId10"/>
+    <p:sldLayoutId id="2147483731" r:id="rId11"/>
   </p:sldLayoutIdLst>
   <p:txStyles>
     <p:titleStyle>
-      <a:lvl1pPr algn="l" rtl="0" eaLnBrk="1" latinLnBrk="0" hangingPunct="1">
+      <a:lvl1pPr algn="ctr" defTabSz="914400" rtl="0" eaLnBrk="1" latinLnBrk="0" hangingPunct="1">
         <a:spcBef>
           <a:spcPct val="0"/>
         </a:spcBef>
         <a:buNone/>
-        <a:defRPr kumimoji="0" sz="4600" kern="1200">
+        <a:defRPr sz="4400" kern="1200">
           <a:solidFill>
             <a:schemeClr val="tx1"/>
           </a:solidFill>
@@ -3365,17 +3246,13 @@
       </a:lvl1pPr>
     </p:titleStyle>
     <p:bodyStyle>
-      <a:lvl1pPr marL="420624" indent="-384048" algn="l" rtl="0" eaLnBrk="1" latinLnBrk="0" hangingPunct="1">
+      <a:lvl1pPr marL="342900" indent="-342900" algn="l" defTabSz="914400" rtl="0" eaLnBrk="1" latinLnBrk="0" hangingPunct="1">
         <a:spcBef>
           <a:spcPct val="20000"/>
         </a:spcBef>
-        <a:buClr>
-          <a:schemeClr val="accent1"/>
-        </a:buClr>
-        <a:buSzPct val="80000"/>
-        <a:buFont typeface="Wingdings 2"/>
-        <a:buChar char=""/>
-        <a:defRPr kumimoji="0" sz="3000" kern="1200">
+        <a:buFont typeface="Arial" pitchFamily="34" charset="0"/>
+        <a:buChar char="•"/>
+        <a:defRPr sz="3200" kern="1200">
           <a:solidFill>
             <a:schemeClr val="tx1"/>
           </a:solidFill>
@@ -3384,17 +3261,13 @@
           <a:cs typeface="+mn-cs"/>
         </a:defRPr>
       </a:lvl1pPr>
-      <a:lvl2pPr marL="722376" indent="-274320" algn="l" rtl="0" eaLnBrk="1" latinLnBrk="0" hangingPunct="1">
+      <a:lvl2pPr marL="742950" indent="-285750" algn="l" defTabSz="914400" rtl="0" eaLnBrk="1" latinLnBrk="0" hangingPunct="1">
         <a:spcBef>
           <a:spcPct val="20000"/>
         </a:spcBef>
-        <a:buClr>
-          <a:schemeClr val="accent1"/>
-        </a:buClr>
-        <a:buSzPct val="90000"/>
-        <a:buFont typeface="Wingdings 2"/>
-        <a:buChar char=""/>
-        <a:defRPr kumimoji="0" sz="2600" kern="1200">
+        <a:buFont typeface="Arial" pitchFamily="34" charset="0"/>
+        <a:buChar char="–"/>
+        <a:defRPr sz="2800" kern="1200">
           <a:solidFill>
             <a:schemeClr val="tx1"/>
           </a:solidFill>
@@ -3403,17 +3276,13 @@
           <a:cs typeface="+mn-cs"/>
         </a:defRPr>
       </a:lvl2pPr>
-      <a:lvl3pPr marL="1005840" indent="-256032" algn="l" rtl="0" eaLnBrk="1" latinLnBrk="0" hangingPunct="1">
+      <a:lvl3pPr marL="1143000" indent="-228600" algn="l" defTabSz="914400" rtl="0" eaLnBrk="1" latinLnBrk="0" hangingPunct="1">
         <a:spcBef>
           <a:spcPct val="20000"/>
         </a:spcBef>
-        <a:buClr>
-          <a:schemeClr val="accent2"/>
-        </a:buClr>
-        <a:buSzPct val="85000"/>
-        <a:buFont typeface="Arial"/>
-        <a:buChar char="○"/>
-        <a:defRPr kumimoji="0" sz="2400" kern="1200">
+        <a:buFont typeface="Arial" pitchFamily="34" charset="0"/>
+        <a:buChar char="•"/>
+        <a:defRPr sz="2400" kern="1200">
           <a:solidFill>
             <a:schemeClr val="tx1"/>
           </a:solidFill>
@@ -3422,17 +3291,13 @@
           <a:cs typeface="+mn-cs"/>
         </a:defRPr>
       </a:lvl3pPr>
-      <a:lvl4pPr marL="1280160" indent="-237744" algn="l" rtl="0" eaLnBrk="1" latinLnBrk="0" hangingPunct="1">
+      <a:lvl4pPr marL="1600200" indent="-228600" algn="l" defTabSz="914400" rtl="0" eaLnBrk="1" latinLnBrk="0" hangingPunct="1">
         <a:spcBef>
           <a:spcPct val="20000"/>
         </a:spcBef>
-        <a:buClr>
-          <a:schemeClr val="accent3"/>
-        </a:buClr>
-        <a:buSzPct val="90000"/>
-        <a:buFont typeface="Wingdings 2"/>
-        <a:buChar char=""/>
-        <a:defRPr kumimoji="0" sz="2000" kern="1200">
+        <a:buFont typeface="Arial" pitchFamily="34" charset="0"/>
+        <a:buChar char="–"/>
+        <a:defRPr sz="2000" kern="1200">
           <a:solidFill>
             <a:schemeClr val="tx1"/>
           </a:solidFill>
@@ -3441,17 +3306,13 @@
           <a:cs typeface="+mn-cs"/>
         </a:defRPr>
       </a:lvl4pPr>
-      <a:lvl5pPr marL="1490472" indent="-182880" algn="l" rtl="0" eaLnBrk="1" latinLnBrk="0" hangingPunct="1">
+      <a:lvl5pPr marL="2057400" indent="-228600" algn="l" defTabSz="914400" rtl="0" eaLnBrk="1" latinLnBrk="0" hangingPunct="1">
         <a:spcBef>
           <a:spcPct val="20000"/>
         </a:spcBef>
-        <a:buClr>
-          <a:schemeClr val="accent4"/>
-        </a:buClr>
-        <a:buSzPct val="100000"/>
-        <a:buFont typeface="Arial"/>
-        <a:buChar char="-"/>
-        <a:defRPr kumimoji="0" sz="2000" kern="1200">
+        <a:buFont typeface="Arial" pitchFamily="34" charset="0"/>
+        <a:buChar char="»"/>
+        <a:defRPr sz="2000" kern="1200">
           <a:solidFill>
             <a:schemeClr val="tx1"/>
           </a:solidFill>
@@ -3460,16 +3321,13 @@
           <a:cs typeface="+mn-cs"/>
         </a:defRPr>
       </a:lvl5pPr>
-      <a:lvl6pPr marL="1700784" indent="-182880" algn="l" rtl="0" eaLnBrk="1" latinLnBrk="0" hangingPunct="1">
+      <a:lvl6pPr marL="2514600" indent="-228600" algn="l" defTabSz="914400" rtl="0" eaLnBrk="1" latinLnBrk="0" hangingPunct="1">
         <a:spcBef>
           <a:spcPct val="20000"/>
         </a:spcBef>
-        <a:buClr>
-          <a:schemeClr val="accent5"/>
-        </a:buClr>
-        <a:buFont typeface="Arial"/>
-        <a:buChar char="-"/>
-        <a:defRPr kumimoji="0" sz="2000" kern="1200" baseline="0">
+        <a:buFont typeface="Arial" pitchFamily="34" charset="0"/>
+        <a:buChar char="•"/>
+        <a:defRPr sz="2000" kern="1200">
           <a:solidFill>
             <a:schemeClr val="tx1"/>
           </a:solidFill>
@@ -3478,17 +3336,13 @@
           <a:cs typeface="+mn-cs"/>
         </a:defRPr>
       </a:lvl6pPr>
-      <a:lvl7pPr marL="1920240" indent="-182880" algn="l" rtl="0" eaLnBrk="1" latinLnBrk="0" hangingPunct="1">
+      <a:lvl7pPr marL="2971800" indent="-228600" algn="l" defTabSz="914400" rtl="0" eaLnBrk="1" latinLnBrk="0" hangingPunct="1">
         <a:spcBef>
           <a:spcPct val="20000"/>
         </a:spcBef>
-        <a:buClr>
-          <a:schemeClr val="accent6"/>
-        </a:buClr>
-        <a:buSzPct val="100000"/>
-        <a:buFont typeface="Arial"/>
+        <a:buFont typeface="Arial" pitchFamily="34" charset="0"/>
         <a:buChar char="•"/>
-        <a:defRPr kumimoji="0" sz="1800" kern="1200" baseline="0">
+        <a:defRPr sz="2000" kern="1200">
           <a:solidFill>
             <a:schemeClr val="tx1"/>
           </a:solidFill>
@@ -3497,16 +3351,13 @@
           <a:cs typeface="+mn-cs"/>
         </a:defRPr>
       </a:lvl7pPr>
-      <a:lvl8pPr marL="2139696" indent="-182880" algn="l" rtl="0" eaLnBrk="1" latinLnBrk="0" hangingPunct="1">
+      <a:lvl8pPr marL="3429000" indent="-228600" algn="l" defTabSz="914400" rtl="0" eaLnBrk="1" latinLnBrk="0" hangingPunct="1">
         <a:spcBef>
           <a:spcPct val="20000"/>
         </a:spcBef>
-        <a:buClr>
-          <a:schemeClr val="accent6"/>
-        </a:buClr>
-        <a:buFont typeface="Arial"/>
-        <a:buChar char="▪"/>
-        <a:defRPr kumimoji="0" sz="1600" kern="1200">
+        <a:buFont typeface="Arial" pitchFamily="34" charset="0"/>
+        <a:buChar char="•"/>
+        <a:defRPr sz="2000" kern="1200">
           <a:solidFill>
             <a:schemeClr val="tx1"/>
           </a:solidFill>
@@ -3515,16 +3366,13 @@
           <a:cs typeface="+mn-cs"/>
         </a:defRPr>
       </a:lvl8pPr>
-      <a:lvl9pPr marL="2331720" indent="-182880" algn="l" rtl="0" eaLnBrk="1" latinLnBrk="0" hangingPunct="1">
+      <a:lvl9pPr marL="3886200" indent="-228600" algn="l" defTabSz="914400" rtl="0" eaLnBrk="1" latinLnBrk="0" hangingPunct="1">
         <a:spcBef>
           <a:spcPct val="20000"/>
         </a:spcBef>
-        <a:buClr>
-          <a:schemeClr val="accent6"/>
-        </a:buClr>
-        <a:buFont typeface="Arial"/>
+        <a:buFont typeface="Arial" pitchFamily="34" charset="0"/>
         <a:buChar char="•"/>
-        <a:defRPr kumimoji="0" sz="1600" kern="1200">
+        <a:defRPr sz="2000" kern="1200">
           <a:solidFill>
             <a:schemeClr val="tx1"/>
           </a:solidFill>
@@ -3535,8 +3383,11 @@
       </a:lvl9pPr>
     </p:bodyStyle>
     <p:otherStyle>
-      <a:lvl1pPr marL="0" algn="l" rtl="0" eaLnBrk="1" latinLnBrk="0" hangingPunct="1">
-        <a:defRPr kumimoji="0" kern="1200">
+      <a:defPPr>
+        <a:defRPr lang="zh-CN"/>
+      </a:defPPr>
+      <a:lvl1pPr marL="0" algn="l" defTabSz="914400" rtl="0" eaLnBrk="1" latinLnBrk="0" hangingPunct="1">
+        <a:defRPr sz="1800" kern="1200">
           <a:solidFill>
             <a:schemeClr val="tx1"/>
           </a:solidFill>
@@ -3545,8 +3396,8 @@
           <a:cs typeface="+mn-cs"/>
         </a:defRPr>
       </a:lvl1pPr>
-      <a:lvl2pPr marL="457200" algn="l" rtl="0" eaLnBrk="1" latinLnBrk="0" hangingPunct="1">
-        <a:defRPr kumimoji="0" kern="1200">
+      <a:lvl2pPr marL="457200" algn="l" defTabSz="914400" rtl="0" eaLnBrk="1" latinLnBrk="0" hangingPunct="1">
+        <a:defRPr sz="1800" kern="1200">
           <a:solidFill>
             <a:schemeClr val="tx1"/>
           </a:solidFill>
@@ -3555,8 +3406,8 @@
           <a:cs typeface="+mn-cs"/>
         </a:defRPr>
       </a:lvl2pPr>
-      <a:lvl3pPr marL="914400" algn="l" rtl="0" eaLnBrk="1" latinLnBrk="0" hangingPunct="1">
-        <a:defRPr kumimoji="0" kern="1200">
+      <a:lvl3pPr marL="914400" algn="l" defTabSz="914400" rtl="0" eaLnBrk="1" latinLnBrk="0" hangingPunct="1">
+        <a:defRPr sz="1800" kern="1200">
           <a:solidFill>
             <a:schemeClr val="tx1"/>
           </a:solidFill>
@@ -3565,8 +3416,8 @@
           <a:cs typeface="+mn-cs"/>
         </a:defRPr>
       </a:lvl3pPr>
-      <a:lvl4pPr marL="1371600" algn="l" rtl="0" eaLnBrk="1" latinLnBrk="0" hangingPunct="1">
-        <a:defRPr kumimoji="0" kern="1200">
+      <a:lvl4pPr marL="1371600" algn="l" defTabSz="914400" rtl="0" eaLnBrk="1" latinLnBrk="0" hangingPunct="1">
+        <a:defRPr sz="1800" kern="1200">
           <a:solidFill>
             <a:schemeClr val="tx1"/>
           </a:solidFill>
@@ -3575,8 +3426,8 @@
           <a:cs typeface="+mn-cs"/>
         </a:defRPr>
       </a:lvl4pPr>
-      <a:lvl5pPr marL="1828800" algn="l" rtl="0" eaLnBrk="1" latinLnBrk="0" hangingPunct="1">
-        <a:defRPr kumimoji="0" kern="1200">
+      <a:lvl5pPr marL="1828800" algn="l" defTabSz="914400" rtl="0" eaLnBrk="1" latinLnBrk="0" hangingPunct="1">
+        <a:defRPr sz="1800" kern="1200">
           <a:solidFill>
             <a:schemeClr val="tx1"/>
           </a:solidFill>
@@ -3585,8 +3436,8 @@
           <a:cs typeface="+mn-cs"/>
         </a:defRPr>
       </a:lvl5pPr>
-      <a:lvl6pPr marL="2286000" algn="l" rtl="0" eaLnBrk="1" latinLnBrk="0" hangingPunct="1">
-        <a:defRPr kumimoji="0" kern="1200">
+      <a:lvl6pPr marL="2286000" algn="l" defTabSz="914400" rtl="0" eaLnBrk="1" latinLnBrk="0" hangingPunct="1">
+        <a:defRPr sz="1800" kern="1200">
           <a:solidFill>
             <a:schemeClr val="tx1"/>
           </a:solidFill>
@@ -3595,8 +3446,8 @@
           <a:cs typeface="+mn-cs"/>
         </a:defRPr>
       </a:lvl6pPr>
-      <a:lvl7pPr marL="2743200" algn="l" rtl="0" eaLnBrk="1" latinLnBrk="0" hangingPunct="1">
-        <a:defRPr kumimoji="0" kern="1200">
+      <a:lvl7pPr marL="2743200" algn="l" defTabSz="914400" rtl="0" eaLnBrk="1" latinLnBrk="0" hangingPunct="1">
+        <a:defRPr sz="1800" kern="1200">
           <a:solidFill>
             <a:schemeClr val="tx1"/>
           </a:solidFill>
@@ -3605,8 +3456,8 @@
           <a:cs typeface="+mn-cs"/>
         </a:defRPr>
       </a:lvl7pPr>
-      <a:lvl8pPr marL="3200400" algn="l" rtl="0" eaLnBrk="1" latinLnBrk="0" hangingPunct="1">
-        <a:defRPr kumimoji="0" kern="1200">
+      <a:lvl8pPr marL="3200400" algn="l" defTabSz="914400" rtl="0" eaLnBrk="1" latinLnBrk="0" hangingPunct="1">
+        <a:defRPr sz="1800" kern="1200">
           <a:solidFill>
             <a:schemeClr val="tx1"/>
           </a:solidFill>
@@ -3615,8 +3466,8 @@
           <a:cs typeface="+mn-cs"/>
         </a:defRPr>
       </a:lvl8pPr>
-      <a:lvl9pPr marL="3657600" algn="l" rtl="0" eaLnBrk="1" latinLnBrk="0" hangingPunct="1">
-        <a:defRPr kumimoji="0" kern="1200">
+      <a:lvl9pPr marL="3657600" algn="l" defTabSz="914400" rtl="0" eaLnBrk="1" latinLnBrk="0" hangingPunct="1">
+        <a:defRPr sz="1800" kern="1200">
           <a:solidFill>
             <a:schemeClr val="tx1"/>
           </a:solidFill>
@@ -3666,6 +3517,10 @@
               <a:rPr lang="en-US" altLang="zh-CN" dirty="0" err="1" smtClean="0"/>
               <a:t>Luabot</a:t>
             </a:r>
+            <a:r>
+              <a:rPr lang="en-US" altLang="zh-CN" dirty="0" smtClean="0"/>
+              <a:t> Design</a:t>
+            </a:r>
             <a:endParaRPr lang="zh-CN" altLang="en-US" dirty="0"/>
           </a:p>
         </p:txBody>
@@ -3686,8 +3541,8 @@
           <a:lstStyle/>
           <a:p>
             <a:r>
-              <a:rPr lang="zh-CN" altLang="en-US" dirty="0" smtClean="0"/>
-              <a:t>蓝湾电子</a:t>
+              <a:rPr lang="en-US" altLang="zh-CN" dirty="0" smtClean="0"/>
+              <a:t>LANWAN ELEC</a:t>
             </a:r>
             <a:endParaRPr lang="en-US" altLang="zh-CN" dirty="0" smtClean="0"/>
           </a:p>
@@ -3741,64 +3596,37 @@
           <a:lstStyle/>
           <a:p>
             <a:r>
-              <a:rPr lang="en-US" altLang="zh-CN" dirty="0" err="1" smtClean="0"/>
-              <a:t>Luabot</a:t>
-            </a:r>
-            <a:r>
               <a:rPr lang="en-US" altLang="zh-CN" dirty="0" smtClean="0"/>
-              <a:t> Block</a:t>
+              <a:t>Requirement</a:t>
             </a:r>
             <a:endParaRPr lang="zh-CN" altLang="en-US" dirty="0"/>
           </a:p>
         </p:txBody>
       </p:sp>
-      <p:pic>
-        <p:nvPicPr>
-          <p:cNvPr id="1026" name="Picture 2"/>
-          <p:cNvPicPr>
-            <a:picLocks noGrp="1" noChangeAspect="1" noChangeArrowheads="1"/>
-          </p:cNvPicPr>
+      <p:sp>
+        <p:nvSpPr>
+          <p:cNvPr id="5" name="内容占位符 4"/>
+          <p:cNvSpPr>
+            <a:spLocks noGrp="1"/>
+          </p:cNvSpPr>
           <p:nvPr>
             <p:ph idx="1"/>
           </p:nvPr>
-        </p:nvPicPr>
-        <p:blipFill>
-          <a:blip r:embed="rId2"/>
-          <a:srcRect/>
-          <a:stretch>
-            <a:fillRect/>
-          </a:stretch>
-        </p:blipFill>
-        <p:spPr bwMode="auto">
-          <a:xfrm>
-            <a:off x="857224" y="1857364"/>
-            <a:ext cx="7467600" cy="4058841"/>
-          </a:xfrm>
-          <a:prstGeom prst="rect">
-            <a:avLst/>
-          </a:prstGeom>
-          <a:noFill/>
-          <a:ln w="9525">
-            <a:noFill/>
-            <a:miter lim="800000"/>
-            <a:headEnd/>
-            <a:tailEnd/>
-          </a:ln>
-          <a:effectLst/>
-        </p:spPr>
-      </p:pic>
+        </p:nvSpPr>
+        <p:spPr/>
+        <p:txBody>
+          <a:bodyPr/>
+          <a:lstStyle/>
+          <a:p>
+            <a:endParaRPr lang="zh-CN" altLang="en-US" dirty="0"/>
+          </a:p>
+        </p:txBody>
+      </p:sp>
     </p:spTree>
   </p:cSld>
   <p:clrMapOvr>
     <a:masterClrMapping/>
   </p:clrMapOvr>
-  <p:timing>
-    <p:tnLst>
-      <p:par>
-        <p:cTn id="1" dur="indefinite" restart="never" nodeType="tmRoot"/>
-      </p:par>
-    </p:tnLst>
-  </p:timing>
 </p:sld>
 </file>
 
@@ -3821,6 +3649,442 @@
       </p:grpSpPr>
       <p:sp>
         <p:nvSpPr>
+          <p:cNvPr id="10" name="矩形 9"/>
+          <p:cNvSpPr/>
+          <p:nvPr/>
+        </p:nvSpPr>
+        <p:spPr>
+          <a:xfrm>
+            <a:off x="2571736" y="4786322"/>
+            <a:ext cx="3571900" cy="1571636"/>
+          </a:xfrm>
+          <a:prstGeom prst="rect">
+            <a:avLst/>
+          </a:prstGeom>
+        </p:spPr>
+        <p:style>
+          <a:lnRef idx="2">
+            <a:schemeClr val="accent1">
+              <a:shade val="50000"/>
+            </a:schemeClr>
+          </a:lnRef>
+          <a:fillRef idx="1">
+            <a:schemeClr val="accent1"/>
+          </a:fillRef>
+          <a:effectRef idx="0">
+            <a:schemeClr val="accent1"/>
+          </a:effectRef>
+          <a:fontRef idx="minor">
+            <a:schemeClr val="lt1"/>
+          </a:fontRef>
+        </p:style>
+        <p:txBody>
+          <a:bodyPr rtlCol="0" anchor="ctr"/>
+          <a:lstStyle/>
+          <a:p>
+            <a:pPr algn="ctr"/>
+            <a:r>
+              <a:rPr lang="en-US" altLang="zh-CN" dirty="0" err="1" smtClean="0"/>
+              <a:t>Luabot</a:t>
+            </a:r>
+            <a:r>
+              <a:rPr lang="en-US" altLang="zh-CN" dirty="0" smtClean="0"/>
+              <a:t>  Accessory Device</a:t>
+            </a:r>
+            <a:endParaRPr lang="zh-CN" altLang="en-US" dirty="0"/>
+          </a:p>
+        </p:txBody>
+      </p:sp>
+      <p:sp>
+        <p:nvSpPr>
+          <p:cNvPr id="2" name="标题 1"/>
+          <p:cNvSpPr>
+            <a:spLocks noGrp="1"/>
+          </p:cNvSpPr>
+          <p:nvPr>
+            <p:ph type="title"/>
+          </p:nvPr>
+        </p:nvSpPr>
+        <p:spPr/>
+        <p:txBody>
+          <a:bodyPr/>
+          <a:lstStyle/>
+          <a:p>
+            <a:r>
+              <a:rPr lang="en-US" altLang="zh-CN" dirty="0" err="1" smtClean="0"/>
+              <a:t>Luabot</a:t>
+            </a:r>
+            <a:r>
+              <a:rPr lang="en-US" altLang="zh-CN" dirty="0" smtClean="0"/>
+              <a:t> Block</a:t>
+            </a:r>
+            <a:endParaRPr lang="zh-CN" altLang="en-US" dirty="0"/>
+          </a:p>
+        </p:txBody>
+      </p:sp>
+      <p:sp>
+        <p:nvSpPr>
+          <p:cNvPr id="5" name="矩形 4"/>
+          <p:cNvSpPr/>
+          <p:nvPr/>
+        </p:nvSpPr>
+        <p:spPr>
+          <a:xfrm>
+            <a:off x="3357554" y="1500174"/>
+            <a:ext cx="2000264" cy="642942"/>
+          </a:xfrm>
+          <a:prstGeom prst="rect">
+            <a:avLst/>
+          </a:prstGeom>
+        </p:spPr>
+        <p:style>
+          <a:lnRef idx="2">
+            <a:schemeClr val="accent1">
+              <a:shade val="50000"/>
+            </a:schemeClr>
+          </a:lnRef>
+          <a:fillRef idx="1">
+            <a:schemeClr val="accent1"/>
+          </a:fillRef>
+          <a:effectRef idx="0">
+            <a:schemeClr val="accent1"/>
+          </a:effectRef>
+          <a:fontRef idx="minor">
+            <a:schemeClr val="lt1"/>
+          </a:fontRef>
+        </p:style>
+        <p:txBody>
+          <a:bodyPr rtlCol="0" anchor="ctr"/>
+          <a:lstStyle/>
+          <a:p>
+            <a:pPr algn="ctr"/>
+            <a:r>
+              <a:rPr lang="en-US" altLang="zh-CN" dirty="0" err="1" smtClean="0"/>
+              <a:t>Luabot</a:t>
+            </a:r>
+            <a:r>
+              <a:rPr lang="en-US" altLang="zh-CN" dirty="0" smtClean="0"/>
+              <a:t>  simulator</a:t>
+            </a:r>
+            <a:endParaRPr lang="zh-CN" altLang="en-US" dirty="0"/>
+          </a:p>
+        </p:txBody>
+      </p:sp>
+      <p:sp>
+        <p:nvSpPr>
+          <p:cNvPr id="6" name="矩形 5"/>
+          <p:cNvSpPr/>
+          <p:nvPr/>
+        </p:nvSpPr>
+        <p:spPr>
+          <a:xfrm>
+            <a:off x="3357554" y="3143248"/>
+            <a:ext cx="2000264" cy="642942"/>
+          </a:xfrm>
+          <a:prstGeom prst="rect">
+            <a:avLst/>
+          </a:prstGeom>
+        </p:spPr>
+        <p:style>
+          <a:lnRef idx="2">
+            <a:schemeClr val="accent1">
+              <a:shade val="50000"/>
+            </a:schemeClr>
+          </a:lnRef>
+          <a:fillRef idx="1">
+            <a:schemeClr val="accent1"/>
+          </a:fillRef>
+          <a:effectRef idx="0">
+            <a:schemeClr val="accent1"/>
+          </a:effectRef>
+          <a:fontRef idx="minor">
+            <a:schemeClr val="lt1"/>
+          </a:fontRef>
+        </p:style>
+        <p:txBody>
+          <a:bodyPr rtlCol="0" anchor="ctr"/>
+          <a:lstStyle/>
+          <a:p>
+            <a:pPr algn="ctr"/>
+            <a:r>
+              <a:rPr lang="en-US" altLang="zh-CN" dirty="0" err="1" smtClean="0"/>
+              <a:t>Luabot</a:t>
+            </a:r>
+            <a:r>
+              <a:rPr lang="en-US" altLang="zh-CN" dirty="0" smtClean="0"/>
+              <a:t>  RCX   </a:t>
+            </a:r>
+            <a:endParaRPr lang="zh-CN" altLang="en-US" dirty="0"/>
+          </a:p>
+        </p:txBody>
+      </p:sp>
+      <p:cxnSp>
+        <p:nvCxnSpPr>
+          <p:cNvPr id="8" name="直接箭头连接符 7"/>
+          <p:cNvCxnSpPr>
+            <a:stCxn id="5" idx="2"/>
+            <a:endCxn id="6" idx="0"/>
+          </p:cNvCxnSpPr>
+          <p:nvPr/>
+        </p:nvCxnSpPr>
+        <p:spPr>
+          <a:xfrm rot="5400000">
+            <a:off x="3857620" y="2643182"/>
+            <a:ext cx="1000132" cy="1588"/>
+          </a:xfrm>
+          <a:prstGeom prst="straightConnector1">
+            <a:avLst/>
+          </a:prstGeom>
+          <a:ln>
+            <a:tailEnd type="arrow"/>
+          </a:ln>
+        </p:spPr>
+        <p:style>
+          <a:lnRef idx="1">
+            <a:schemeClr val="accent1"/>
+          </a:lnRef>
+          <a:fillRef idx="0">
+            <a:schemeClr val="accent1"/>
+          </a:fillRef>
+          <a:effectRef idx="0">
+            <a:schemeClr val="accent1"/>
+          </a:effectRef>
+          <a:fontRef idx="minor">
+            <a:schemeClr val="tx1"/>
+          </a:fontRef>
+        </p:style>
+      </p:cxnSp>
+      <p:sp>
+        <p:nvSpPr>
+          <p:cNvPr id="9" name="TextBox 8"/>
+          <p:cNvSpPr txBox="1"/>
+          <p:nvPr/>
+        </p:nvSpPr>
+        <p:spPr>
+          <a:xfrm>
+            <a:off x="4357686" y="2428868"/>
+            <a:ext cx="1790427" cy="369332"/>
+          </a:xfrm>
+          <a:prstGeom prst="rect">
+            <a:avLst/>
+          </a:prstGeom>
+          <a:noFill/>
+        </p:spPr>
+        <p:txBody>
+          <a:bodyPr wrap="none" rtlCol="0">
+            <a:spAutoFit/>
+          </a:bodyPr>
+          <a:lstStyle/>
+          <a:p>
+            <a:r>
+              <a:rPr lang="en-US" altLang="zh-CN" dirty="0" err="1" smtClean="0"/>
+              <a:t>Luabot</a:t>
+            </a:r>
+            <a:r>
+              <a:rPr lang="en-US" altLang="zh-CN" dirty="0" smtClean="0"/>
+              <a:t>  Program</a:t>
+            </a:r>
+            <a:endParaRPr lang="zh-CN" altLang="en-US" dirty="0"/>
+          </a:p>
+        </p:txBody>
+      </p:sp>
+      <p:sp>
+        <p:nvSpPr>
+          <p:cNvPr id="16" name="TextBox 15"/>
+          <p:cNvSpPr txBox="1"/>
+          <p:nvPr/>
+        </p:nvSpPr>
+        <p:spPr>
+          <a:xfrm>
+            <a:off x="4357686" y="4071942"/>
+            <a:ext cx="2184124" cy="369332"/>
+          </a:xfrm>
+          <a:prstGeom prst="rect">
+            <a:avLst/>
+          </a:prstGeom>
+          <a:noFill/>
+        </p:spPr>
+        <p:txBody>
+          <a:bodyPr wrap="none" rtlCol="0">
+            <a:spAutoFit/>
+          </a:bodyPr>
+          <a:lstStyle/>
+          <a:p>
+            <a:r>
+              <a:rPr lang="en-US" altLang="zh-CN" dirty="0" err="1" smtClean="0"/>
+              <a:t>Luabot</a:t>
+            </a:r>
+            <a:r>
+              <a:rPr lang="en-US" altLang="zh-CN" dirty="0" smtClean="0"/>
+              <a:t> 8Pin interface</a:t>
+            </a:r>
+            <a:endParaRPr lang="zh-CN" altLang="en-US" dirty="0"/>
+          </a:p>
+        </p:txBody>
+      </p:sp>
+      <p:cxnSp>
+        <p:nvCxnSpPr>
+          <p:cNvPr id="18" name="直接箭头连接符 17"/>
+          <p:cNvCxnSpPr>
+            <a:stCxn id="6" idx="2"/>
+            <a:endCxn id="10" idx="0"/>
+          </p:cNvCxnSpPr>
+          <p:nvPr/>
+        </p:nvCxnSpPr>
+        <p:spPr>
+          <a:xfrm rot="5400000">
+            <a:off x="3857620" y="4286256"/>
+            <a:ext cx="1000132" cy="1588"/>
+          </a:xfrm>
+          <a:prstGeom prst="straightConnector1">
+            <a:avLst/>
+          </a:prstGeom>
+          <a:ln>
+            <a:headEnd type="arrow"/>
+            <a:tailEnd type="arrow"/>
+          </a:ln>
+        </p:spPr>
+        <p:style>
+          <a:lnRef idx="1">
+            <a:schemeClr val="accent1"/>
+          </a:lnRef>
+          <a:fillRef idx="0">
+            <a:schemeClr val="accent1"/>
+          </a:fillRef>
+          <a:effectRef idx="0">
+            <a:schemeClr val="accent1"/>
+          </a:effectRef>
+          <a:fontRef idx="minor">
+            <a:schemeClr val="tx1"/>
+          </a:fontRef>
+        </p:style>
+      </p:cxnSp>
+    </p:spTree>
+  </p:cSld>
+  <p:clrMapOvr>
+    <a:masterClrMapping/>
+  </p:clrMapOvr>
+  <p:timing>
+    <p:tnLst>
+      <p:par>
+        <p:cTn id="1" dur="indefinite" restart="never" nodeType="tmRoot"/>
+      </p:par>
+    </p:tnLst>
+  </p:timing>
+</p:sld>
+</file>
+
+<file path=ppt/slides/slide4.xml><?xml version="1.0" encoding="utf-8"?>
+<p:sld xmlns:a="http://schemas.openxmlformats.org/drawingml/2006/main" xmlns:r="http://schemas.openxmlformats.org/officeDocument/2006/relationships" xmlns:p="http://schemas.openxmlformats.org/presentationml/2006/main">
+  <p:cSld>
+    <p:spTree>
+      <p:nvGrpSpPr>
+        <p:cNvPr id="1" name=""/>
+        <p:cNvGrpSpPr/>
+        <p:nvPr/>
+      </p:nvGrpSpPr>
+      <p:grpSpPr>
+        <a:xfrm>
+          <a:off x="0" y="0"/>
+          <a:ext cx="0" cy="0"/>
+          <a:chOff x="0" y="0"/>
+          <a:chExt cx="0" cy="0"/>
+        </a:xfrm>
+      </p:grpSpPr>
+      <p:sp>
+        <p:nvSpPr>
+          <p:cNvPr id="2" name="标题 1"/>
+          <p:cNvSpPr>
+            <a:spLocks noGrp="1"/>
+          </p:cNvSpPr>
+          <p:nvPr>
+            <p:ph type="title"/>
+          </p:nvPr>
+        </p:nvSpPr>
+        <p:spPr/>
+        <p:txBody>
+          <a:bodyPr/>
+          <a:lstStyle/>
+          <a:p>
+            <a:r>
+              <a:rPr lang="en-US" altLang="zh-CN" dirty="0" err="1" smtClean="0"/>
+              <a:t>Luabot</a:t>
+            </a:r>
+            <a:r>
+              <a:rPr lang="en-US" altLang="zh-CN" dirty="0" smtClean="0"/>
+              <a:t> RCX Block</a:t>
+            </a:r>
+            <a:endParaRPr lang="zh-CN" altLang="en-US" dirty="0"/>
+          </a:p>
+        </p:txBody>
+      </p:sp>
+      <p:sp>
+        <p:nvSpPr>
+          <p:cNvPr id="9" name="圆角矩形 8"/>
+          <p:cNvSpPr/>
+          <p:nvPr/>
+        </p:nvSpPr>
+        <p:spPr>
+          <a:xfrm>
+            <a:off x="1071538" y="1928802"/>
+            <a:ext cx="7000924" cy="4071966"/>
+          </a:xfrm>
+          <a:prstGeom prst="roundRect">
+            <a:avLst/>
+          </a:prstGeom>
+        </p:spPr>
+        <p:style>
+          <a:lnRef idx="2">
+            <a:schemeClr val="accent1">
+              <a:shade val="50000"/>
+            </a:schemeClr>
+          </a:lnRef>
+          <a:fillRef idx="1">
+            <a:schemeClr val="accent1"/>
+          </a:fillRef>
+          <a:effectRef idx="0">
+            <a:schemeClr val="accent1"/>
+          </a:effectRef>
+          <a:fontRef idx="minor">
+            <a:schemeClr val="lt1"/>
+          </a:fontRef>
+        </p:style>
+        <p:txBody>
+          <a:bodyPr rtlCol="0" anchor="ctr"/>
+          <a:lstStyle/>
+          <a:p>
+            <a:pPr algn="ctr"/>
+            <a:endParaRPr lang="zh-CN" altLang="en-US"/>
+          </a:p>
+        </p:txBody>
+      </p:sp>
+    </p:spTree>
+  </p:cSld>
+  <p:clrMapOvr>
+    <a:masterClrMapping/>
+  </p:clrMapOvr>
+</p:sld>
+</file>
+
+<file path=ppt/slides/slide5.xml><?xml version="1.0" encoding="utf-8"?>
+<p:sld xmlns:a="http://schemas.openxmlformats.org/drawingml/2006/main" xmlns:r="http://schemas.openxmlformats.org/officeDocument/2006/relationships" xmlns:p="http://schemas.openxmlformats.org/presentationml/2006/main">
+  <p:cSld>
+    <p:spTree>
+      <p:nvGrpSpPr>
+        <p:cNvPr id="1" name=""/>
+        <p:cNvGrpSpPr/>
+        <p:nvPr/>
+      </p:nvGrpSpPr>
+      <p:grpSpPr>
+        <a:xfrm>
+          <a:off x="0" y="0"/>
+          <a:ext cx="0" cy="0"/>
+          <a:chOff x="0" y="0"/>
+          <a:chExt cx="0" cy="0"/>
+        </a:xfrm>
+      </p:grpSpPr>
+      <p:sp>
+        <p:nvSpPr>
           <p:cNvPr id="2" name="标题 1"/>
           <p:cNvSpPr>
             <a:spLocks noGrp="1"/>
@@ -3842,6 +4106,41 @@
           </a:p>
         </p:txBody>
       </p:sp>
+      <p:pic>
+        <p:nvPicPr>
+          <p:cNvPr id="2050" name="Picture 2"/>
+          <p:cNvPicPr>
+            <a:picLocks noGrp="1" noChangeAspect="1" noChangeArrowheads="1"/>
+          </p:cNvPicPr>
+          <p:nvPr>
+            <p:ph idx="1"/>
+          </p:nvPr>
+        </p:nvPicPr>
+        <p:blipFill>
+          <a:blip r:embed="rId2"/>
+          <a:srcRect/>
+          <a:stretch>
+            <a:fillRect/>
+          </a:stretch>
+        </p:blipFill>
+        <p:spPr bwMode="auto">
+          <a:xfrm>
+            <a:off x="1142976" y="2000240"/>
+            <a:ext cx="3933825" cy="2724150"/>
+          </a:xfrm>
+          <a:prstGeom prst="rect">
+            <a:avLst/>
+          </a:prstGeom>
+          <a:noFill/>
+          <a:ln w="9525">
+            <a:noFill/>
+            <a:miter lim="800000"/>
+            <a:headEnd/>
+            <a:tailEnd/>
+          </a:ln>
+          <a:effectLst/>
+        </p:spPr>
+      </p:pic>
       <p:pic>
         <p:nvPicPr>
           <p:cNvPr id="3076" name="Picture 4"/>
@@ -3851,7 +4150,7 @@
           <p:nvPr/>
         </p:nvPicPr>
         <p:blipFill>
-          <a:blip r:embed="rId2"/>
+          <a:blip r:embed="rId3"/>
           <a:srcRect/>
           <a:stretch>
             <a:fillRect/>
@@ -3884,7 +4183,7 @@
           <p:nvPr/>
         </p:nvPicPr>
         <p:blipFill>
-          <a:blip r:embed="rId3"/>
+          <a:blip r:embed="rId4"/>
           <a:srcRect/>
           <a:stretch>
             <a:fillRect/>
@@ -3894,205 +4193,6 @@
           <a:xfrm>
             <a:off x="6072198" y="4214818"/>
             <a:ext cx="2276475" cy="1400175"/>
-          </a:xfrm>
-          <a:prstGeom prst="rect">
-            <a:avLst/>
-          </a:prstGeom>
-          <a:noFill/>
-          <a:ln w="9525">
-            <a:noFill/>
-            <a:miter lim="800000"/>
-            <a:headEnd/>
-            <a:tailEnd/>
-          </a:ln>
-          <a:effectLst/>
-        </p:spPr>
-      </p:pic>
-      <p:pic>
-        <p:nvPicPr>
-          <p:cNvPr id="2050" name="Picture 2"/>
-          <p:cNvPicPr>
-            <a:picLocks noGrp="1" noChangeAspect="1" noChangeArrowheads="1"/>
-          </p:cNvPicPr>
-          <p:nvPr>
-            <p:ph idx="1"/>
-          </p:nvPr>
-        </p:nvPicPr>
-        <p:blipFill>
-          <a:blip r:embed="rId4"/>
-          <a:srcRect/>
-          <a:stretch>
-            <a:fillRect/>
-          </a:stretch>
-        </p:blipFill>
-        <p:spPr bwMode="auto">
-          <a:xfrm>
-            <a:off x="1142976" y="2000240"/>
-            <a:ext cx="3933825" cy="2724150"/>
-          </a:xfrm>
-          <a:prstGeom prst="rect">
-            <a:avLst/>
-          </a:prstGeom>
-          <a:noFill/>
-          <a:ln w="9525">
-            <a:noFill/>
-            <a:miter lim="800000"/>
-            <a:headEnd/>
-            <a:tailEnd/>
-          </a:ln>
-          <a:effectLst/>
-        </p:spPr>
-      </p:pic>
-    </p:spTree>
-  </p:cSld>
-  <p:clrMapOvr>
-    <a:masterClrMapping/>
-  </p:clrMapOvr>
-</p:sld>
-</file>
-
-<file path=ppt/slides/slide4.xml><?xml version="1.0" encoding="utf-8"?>
-<p:sld xmlns:a="http://schemas.openxmlformats.org/drawingml/2006/main" xmlns:r="http://schemas.openxmlformats.org/officeDocument/2006/relationships" xmlns:p="http://schemas.openxmlformats.org/presentationml/2006/main">
-  <p:cSld>
-    <p:spTree>
-      <p:nvGrpSpPr>
-        <p:cNvPr id="1" name=""/>
-        <p:cNvGrpSpPr/>
-        <p:nvPr/>
-      </p:nvGrpSpPr>
-      <p:grpSpPr>
-        <a:xfrm>
-          <a:off x="0" y="0"/>
-          <a:ext cx="0" cy="0"/>
-          <a:chOff x="0" y="0"/>
-          <a:chExt cx="0" cy="0"/>
-        </a:xfrm>
-      </p:grpSpPr>
-      <p:sp>
-        <p:nvSpPr>
-          <p:cNvPr id="2" name="标题 1"/>
-          <p:cNvSpPr>
-            <a:spLocks noGrp="1"/>
-          </p:cNvSpPr>
-          <p:nvPr>
-            <p:ph type="title"/>
-          </p:nvPr>
-        </p:nvSpPr>
-        <p:spPr/>
-        <p:txBody>
-          <a:bodyPr/>
-          <a:lstStyle/>
-          <a:p>
-            <a:r>
-              <a:rPr lang="en-US" altLang="zh-CN" dirty="0" smtClean="0"/>
-              <a:t>How to use it</a:t>
-            </a:r>
-            <a:endParaRPr lang="zh-CN" altLang="en-US" dirty="0"/>
-          </a:p>
-        </p:txBody>
-      </p:sp>
-      <p:pic>
-        <p:nvPicPr>
-          <p:cNvPr id="4100" name="Picture 4"/>
-          <p:cNvPicPr>
-            <a:picLocks noGrp="1" noChangeAspect="1" noChangeArrowheads="1"/>
-          </p:cNvPicPr>
-          <p:nvPr>
-            <p:ph idx="1"/>
-          </p:nvPr>
-        </p:nvPicPr>
-        <p:blipFill>
-          <a:blip r:embed="rId2"/>
-          <a:stretch>
-            <a:fillRect/>
-          </a:stretch>
-        </p:blipFill>
-        <p:spPr bwMode="auto">
-          <a:xfrm>
-            <a:off x="638175" y="1801019"/>
-            <a:ext cx="7105650" cy="4124325"/>
-          </a:xfrm>
-          <a:prstGeom prst="rect">
-            <a:avLst/>
-          </a:prstGeom>
-          <a:noFill/>
-          <a:ln w="9525">
-            <a:noFill/>
-            <a:miter lim="800000"/>
-            <a:headEnd/>
-            <a:tailEnd/>
-          </a:ln>
-          <a:effectLst/>
-        </p:spPr>
-      </p:pic>
-    </p:spTree>
-  </p:cSld>
-  <p:clrMapOvr>
-    <a:masterClrMapping/>
-  </p:clrMapOvr>
-</p:sld>
-</file>
-
-<file path=ppt/slides/slide5.xml><?xml version="1.0" encoding="utf-8"?>
-<p:sld xmlns:a="http://schemas.openxmlformats.org/drawingml/2006/main" xmlns:r="http://schemas.openxmlformats.org/officeDocument/2006/relationships" xmlns:p="http://schemas.openxmlformats.org/presentationml/2006/main">
-  <p:cSld>
-    <p:spTree>
-      <p:nvGrpSpPr>
-        <p:cNvPr id="1" name=""/>
-        <p:cNvGrpSpPr/>
-        <p:nvPr/>
-      </p:nvGrpSpPr>
-      <p:grpSpPr>
-        <a:xfrm>
-          <a:off x="0" y="0"/>
-          <a:ext cx="0" cy="0"/>
-          <a:chOff x="0" y="0"/>
-          <a:chExt cx="0" cy="0"/>
-        </a:xfrm>
-      </p:grpSpPr>
-      <p:sp>
-        <p:nvSpPr>
-          <p:cNvPr id="2" name="标题 1"/>
-          <p:cNvSpPr>
-            <a:spLocks noGrp="1"/>
-          </p:cNvSpPr>
-          <p:nvPr>
-            <p:ph type="title"/>
-          </p:nvPr>
-        </p:nvSpPr>
-        <p:spPr/>
-        <p:txBody>
-          <a:bodyPr/>
-          <a:lstStyle/>
-          <a:p>
-            <a:r>
-              <a:rPr lang="zh-CN" altLang="en-US" dirty="0" smtClean="0"/>
-              <a:t>步进电机模块</a:t>
-            </a:r>
-            <a:endParaRPr lang="zh-CN" altLang="en-US" dirty="0"/>
-          </a:p>
-        </p:txBody>
-      </p:sp>
-      <p:pic>
-        <p:nvPicPr>
-          <p:cNvPr id="1028" name="Picture 4"/>
-          <p:cNvPicPr>
-            <a:picLocks noGrp="1" noChangeAspect="1" noChangeArrowheads="1"/>
-          </p:cNvPicPr>
-          <p:nvPr>
-            <p:ph idx="1"/>
-          </p:nvPr>
-        </p:nvPicPr>
-        <p:blipFill>
-          <a:blip r:embed="rId2"/>
-          <a:stretch>
-            <a:fillRect/>
-          </a:stretch>
-        </p:blipFill>
-        <p:spPr bwMode="auto">
-          <a:xfrm>
-            <a:off x="928687" y="2015331"/>
-            <a:ext cx="6524625" cy="3695700"/>
           </a:xfrm>
           <a:prstGeom prst="rect">
             <a:avLst/>
@@ -4149,7 +4249,7 @@
           <a:p>
             <a:r>
               <a:rPr lang="en-US" altLang="zh-CN" dirty="0" smtClean="0"/>
-              <a:t>Lego</a:t>
+              <a:t>How to use it</a:t>
             </a:r>
             <a:endParaRPr lang="zh-CN" altLang="en-US" dirty="0"/>
           </a:p>
@@ -4157,7 +4257,7 @@
       </p:sp>
       <p:pic>
         <p:nvPicPr>
-          <p:cNvPr id="2050" name="Picture 2"/>
+          <p:cNvPr id="4100" name="Picture 4"/>
           <p:cNvPicPr>
             <a:picLocks noGrp="1" noChangeAspect="1" noChangeArrowheads="1"/>
           </p:cNvPicPr>
@@ -4173,7 +4273,171 @@
         </p:blipFill>
         <p:spPr bwMode="auto">
           <a:xfrm>
-            <a:off x="3143250" y="2501106"/>
+            <a:off x="1019175" y="1801019"/>
+            <a:ext cx="7105650" cy="4124325"/>
+          </a:xfrm>
+          <a:prstGeom prst="rect">
+            <a:avLst/>
+          </a:prstGeom>
+          <a:noFill/>
+          <a:ln w="9525">
+            <a:noFill/>
+            <a:miter lim="800000"/>
+            <a:headEnd/>
+            <a:tailEnd/>
+          </a:ln>
+          <a:effectLst/>
+        </p:spPr>
+      </p:pic>
+    </p:spTree>
+  </p:cSld>
+  <p:clrMapOvr>
+    <a:masterClrMapping/>
+  </p:clrMapOvr>
+</p:sld>
+</file>
+
+<file path=ppt/slides/slide7.xml><?xml version="1.0" encoding="utf-8"?>
+<p:sld xmlns:a="http://schemas.openxmlformats.org/drawingml/2006/main" xmlns:r="http://schemas.openxmlformats.org/officeDocument/2006/relationships" xmlns:p="http://schemas.openxmlformats.org/presentationml/2006/main">
+  <p:cSld>
+    <p:spTree>
+      <p:nvGrpSpPr>
+        <p:cNvPr id="1" name=""/>
+        <p:cNvGrpSpPr/>
+        <p:nvPr/>
+      </p:nvGrpSpPr>
+      <p:grpSpPr>
+        <a:xfrm>
+          <a:off x="0" y="0"/>
+          <a:ext cx="0" cy="0"/>
+          <a:chOff x="0" y="0"/>
+          <a:chExt cx="0" cy="0"/>
+        </a:xfrm>
+      </p:grpSpPr>
+      <p:sp>
+        <p:nvSpPr>
+          <p:cNvPr id="2" name="标题 1"/>
+          <p:cNvSpPr>
+            <a:spLocks noGrp="1"/>
+          </p:cNvSpPr>
+          <p:nvPr>
+            <p:ph type="title"/>
+          </p:nvPr>
+        </p:nvSpPr>
+        <p:spPr/>
+        <p:txBody>
+          <a:bodyPr/>
+          <a:lstStyle/>
+          <a:p>
+            <a:r>
+              <a:rPr lang="zh-CN" altLang="en-US" dirty="0" smtClean="0"/>
+              <a:t>步进电机模块</a:t>
+            </a:r>
+            <a:endParaRPr lang="zh-CN" altLang="en-US" dirty="0"/>
+          </a:p>
+        </p:txBody>
+      </p:sp>
+      <p:pic>
+        <p:nvPicPr>
+          <p:cNvPr id="1028" name="Picture 4"/>
+          <p:cNvPicPr>
+            <a:picLocks noGrp="1" noChangeAspect="1" noChangeArrowheads="1"/>
+          </p:cNvPicPr>
+          <p:nvPr>
+            <p:ph idx="1"/>
+          </p:nvPr>
+        </p:nvPicPr>
+        <p:blipFill>
+          <a:blip r:embed="rId2"/>
+          <a:stretch>
+            <a:fillRect/>
+          </a:stretch>
+        </p:blipFill>
+        <p:spPr bwMode="auto">
+          <a:xfrm>
+            <a:off x="1309687" y="2015331"/>
+            <a:ext cx="6524625" cy="3695700"/>
+          </a:xfrm>
+          <a:prstGeom prst="rect">
+            <a:avLst/>
+          </a:prstGeom>
+          <a:noFill/>
+          <a:ln w="9525">
+            <a:noFill/>
+            <a:miter lim="800000"/>
+            <a:headEnd/>
+            <a:tailEnd/>
+          </a:ln>
+          <a:effectLst/>
+        </p:spPr>
+      </p:pic>
+    </p:spTree>
+  </p:cSld>
+  <p:clrMapOvr>
+    <a:masterClrMapping/>
+  </p:clrMapOvr>
+</p:sld>
+</file>
+
+<file path=ppt/slides/slide8.xml><?xml version="1.0" encoding="utf-8"?>
+<p:sld xmlns:a="http://schemas.openxmlformats.org/drawingml/2006/main" xmlns:r="http://schemas.openxmlformats.org/officeDocument/2006/relationships" xmlns:p="http://schemas.openxmlformats.org/presentationml/2006/main">
+  <p:cSld>
+    <p:spTree>
+      <p:nvGrpSpPr>
+        <p:cNvPr id="1" name=""/>
+        <p:cNvGrpSpPr/>
+        <p:nvPr/>
+      </p:nvGrpSpPr>
+      <p:grpSpPr>
+        <a:xfrm>
+          <a:off x="0" y="0"/>
+          <a:ext cx="0" cy="0"/>
+          <a:chOff x="0" y="0"/>
+          <a:chExt cx="0" cy="0"/>
+        </a:xfrm>
+      </p:grpSpPr>
+      <p:sp>
+        <p:nvSpPr>
+          <p:cNvPr id="2" name="标题 1"/>
+          <p:cNvSpPr>
+            <a:spLocks noGrp="1"/>
+          </p:cNvSpPr>
+          <p:nvPr>
+            <p:ph type="title"/>
+          </p:nvPr>
+        </p:nvSpPr>
+        <p:spPr/>
+        <p:txBody>
+          <a:bodyPr/>
+          <a:lstStyle/>
+          <a:p>
+            <a:r>
+              <a:rPr lang="en-US" altLang="zh-CN" dirty="0" smtClean="0"/>
+              <a:t>Lego</a:t>
+            </a:r>
+            <a:endParaRPr lang="zh-CN" altLang="en-US" dirty="0"/>
+          </a:p>
+        </p:txBody>
+      </p:sp>
+      <p:pic>
+        <p:nvPicPr>
+          <p:cNvPr id="2050" name="Picture 2"/>
+          <p:cNvPicPr>
+            <a:picLocks noGrp="1" noChangeAspect="1" noChangeArrowheads="1"/>
+          </p:cNvPicPr>
+          <p:nvPr>
+            <p:ph idx="1"/>
+          </p:nvPr>
+        </p:nvPicPr>
+        <p:blipFill>
+          <a:blip r:embed="rId2"/>
+          <a:stretch>
+            <a:fillRect/>
+          </a:stretch>
+        </p:blipFill>
+        <p:spPr bwMode="auto">
+          <a:xfrm>
+            <a:off x="3524250" y="2501106"/>
             <a:ext cx="2095500" cy="2724150"/>
           </a:xfrm>
           <a:prstGeom prst="rect">
@@ -4360,7 +4624,7 @@
 </p:sld>
 </file>
 
-<file path=ppt/slides/slide7.xml><?xml version="1.0" encoding="utf-8"?>
+<file path=ppt/slides/slide9.xml><?xml version="1.0" encoding="utf-8"?>
 <p:sld xmlns:a="http://schemas.openxmlformats.org/drawingml/2006/main" xmlns:r="http://schemas.openxmlformats.org/officeDocument/2006/relationships" xmlns:p="http://schemas.openxmlformats.org/presentationml/2006/main">
   <p:cSld>
     <p:spTree>
@@ -4690,9 +4954,9 @@
 </file>
 
 <file path=ppt/theme/theme1.xml><?xml version="1.0" encoding="utf-8"?>
-<a:theme xmlns:a="http://schemas.openxmlformats.org/drawingml/2006/main" name="技巧">
+<a:theme xmlns:a="http://schemas.openxmlformats.org/drawingml/2006/main" name="Office 主题">
   <a:themeElements>
-    <a:clrScheme name="技巧">
+    <a:clrScheme name="Office">
       <a:dk1>
         <a:sysClr val="windowText" lastClr="000000"/>
       </a:dk1>
@@ -4700,46 +4964,80 @@
         <a:sysClr val="window" lastClr="FFFFFF"/>
       </a:lt1>
       <a:dk2>
-        <a:srgbClr val="3B3B3B"/>
+        <a:srgbClr val="1F497D"/>
       </a:dk2>
       <a:lt2>
-        <a:srgbClr val="D4D2D0"/>
+        <a:srgbClr val="EEECE1"/>
       </a:lt2>
       <a:accent1>
-        <a:srgbClr val="6EA0B0"/>
+        <a:srgbClr val="4F81BD"/>
       </a:accent1>
       <a:accent2>
-        <a:srgbClr val="CCAF0A"/>
+        <a:srgbClr val="C0504D"/>
       </a:accent2>
       <a:accent3>
-        <a:srgbClr val="8D89A4"/>
+        <a:srgbClr val="9BBB59"/>
       </a:accent3>
       <a:accent4>
-        <a:srgbClr val="748560"/>
+        <a:srgbClr val="8064A2"/>
       </a:accent4>
       <a:accent5>
-        <a:srgbClr val="9E9273"/>
+        <a:srgbClr val="4BACC6"/>
       </a:accent5>
       <a:accent6>
-        <a:srgbClr val="7E848D"/>
+        <a:srgbClr val="F79646"/>
       </a:accent6>
       <a:hlink>
-        <a:srgbClr val="00C8C3"/>
+        <a:srgbClr val="0000FF"/>
       </a:hlink>
       <a:folHlink>
-        <a:srgbClr val="A116E0"/>
+        <a:srgbClr val="800080"/>
       </a:folHlink>
     </a:clrScheme>
-    <a:fontScheme name="技巧">
+    <a:fontScheme name="Office">
       <a:majorFont>
-        <a:latin typeface="Franklin Gothic Book"/>
+        <a:latin typeface="Calibri"/>
         <a:ea typeface=""/>
         <a:cs typeface=""/>
         <a:font script="Jpan" typeface="ＭＳ Ｐゴシック"/>
-        <a:font script="Hang" typeface="HY견고딕"/>
+        <a:font script="Hang" typeface="맑은 고딕"/>
         <a:font script="Hans" typeface="宋体"/>
-        <a:font script="Hant" typeface="微軟正黑體"/>
-        <a:font script="Arab" typeface="Tahoma"/>
+        <a:font script="Hant" typeface="新細明體"/>
+        <a:font script="Arab" typeface="Times New Roman"/>
+        <a:font script="Hebr" typeface="Times New Roman"/>
+        <a:font script="Thai" typeface="Angsana New"/>
+        <a:font script="Ethi" typeface="Nyala"/>
+        <a:font script="Beng" typeface="Vrinda"/>
+        <a:font script="Gujr" typeface="Shruti"/>
+        <a:font script="Khmr" typeface="MoolBoran"/>
+        <a:font script="Knda" typeface="Tunga"/>
+        <a:font script="Guru" typeface="Raavi"/>
+        <a:font script="Cans" typeface="Euphemia"/>
+        <a:font script="Cher" typeface="Plantagenet Cherokee"/>
+        <a:font script="Yiii" typeface="Microsoft Yi Baiti"/>
+        <a:font script="Tibt" typeface="Microsoft Himalaya"/>
+        <a:font script="Thaa" typeface="MV Boli"/>
+        <a:font script="Deva" typeface="Mangal"/>
+        <a:font script="Telu" typeface="Gautami"/>
+        <a:font script="Taml" typeface="Latha"/>
+        <a:font script="Syrc" typeface="Estrangelo Edessa"/>
+        <a:font script="Orya" typeface="Kalinga"/>
+        <a:font script="Mlym" typeface="Kartika"/>
+        <a:font script="Laoo" typeface="DokChampa"/>
+        <a:font script="Sinh" typeface="Iskoola Pota"/>
+        <a:font script="Mong" typeface="Mongolian Baiti"/>
+        <a:font script="Viet" typeface="Times New Roman"/>
+        <a:font script="Uigh" typeface="Microsoft Uighur"/>
+      </a:majorFont>
+      <a:minorFont>
+        <a:latin typeface="Calibri"/>
+        <a:ea typeface=""/>
+        <a:cs typeface=""/>
+        <a:font script="Jpan" typeface="ＭＳ Ｐゴシック"/>
+        <a:font script="Hang" typeface="맑은 고딕"/>
+        <a:font script="Hans" typeface="宋体"/>
+        <a:font script="Hant" typeface="新細明體"/>
+        <a:font script="Arab" typeface="Arial"/>
         <a:font script="Hebr" typeface="Arial"/>
         <a:font script="Thai" typeface="Cordia New"/>
         <a:font script="Ethi" typeface="Nyala"/>
@@ -4764,18 +5062,267 @@
         <a:font script="Mong" typeface="Mongolian Baiti"/>
         <a:font script="Viet" typeface="Arial"/>
         <a:font script="Uigh" typeface="Microsoft Uighur"/>
+      </a:minorFont>
+    </a:fontScheme>
+    <a:fmtScheme name="Office">
+      <a:fillStyleLst>
+        <a:solidFill>
+          <a:schemeClr val="phClr"/>
+        </a:solidFill>
+        <a:gradFill rotWithShape="1">
+          <a:gsLst>
+            <a:gs pos="0">
+              <a:schemeClr val="phClr">
+                <a:tint val="50000"/>
+                <a:satMod val="300000"/>
+              </a:schemeClr>
+            </a:gs>
+            <a:gs pos="35000">
+              <a:schemeClr val="phClr">
+                <a:tint val="37000"/>
+                <a:satMod val="300000"/>
+              </a:schemeClr>
+            </a:gs>
+            <a:gs pos="100000">
+              <a:schemeClr val="phClr">
+                <a:tint val="15000"/>
+                <a:satMod val="350000"/>
+              </a:schemeClr>
+            </a:gs>
+          </a:gsLst>
+          <a:lin ang="16200000" scaled="1"/>
+        </a:gradFill>
+        <a:gradFill rotWithShape="1">
+          <a:gsLst>
+            <a:gs pos="0">
+              <a:schemeClr val="phClr">
+                <a:shade val="51000"/>
+                <a:satMod val="130000"/>
+              </a:schemeClr>
+            </a:gs>
+            <a:gs pos="80000">
+              <a:schemeClr val="phClr">
+                <a:shade val="93000"/>
+                <a:satMod val="130000"/>
+              </a:schemeClr>
+            </a:gs>
+            <a:gs pos="100000">
+              <a:schemeClr val="phClr">
+                <a:shade val="94000"/>
+                <a:satMod val="135000"/>
+              </a:schemeClr>
+            </a:gs>
+          </a:gsLst>
+          <a:lin ang="16200000" scaled="0"/>
+        </a:gradFill>
+      </a:fillStyleLst>
+      <a:lnStyleLst>
+        <a:ln w="9525" cap="flat" cmpd="sng" algn="ctr">
+          <a:solidFill>
+            <a:schemeClr val="phClr">
+              <a:shade val="95000"/>
+              <a:satMod val="105000"/>
+            </a:schemeClr>
+          </a:solidFill>
+          <a:prstDash val="solid"/>
+        </a:ln>
+        <a:ln w="25400" cap="flat" cmpd="sng" algn="ctr">
+          <a:solidFill>
+            <a:schemeClr val="phClr"/>
+          </a:solidFill>
+          <a:prstDash val="solid"/>
+        </a:ln>
+        <a:ln w="38100" cap="flat" cmpd="sng" algn="ctr">
+          <a:solidFill>
+            <a:schemeClr val="phClr"/>
+          </a:solidFill>
+          <a:prstDash val="solid"/>
+        </a:ln>
+      </a:lnStyleLst>
+      <a:effectStyleLst>
+        <a:effectStyle>
+          <a:effectLst>
+            <a:outerShdw blurRad="40000" dist="20000" dir="5400000" rotWithShape="0">
+              <a:srgbClr val="000000">
+                <a:alpha val="38000"/>
+              </a:srgbClr>
+            </a:outerShdw>
+          </a:effectLst>
+        </a:effectStyle>
+        <a:effectStyle>
+          <a:effectLst>
+            <a:outerShdw blurRad="40000" dist="23000" dir="5400000" rotWithShape="0">
+              <a:srgbClr val="000000">
+                <a:alpha val="35000"/>
+              </a:srgbClr>
+            </a:outerShdw>
+          </a:effectLst>
+        </a:effectStyle>
+        <a:effectStyle>
+          <a:effectLst>
+            <a:outerShdw blurRad="40000" dist="23000" dir="5400000" rotWithShape="0">
+              <a:srgbClr val="000000">
+                <a:alpha val="35000"/>
+              </a:srgbClr>
+            </a:outerShdw>
+          </a:effectLst>
+          <a:scene3d>
+            <a:camera prst="orthographicFront">
+              <a:rot lat="0" lon="0" rev="0"/>
+            </a:camera>
+            <a:lightRig rig="threePt" dir="t">
+              <a:rot lat="0" lon="0" rev="1200000"/>
+            </a:lightRig>
+          </a:scene3d>
+          <a:sp3d>
+            <a:bevelT w="63500" h="25400"/>
+          </a:sp3d>
+        </a:effectStyle>
+      </a:effectStyleLst>
+      <a:bgFillStyleLst>
+        <a:solidFill>
+          <a:schemeClr val="phClr"/>
+        </a:solidFill>
+        <a:gradFill rotWithShape="1">
+          <a:gsLst>
+            <a:gs pos="0">
+              <a:schemeClr val="phClr">
+                <a:tint val="40000"/>
+                <a:satMod val="350000"/>
+              </a:schemeClr>
+            </a:gs>
+            <a:gs pos="40000">
+              <a:schemeClr val="phClr">
+                <a:tint val="45000"/>
+                <a:shade val="99000"/>
+                <a:satMod val="350000"/>
+              </a:schemeClr>
+            </a:gs>
+            <a:gs pos="100000">
+              <a:schemeClr val="phClr">
+                <a:shade val="20000"/>
+                <a:satMod val="255000"/>
+              </a:schemeClr>
+            </a:gs>
+          </a:gsLst>
+          <a:path path="circle">
+            <a:fillToRect l="50000" t="-80000" r="50000" b="180000"/>
+          </a:path>
+        </a:gradFill>
+        <a:gradFill rotWithShape="1">
+          <a:gsLst>
+            <a:gs pos="0">
+              <a:schemeClr val="phClr">
+                <a:tint val="80000"/>
+                <a:satMod val="300000"/>
+              </a:schemeClr>
+            </a:gs>
+            <a:gs pos="100000">
+              <a:schemeClr val="phClr">
+                <a:shade val="30000"/>
+                <a:satMod val="200000"/>
+              </a:schemeClr>
+            </a:gs>
+          </a:gsLst>
+          <a:path path="circle">
+            <a:fillToRect l="50000" t="50000" r="50000" b="50000"/>
+          </a:path>
+        </a:gradFill>
+      </a:bgFillStyleLst>
+    </a:fmtScheme>
+  </a:themeElements>
+  <a:objectDefaults/>
+  <a:extraClrSchemeLst/>
+</a:theme>
+</file>
+
+<file path=ppt/theme/theme2.xml><?xml version="1.0" encoding="utf-8"?>
+<a:theme xmlns:a="http://schemas.openxmlformats.org/drawingml/2006/main" name="Office 主题">
+  <a:themeElements>
+    <a:clrScheme name="Office">
+      <a:dk1>
+        <a:sysClr val="windowText" lastClr="000000"/>
+      </a:dk1>
+      <a:lt1>
+        <a:sysClr val="window" lastClr="FFFFFF"/>
+      </a:lt1>
+      <a:dk2>
+        <a:srgbClr val="1F497D"/>
+      </a:dk2>
+      <a:lt2>
+        <a:srgbClr val="EEECE1"/>
+      </a:lt2>
+      <a:accent1>
+        <a:srgbClr val="4F81BD"/>
+      </a:accent1>
+      <a:accent2>
+        <a:srgbClr val="C0504D"/>
+      </a:accent2>
+      <a:accent3>
+        <a:srgbClr val="9BBB59"/>
+      </a:accent3>
+      <a:accent4>
+        <a:srgbClr val="8064A2"/>
+      </a:accent4>
+      <a:accent5>
+        <a:srgbClr val="4BACC6"/>
+      </a:accent5>
+      <a:accent6>
+        <a:srgbClr val="F79646"/>
+      </a:accent6>
+      <a:hlink>
+        <a:srgbClr val="0000FF"/>
+      </a:hlink>
+      <a:folHlink>
+        <a:srgbClr val="800080"/>
+      </a:folHlink>
+    </a:clrScheme>
+    <a:fontScheme name="Office">
+      <a:majorFont>
+        <a:latin typeface="Calibri"/>
+        <a:ea typeface=""/>
+        <a:cs typeface=""/>
+        <a:font script="Jpan" typeface="ＭＳ Ｐゴシック"/>
+        <a:font script="Hang" typeface="맑은 고딕"/>
+        <a:font script="Hans" typeface="宋体"/>
+        <a:font script="Hant" typeface="新細明體"/>
+        <a:font script="Arab" typeface="Times New Roman"/>
+        <a:font script="Hebr" typeface="Times New Roman"/>
+        <a:font script="Thai" typeface="Angsana New"/>
+        <a:font script="Ethi" typeface="Nyala"/>
+        <a:font script="Beng" typeface="Vrinda"/>
+        <a:font script="Gujr" typeface="Shruti"/>
+        <a:font script="Khmr" typeface="MoolBoran"/>
+        <a:font script="Knda" typeface="Tunga"/>
+        <a:font script="Guru" typeface="Raavi"/>
+        <a:font script="Cans" typeface="Euphemia"/>
+        <a:font script="Cher" typeface="Plantagenet Cherokee"/>
+        <a:font script="Yiii" typeface="Microsoft Yi Baiti"/>
+        <a:font script="Tibt" typeface="Microsoft Himalaya"/>
+        <a:font script="Thaa" typeface="MV Boli"/>
+        <a:font script="Deva" typeface="Mangal"/>
+        <a:font script="Telu" typeface="Gautami"/>
+        <a:font script="Taml" typeface="Latha"/>
+        <a:font script="Syrc" typeface="Estrangelo Edessa"/>
+        <a:font script="Orya" typeface="Kalinga"/>
+        <a:font script="Mlym" typeface="Kartika"/>
+        <a:font script="Laoo" typeface="DokChampa"/>
+        <a:font script="Sinh" typeface="Iskoola Pota"/>
+        <a:font script="Mong" typeface="Mongolian Baiti"/>
+        <a:font script="Viet" typeface="Times New Roman"/>
+        <a:font script="Uigh" typeface="Microsoft Uighur"/>
       </a:majorFont>
       <a:minorFont>
-        <a:latin typeface="Arial"/>
+        <a:latin typeface="Calibri"/>
         <a:ea typeface=""/>
         <a:cs typeface=""/>
-        <a:font script="Jpan" typeface="HGｺﾞｼｯｸM"/>
-        <a:font script="Hang" typeface="HY중고딕"/>
-        <a:font script="Hans" typeface="黑体"/>
-        <a:font script="Hant" typeface="微軟正黑體"/>
-        <a:font script="Arab" typeface="Tahoma"/>
-        <a:font script="Hebr" typeface="Levenim MT"/>
-        <a:font script="Thai" typeface="LilyUPC"/>
+        <a:font script="Jpan" typeface="ＭＳ Ｐゴシック"/>
+        <a:font script="Hang" typeface="맑은 고딕"/>
+        <a:font script="Hans" typeface="宋体"/>
+        <a:font script="Hant" typeface="新細明體"/>
+        <a:font script="Arab" typeface="Arial"/>
+        <a:font script="Hebr" typeface="Arial"/>
+        <a:font script="Thai" typeface="Cordia New"/>
         <a:font script="Ethi" typeface="Nyala"/>
         <a:font script="Beng" typeface="Vrinda"/>
         <a:font script="Gujr" typeface="Shruti"/>
@@ -4800,7 +5347,7 @@
         <a:font script="Uigh" typeface="Microsoft Uighur"/>
       </a:minorFont>
     </a:fontScheme>
-    <a:fmtScheme name="技巧">
+    <a:fmtScheme name="Office">
       <a:fillStyleLst>
         <a:solidFill>
           <a:schemeClr val="phClr"/>
@@ -4809,99 +5356,66 @@
           <a:gsLst>
             <a:gs pos="0">
               <a:schemeClr val="phClr">
-                <a:tint val="1000"/>
+                <a:tint val="50000"/>
+                <a:satMod val="300000"/>
               </a:schemeClr>
             </a:gs>
-            <a:gs pos="68000">
+            <a:gs pos="35000">
               <a:schemeClr val="phClr">
-                <a:tint val="77000"/>
-              </a:schemeClr>
-            </a:gs>
-            <a:gs pos="81000">
-              <a:schemeClr val="phClr">
-                <a:tint val="79000"/>
-              </a:schemeClr>
-            </a:gs>
-            <a:gs pos="86000">
-              <a:schemeClr val="phClr">
-                <a:tint val="73000"/>
+                <a:tint val="37000"/>
+                <a:satMod val="300000"/>
               </a:schemeClr>
             </a:gs>
             <a:gs pos="100000">
               <a:schemeClr val="phClr">
-                <a:tint val="35000"/>
+                <a:tint val="15000"/>
+                <a:satMod val="350000"/>
               </a:schemeClr>
             </a:gs>
           </a:gsLst>
-          <a:lin ang="5400000" scaled="1"/>
+          <a:lin ang="16200000" scaled="1"/>
         </a:gradFill>
         <a:gradFill rotWithShape="1">
           <a:gsLst>
             <a:gs pos="0">
               <a:schemeClr val="phClr">
-                <a:tint val="73000"/>
-                <a:satMod val="150000"/>
-              </a:schemeClr>
-            </a:gs>
-            <a:gs pos="25000">
-              <a:schemeClr val="phClr">
-                <a:tint val="96000"/>
-                <a:shade val="80000"/>
-                <a:satMod val="105000"/>
-              </a:schemeClr>
-            </a:gs>
-            <a:gs pos="38000">
-              <a:schemeClr val="phClr">
-                <a:tint val="96000"/>
-                <a:shade val="59000"/>
-                <a:satMod val="120000"/>
-              </a:schemeClr>
-            </a:gs>
-            <a:gs pos="55000">
-              <a:schemeClr val="phClr">
-                <a:shade val="57000"/>
-                <a:satMod val="120000"/>
+                <a:shade val="51000"/>
+                <a:satMod val="130000"/>
               </a:schemeClr>
             </a:gs>
             <a:gs pos="80000">
               <a:schemeClr val="phClr">
-                <a:shade val="56000"/>
-                <a:satMod val="145000"/>
-              </a:schemeClr>
-            </a:gs>
-            <a:gs pos="88000">
-              <a:schemeClr val="phClr">
-                <a:shade val="63000"/>
-                <a:satMod val="160000"/>
+                <a:shade val="93000"/>
+                <a:satMod val="130000"/>
               </a:schemeClr>
             </a:gs>
             <a:gs pos="100000">
               <a:schemeClr val="phClr">
-                <a:tint val="99555"/>
-                <a:satMod val="155000"/>
+                <a:shade val="94000"/>
+                <a:satMod val="135000"/>
               </a:schemeClr>
             </a:gs>
           </a:gsLst>
-          <a:lin ang="5400000" scaled="1"/>
+          <a:lin ang="16200000" scaled="0"/>
         </a:gradFill>
       </a:fillStyleLst>
       <a:lnStyleLst>
         <a:ln w="9525" cap="flat" cmpd="sng" algn="ctr">
           <a:solidFill>
             <a:schemeClr val="phClr">
-              <a:shade val="60000"/>
-              <a:satMod val="300000"/>
+              <a:shade val="95000"/>
+              <a:satMod val="105000"/>
             </a:schemeClr>
           </a:solidFill>
           <a:prstDash val="solid"/>
         </a:ln>
-        <a:ln w="19050" cap="flat" cmpd="sng" algn="ctr">
+        <a:ln w="25400" cap="flat" cmpd="sng" algn="ctr">
           <a:solidFill>
             <a:schemeClr val="phClr"/>
           </a:solidFill>
           <a:prstDash val="solid"/>
         </a:ln>
-        <a:ln w="19050" cap="flat" cmpd="sng" algn="ctr">
+        <a:ln w="38100" cap="flat" cmpd="sng" algn="ctr">
           <a:solidFill>
             <a:schemeClr val="phClr"/>
           </a:solidFill>
@@ -4911,55 +5425,40 @@
       <a:effectStyleLst>
         <a:effectStyle>
           <a:effectLst>
-            <a:glow rad="63500">
-              <a:schemeClr val="phClr">
-                <a:tint val="30000"/>
-                <a:shade val="95000"/>
-                <a:satMod val="300000"/>
-                <a:alpha val="50000"/>
-              </a:schemeClr>
-            </a:glow>
+            <a:outerShdw blurRad="40000" dist="20000" dir="5400000" rotWithShape="0">
+              <a:srgbClr val="000000">
+                <a:alpha val="38000"/>
+              </a:srgbClr>
+            </a:outerShdw>
           </a:effectLst>
         </a:effectStyle>
         <a:effectStyle>
           <a:effectLst>
-            <a:glow rad="70000">
-              <a:schemeClr val="phClr">
-                <a:tint val="30000"/>
-                <a:shade val="95000"/>
-                <a:satMod val="300000"/>
-                <a:alpha val="50000"/>
-              </a:schemeClr>
-            </a:glow>
+            <a:outerShdw blurRad="40000" dist="23000" dir="5400000" rotWithShape="0">
+              <a:srgbClr val="000000">
+                <a:alpha val="35000"/>
+              </a:srgbClr>
+            </a:outerShdw>
           </a:effectLst>
         </a:effectStyle>
         <a:effectStyle>
           <a:effectLst>
-            <a:glow rad="76200">
-              <a:schemeClr val="phClr">
-                <a:tint val="30000"/>
-                <a:shade val="95000"/>
-                <a:satMod val="300000"/>
-                <a:alpha val="50000"/>
-              </a:schemeClr>
-            </a:glow>
+            <a:outerShdw blurRad="40000" dist="23000" dir="5400000" rotWithShape="0">
+              <a:srgbClr val="000000">
+                <a:alpha val="35000"/>
+              </a:srgbClr>
+            </a:outerShdw>
           </a:effectLst>
           <a:scene3d>
-            <a:camera prst="orthographicFront" fov="0">
+            <a:camera prst="orthographicFront">
               <a:rot lat="0" lon="0" rev="0"/>
             </a:camera>
-            <a:lightRig rig="harsh" dir="t">
-              <a:rot lat="6000000" lon="6000000" rev="0"/>
+            <a:lightRig rig="threePt" dir="t">
+              <a:rot lat="0" lon="0" rev="1200000"/>
             </a:lightRig>
           </a:scene3d>
-          <a:sp3d contourW="10000" prstMaterial="metal">
-            <a:bevelT w="20000" h="9000" prst="softRound"/>
-            <a:contourClr>
-              <a:schemeClr val="phClr">
-                <a:shade val="30000"/>
-                <a:satMod val="200000"/>
-              </a:schemeClr>
-            </a:contourClr>
+          <a:sp3d>
+            <a:bevelT w="63500" h="25400"/>
           </a:sp3d>
         </a:effectStyle>
       </a:effectStyleLst>
@@ -4971,42 +5470,45 @@
           <a:gsLst>
             <a:gs pos="0">
               <a:schemeClr val="phClr">
-                <a:shade val="40000"/>
-                <a:satMod val="150000"/>
+                <a:tint val="40000"/>
+                <a:satMod val="350000"/>
               </a:schemeClr>
             </a:gs>
-            <a:gs pos="30000">
+            <a:gs pos="40000">
               <a:schemeClr val="phClr">
-                <a:shade val="60000"/>
-                <a:satMod val="150000"/>
+                <a:tint val="45000"/>
+                <a:shade val="99000"/>
+                <a:satMod val="350000"/>
               </a:schemeClr>
             </a:gs>
             <a:gs pos="100000">
               <a:schemeClr val="phClr">
-                <a:tint val="83000"/>
-                <a:satMod val="200000"/>
+                <a:shade val="20000"/>
+                <a:satMod val="255000"/>
               </a:schemeClr>
             </a:gs>
           </a:gsLst>
-          <a:lin ang="13000000" scaled="0"/>
+          <a:path path="circle">
+            <a:fillToRect l="50000" t="-80000" r="50000" b="180000"/>
+          </a:path>
         </a:gradFill>
         <a:gradFill rotWithShape="1">
           <a:gsLst>
             <a:gs pos="0">
               <a:schemeClr val="phClr">
-                <a:tint val="78000"/>
-                <a:satMod val="220000"/>
+                <a:tint val="80000"/>
+                <a:satMod val="300000"/>
               </a:schemeClr>
             </a:gs>
             <a:gs pos="100000">
               <a:schemeClr val="phClr">
-                <a:shade val="35000"/>
-                <a:satMod val="155000"/>
+                <a:shade val="30000"/>
+                <a:satMod val="200000"/>
               </a:schemeClr>
             </a:gs>
           </a:gsLst>
           <a:path path="circle">
-            <a:fillToRect l="60000" t="50000" r="40000" b="50000"/>
+            <a:fillToRect l="50000" t="50000" r="50000" b="50000"/>
           </a:path>
         </a:gradFill>
       </a:bgFillStyleLst>
